--- a/מטלה להערכה חלופית.pptx
+++ b/מטלה להערכה חלופית.pptx
@@ -6,7 +6,12 @@
   </p:sldMasterIdLst>
   <p:sldIdLst>
     <p:sldId id="256" r:id="rId5"/>
-    <p:sldId id="257" r:id="rId6"/>
+    <p:sldId id="259" r:id="rId6"/>
+    <p:sldId id="257" r:id="rId7"/>
+    <p:sldId id="261" r:id="rId8"/>
+    <p:sldId id="262" r:id="rId9"/>
+    <p:sldId id="264" r:id="rId10"/>
+    <p:sldId id="265" r:id="rId11"/>
   </p:sldIdLst>
   <p:sldSz cx="12192000" cy="6858000"/>
   <p:notesSz cx="6858000" cy="9144000"/>
@@ -113,1044 +118,6 @@
 </p:presentation>
 </file>
 
-<file path=ppt/charts/chart1.xml><?xml version="1.0" encoding="utf-8"?>
-<c:chartSpace xmlns:c="http://schemas.openxmlformats.org/drawingml/2006/chart" xmlns:a="http://schemas.openxmlformats.org/drawingml/2006/main" xmlns:r="http://schemas.openxmlformats.org/officeDocument/2006/relationships" xmlns:c16r2="http://schemas.microsoft.com/office/drawing/2015/06/chart">
-  <c:date1904 val="0"/>
-  <c:lang val="he-IL"/>
-  <c:roundedCorners val="0"/>
-  <mc:AlternateContent xmlns:mc="http://schemas.openxmlformats.org/markup-compatibility/2006">
-    <mc:Choice xmlns:c14="http://schemas.microsoft.com/office/drawing/2007/8/2/chart" Requires="c14">
-      <c14:style val="108"/>
-    </mc:Choice>
-    <mc:Fallback>
-      <c:style val="8"/>
-    </mc:Fallback>
-  </mc:AlternateContent>
-  <c:chart>
-    <c:title>
-      <c:tx>
-        <c:rich>
-          <a:bodyPr rot="0" spcFirstLastPara="1" vertOverflow="ellipsis" vert="horz" wrap="square" anchor="ctr" anchorCtr="1"/>
-          <a:lstStyle/>
-          <a:p>
-            <a:pPr>
-              <a:defRPr sz="1600" b="1" i="0" u="none" strike="noStrike" kern="1200" baseline="0">
-                <a:solidFill>
-                  <a:schemeClr val="tx1">
-                    <a:lumMod val="65000"/>
-                    <a:lumOff val="35000"/>
-                  </a:schemeClr>
-                </a:solidFill>
-                <a:latin typeface="+mn-lt"/>
-                <a:ea typeface="+mn-ea"/>
-                <a:cs typeface="+mn-cs"/>
-              </a:defRPr>
-            </a:pPr>
-            <a:r>
-              <a:rPr lang="he-IL"/>
-              <a:t>עומס ממוצע להזמנה לפי שבוע</a:t>
-            </a:r>
-          </a:p>
-        </c:rich>
-      </c:tx>
-      <c:layout>
-        <c:manualLayout>
-          <c:xMode val="edge"/>
-          <c:yMode val="edge"/>
-          <c:x val="0.21665266841644795"/>
-          <c:y val="4.6296296296296294E-3"/>
-        </c:manualLayout>
-      </c:layout>
-      <c:overlay val="0"/>
-      <c:spPr>
-        <a:noFill/>
-        <a:ln>
-          <a:noFill/>
-        </a:ln>
-        <a:effectLst/>
-      </c:spPr>
-      <c:txPr>
-        <a:bodyPr rot="0" spcFirstLastPara="1" vertOverflow="ellipsis" vert="horz" wrap="square" anchor="ctr" anchorCtr="1"/>
-        <a:lstStyle/>
-        <a:p>
-          <a:pPr>
-            <a:defRPr sz="1600" b="1" i="0" u="none" strike="noStrike" kern="1200" baseline="0">
-              <a:solidFill>
-                <a:schemeClr val="tx1">
-                  <a:lumMod val="65000"/>
-                  <a:lumOff val="35000"/>
-                </a:schemeClr>
-              </a:solidFill>
-              <a:latin typeface="+mn-lt"/>
-              <a:ea typeface="+mn-ea"/>
-              <a:cs typeface="+mn-cs"/>
-            </a:defRPr>
-          </a:pPr>
-          <a:endParaRPr lang="he-IL"/>
-        </a:p>
-      </c:txPr>
-    </c:title>
-    <c:autoTitleDeleted val="0"/>
-    <c:plotArea>
-      <c:layout/>
-      <c:barChart>
-        <c:barDir val="col"/>
-        <c:grouping val="clustered"/>
-        <c:varyColors val="0"/>
-        <c:ser>
-          <c:idx val="0"/>
-          <c:order val="0"/>
-          <c:spPr>
-            <a:gradFill rotWithShape="1">
-              <a:gsLst>
-                <a:gs pos="0">
-                  <a:schemeClr val="accent6">
-                    <a:satMod val="103000"/>
-                    <a:lumMod val="102000"/>
-                    <a:tint val="94000"/>
-                  </a:schemeClr>
-                </a:gs>
-                <a:gs pos="50000">
-                  <a:schemeClr val="accent6">
-                    <a:satMod val="110000"/>
-                    <a:lumMod val="100000"/>
-                    <a:shade val="100000"/>
-                  </a:schemeClr>
-                </a:gs>
-                <a:gs pos="100000">
-                  <a:schemeClr val="accent6">
-                    <a:lumMod val="99000"/>
-                    <a:satMod val="120000"/>
-                    <a:shade val="78000"/>
-                  </a:schemeClr>
-                </a:gs>
-              </a:gsLst>
-              <a:lin ang="5400000" scaled="0"/>
-            </a:gradFill>
-            <a:ln>
-              <a:noFill/>
-            </a:ln>
-            <a:effectLst>
-              <a:outerShdw blurRad="57150" dist="19050" dir="5400000" algn="ctr" rotWithShape="0">
-                <a:srgbClr val="000000">
-                  <a:alpha val="63000"/>
-                </a:srgbClr>
-              </a:outerShdw>
-            </a:effectLst>
-          </c:spPr>
-          <c:invertIfNegative val="0"/>
-          <c:dPt>
-            <c:idx val="2"/>
-            <c:invertIfNegative val="0"/>
-            <c:bubble3D val="0"/>
-            <c:spPr>
-              <a:solidFill>
-                <a:srgbClr val="FF0000"/>
-              </a:solidFill>
-              <a:ln>
-                <a:noFill/>
-              </a:ln>
-              <a:effectLst>
-                <a:outerShdw blurRad="57150" dist="19050" dir="5400000" algn="ctr" rotWithShape="0">
-                  <a:srgbClr val="000000">
-                    <a:alpha val="63000"/>
-                  </a:srgbClr>
-                </a:outerShdw>
-              </a:effectLst>
-            </c:spPr>
-            <c:extLst>
-              <c:ext xmlns:c16="http://schemas.microsoft.com/office/drawing/2014/chart" uri="{C3380CC4-5D6E-409C-BE32-E72D297353CC}">
-                <c16:uniqueId val="{00000001-1565-417A-BEDD-4B00CA09DBF0}"/>
-              </c:ext>
-            </c:extLst>
-          </c:dPt>
-          <c:dLbls>
-            <c:spPr>
-              <a:noFill/>
-              <a:ln>
-                <a:noFill/>
-              </a:ln>
-              <a:effectLst/>
-            </c:spPr>
-            <c:txPr>
-              <a:bodyPr rot="0" spcFirstLastPara="1" vertOverflow="ellipsis" vert="horz" wrap="square" lIns="38100" tIns="19050" rIns="38100" bIns="19050" anchor="ctr" anchorCtr="1">
-                <a:spAutoFit/>
-              </a:bodyPr>
-              <a:lstStyle/>
-              <a:p>
-                <a:pPr>
-                  <a:defRPr sz="900" b="0" i="0" u="none" strike="noStrike" kern="1200" baseline="0">
-                    <a:solidFill>
-                      <a:schemeClr val="tx1">
-                        <a:lumMod val="75000"/>
-                        <a:lumOff val="25000"/>
-                      </a:schemeClr>
-                    </a:solidFill>
-                    <a:latin typeface="+mn-lt"/>
-                    <a:ea typeface="+mn-ea"/>
-                    <a:cs typeface="+mn-cs"/>
-                  </a:defRPr>
-                </a:pPr>
-                <a:endParaRPr lang="he-IL"/>
-              </a:p>
-            </c:txPr>
-            <c:dLblPos val="outEnd"/>
-            <c:showLegendKey val="0"/>
-            <c:showVal val="1"/>
-            <c:showCatName val="0"/>
-            <c:showSerName val="0"/>
-            <c:showPercent val="0"/>
-            <c:showBubbleSize val="0"/>
-            <c:showLeaderLines val="0"/>
-            <c:extLst>
-              <c:ext xmlns:c15="http://schemas.microsoft.com/office/drawing/2012/chart" uri="{CE6537A1-D6FC-4f65-9D91-7224C49458BB}">
-                <c15:showLeaderLines val="1"/>
-                <c15:leaderLines>
-                  <c:spPr>
-                    <a:ln w="9525" cap="flat" cmpd="sng" algn="ctr">
-                      <a:solidFill>
-                        <a:schemeClr val="tx1">
-                          <a:lumMod val="35000"/>
-                          <a:lumOff val="65000"/>
-                        </a:schemeClr>
-                      </a:solidFill>
-                      <a:round/>
-                    </a:ln>
-                    <a:effectLst/>
-                  </c:spPr>
-                </c15:leaderLines>
-              </c:ext>
-            </c:extLst>
-          </c:dLbls>
-          <c:cat>
-            <c:numRef>
-              <c:f>'צבר הזמנות'!$L$4:$L$8</c:f>
-              <c:numCache>
-                <c:formatCode>General</c:formatCode>
-                <c:ptCount val="5"/>
-                <c:pt idx="0">
-                  <c:v>1</c:v>
-                </c:pt>
-                <c:pt idx="1">
-                  <c:v>2</c:v>
-                </c:pt>
-                <c:pt idx="2">
-                  <c:v>3</c:v>
-                </c:pt>
-                <c:pt idx="3">
-                  <c:v>4</c:v>
-                </c:pt>
-                <c:pt idx="4">
-                  <c:v>5</c:v>
-                </c:pt>
-              </c:numCache>
-            </c:numRef>
-          </c:cat>
-          <c:val>
-            <c:numRef>
-              <c:f>'צבר הזמנות'!$O$4:$O$8</c:f>
-              <c:numCache>
-                <c:formatCode>General</c:formatCode>
-                <c:ptCount val="5"/>
-                <c:pt idx="0">
-                  <c:v>865.14285714285711</c:v>
-                </c:pt>
-                <c:pt idx="1">
-                  <c:v>856.90909090909088</c:v>
-                </c:pt>
-                <c:pt idx="2">
-                  <c:v>1278.2</c:v>
-                </c:pt>
-                <c:pt idx="3">
-                  <c:v>953.84615384615381</c:v>
-                </c:pt>
-                <c:pt idx="4">
-                  <c:v>899.2</c:v>
-                </c:pt>
-              </c:numCache>
-            </c:numRef>
-          </c:val>
-          <c:extLst>
-            <c:ext xmlns:c16="http://schemas.microsoft.com/office/drawing/2014/chart" uri="{C3380CC4-5D6E-409C-BE32-E72D297353CC}">
-              <c16:uniqueId val="{00000002-1565-417A-BEDD-4B00CA09DBF0}"/>
-            </c:ext>
-          </c:extLst>
-        </c:ser>
-        <c:dLbls>
-          <c:showLegendKey val="0"/>
-          <c:showVal val="0"/>
-          <c:showCatName val="0"/>
-          <c:showSerName val="0"/>
-          <c:showPercent val="0"/>
-          <c:showBubbleSize val="0"/>
-        </c:dLbls>
-        <c:gapWidth val="100"/>
-        <c:overlap val="-24"/>
-        <c:axId val="497435200"/>
-        <c:axId val="497416064"/>
-      </c:barChart>
-      <c:catAx>
-        <c:axId val="497435200"/>
-        <c:scaling>
-          <c:orientation val="minMax"/>
-        </c:scaling>
-        <c:delete val="0"/>
-        <c:axPos val="b"/>
-        <c:title>
-          <c:tx>
-            <c:rich>
-              <a:bodyPr rot="0" spcFirstLastPara="1" vertOverflow="ellipsis" vert="horz" wrap="square" anchor="ctr" anchorCtr="1"/>
-              <a:lstStyle/>
-              <a:p>
-                <a:pPr>
-                  <a:defRPr sz="900" b="0" i="0" u="none" strike="noStrike" kern="1200" baseline="0">
-                    <a:solidFill>
-                      <a:schemeClr val="tx1">
-                        <a:lumMod val="65000"/>
-                        <a:lumOff val="35000"/>
-                      </a:schemeClr>
-                    </a:solidFill>
-                    <a:latin typeface="+mn-lt"/>
-                    <a:ea typeface="+mn-ea"/>
-                    <a:cs typeface="+mn-cs"/>
-                  </a:defRPr>
-                </a:pPr>
-                <a:r>
-                  <a:rPr lang="he-IL"/>
-                  <a:t>שבוע אספקה</a:t>
-                </a:r>
-              </a:p>
-            </c:rich>
-          </c:tx>
-          <c:overlay val="0"/>
-          <c:spPr>
-            <a:noFill/>
-            <a:ln>
-              <a:noFill/>
-            </a:ln>
-            <a:effectLst/>
-          </c:spPr>
-          <c:txPr>
-            <a:bodyPr rot="0" spcFirstLastPara="1" vertOverflow="ellipsis" vert="horz" wrap="square" anchor="ctr" anchorCtr="1"/>
-            <a:lstStyle/>
-            <a:p>
-              <a:pPr>
-                <a:defRPr sz="900" b="0" i="0" u="none" strike="noStrike" kern="1200" baseline="0">
-                  <a:solidFill>
-                    <a:schemeClr val="tx1">
-                      <a:lumMod val="65000"/>
-                      <a:lumOff val="35000"/>
-                    </a:schemeClr>
-                  </a:solidFill>
-                  <a:latin typeface="+mn-lt"/>
-                  <a:ea typeface="+mn-ea"/>
-                  <a:cs typeface="+mn-cs"/>
-                </a:defRPr>
-              </a:pPr>
-              <a:endParaRPr lang="he-IL"/>
-            </a:p>
-          </c:txPr>
-        </c:title>
-        <c:numFmt formatCode="General" sourceLinked="1"/>
-        <c:majorTickMark val="none"/>
-        <c:minorTickMark val="none"/>
-        <c:tickLblPos val="nextTo"/>
-        <c:spPr>
-          <a:noFill/>
-          <a:ln w="12700" cap="flat" cmpd="sng" algn="ctr">
-            <a:solidFill>
-              <a:schemeClr val="tx1">
-                <a:lumMod val="15000"/>
-                <a:lumOff val="85000"/>
-              </a:schemeClr>
-            </a:solidFill>
-            <a:round/>
-          </a:ln>
-          <a:effectLst/>
-        </c:spPr>
-        <c:txPr>
-          <a:bodyPr rot="-60000000" spcFirstLastPara="1" vertOverflow="ellipsis" vert="horz" wrap="square" anchor="ctr" anchorCtr="1"/>
-          <a:lstStyle/>
-          <a:p>
-            <a:pPr>
-              <a:defRPr sz="900" b="0" i="0" u="none" strike="noStrike" kern="1200" baseline="0">
-                <a:solidFill>
-                  <a:schemeClr val="tx1">
-                    <a:lumMod val="65000"/>
-                    <a:lumOff val="35000"/>
-                  </a:schemeClr>
-                </a:solidFill>
-                <a:latin typeface="+mn-lt"/>
-                <a:ea typeface="+mn-ea"/>
-                <a:cs typeface="+mn-cs"/>
-              </a:defRPr>
-            </a:pPr>
-            <a:endParaRPr lang="he-IL"/>
-          </a:p>
-        </c:txPr>
-        <c:crossAx val="497416064"/>
-        <c:crosses val="autoZero"/>
-        <c:auto val="1"/>
-        <c:lblAlgn val="ctr"/>
-        <c:lblOffset val="100"/>
-        <c:noMultiLvlLbl val="0"/>
-      </c:catAx>
-      <c:valAx>
-        <c:axId val="497416064"/>
-        <c:scaling>
-          <c:orientation val="minMax"/>
-        </c:scaling>
-        <c:delete val="0"/>
-        <c:axPos val="l"/>
-        <c:majorGridlines>
-          <c:spPr>
-            <a:ln w="9525" cap="flat" cmpd="sng" algn="ctr">
-              <a:solidFill>
-                <a:schemeClr val="tx1">
-                  <a:lumMod val="15000"/>
-                  <a:lumOff val="85000"/>
-                </a:schemeClr>
-              </a:solidFill>
-              <a:round/>
-            </a:ln>
-            <a:effectLst/>
-          </c:spPr>
-        </c:majorGridlines>
-        <c:title>
-          <c:tx>
-            <c:rich>
-              <a:bodyPr rot="-5400000" spcFirstLastPara="1" vertOverflow="ellipsis" vert="horz" wrap="square" anchor="ctr" anchorCtr="1"/>
-              <a:lstStyle/>
-              <a:p>
-                <a:pPr>
-                  <a:defRPr sz="900" b="0" i="0" u="none" strike="noStrike" kern="1200" baseline="0">
-                    <a:solidFill>
-                      <a:schemeClr val="tx1">
-                        <a:lumMod val="65000"/>
-                        <a:lumOff val="35000"/>
-                      </a:schemeClr>
-                    </a:solidFill>
-                    <a:latin typeface="+mn-lt"/>
-                    <a:ea typeface="+mn-ea"/>
-                    <a:cs typeface="+mn-cs"/>
-                  </a:defRPr>
-                </a:pPr>
-                <a:r>
-                  <a:rPr lang="he-IL"/>
-                  <a:t>עומס ממוצע</a:t>
-                </a:r>
-              </a:p>
-            </c:rich>
-          </c:tx>
-          <c:overlay val="0"/>
-          <c:spPr>
-            <a:noFill/>
-            <a:ln>
-              <a:noFill/>
-            </a:ln>
-            <a:effectLst/>
-          </c:spPr>
-          <c:txPr>
-            <a:bodyPr rot="-5400000" spcFirstLastPara="1" vertOverflow="ellipsis" vert="horz" wrap="square" anchor="ctr" anchorCtr="1"/>
-            <a:lstStyle/>
-            <a:p>
-              <a:pPr>
-                <a:defRPr sz="900" b="0" i="0" u="none" strike="noStrike" kern="1200" baseline="0">
-                  <a:solidFill>
-                    <a:schemeClr val="tx1">
-                      <a:lumMod val="65000"/>
-                      <a:lumOff val="35000"/>
-                    </a:schemeClr>
-                  </a:solidFill>
-                  <a:latin typeface="+mn-lt"/>
-                  <a:ea typeface="+mn-ea"/>
-                  <a:cs typeface="+mn-cs"/>
-                </a:defRPr>
-              </a:pPr>
-              <a:endParaRPr lang="he-IL"/>
-            </a:p>
-          </c:txPr>
-        </c:title>
-        <c:numFmt formatCode="General" sourceLinked="1"/>
-        <c:majorTickMark val="none"/>
-        <c:minorTickMark val="none"/>
-        <c:tickLblPos val="nextTo"/>
-        <c:spPr>
-          <a:noFill/>
-          <a:ln>
-            <a:noFill/>
-          </a:ln>
-          <a:effectLst/>
-        </c:spPr>
-        <c:txPr>
-          <a:bodyPr rot="-60000000" spcFirstLastPara="1" vertOverflow="ellipsis" vert="horz" wrap="square" anchor="ctr" anchorCtr="1"/>
-          <a:lstStyle/>
-          <a:p>
-            <a:pPr>
-              <a:defRPr sz="900" b="0" i="0" u="none" strike="noStrike" kern="1200" baseline="0">
-                <a:solidFill>
-                  <a:schemeClr val="tx1">
-                    <a:lumMod val="65000"/>
-                    <a:lumOff val="35000"/>
-                  </a:schemeClr>
-                </a:solidFill>
-                <a:latin typeface="+mn-lt"/>
-                <a:ea typeface="+mn-ea"/>
-                <a:cs typeface="+mn-cs"/>
-              </a:defRPr>
-            </a:pPr>
-            <a:endParaRPr lang="he-IL"/>
-          </a:p>
-        </c:txPr>
-        <c:crossAx val="497435200"/>
-        <c:crosses val="autoZero"/>
-        <c:crossBetween val="between"/>
-      </c:valAx>
-      <c:spPr>
-        <a:noFill/>
-        <a:ln>
-          <a:noFill/>
-        </a:ln>
-        <a:effectLst/>
-      </c:spPr>
-    </c:plotArea>
-    <c:plotVisOnly val="1"/>
-    <c:dispBlanksAs val="gap"/>
-    <c:showDLblsOverMax val="0"/>
-  </c:chart>
-  <c:spPr>
-    <a:noFill/>
-    <a:ln>
-      <a:solidFill>
-        <a:schemeClr val="accent1"/>
-      </a:solidFill>
-    </a:ln>
-    <a:effectLst/>
-  </c:spPr>
-  <c:txPr>
-    <a:bodyPr/>
-    <a:lstStyle/>
-    <a:p>
-      <a:pPr>
-        <a:defRPr/>
-      </a:pPr>
-      <a:endParaRPr lang="he-IL"/>
-    </a:p>
-  </c:txPr>
-  <c:externalData r:id="rId3">
-    <c:autoUpdate val="0"/>
-  </c:externalData>
-</c:chartSpace>
-</file>
-
-<file path=ppt/charts/colors1.xml><?xml version="1.0" encoding="utf-8"?>
-<cs:colorStyle xmlns:cs="http://schemas.microsoft.com/office/drawing/2012/chartStyle" xmlns:a="http://schemas.openxmlformats.org/drawingml/2006/main" meth="withinLinearReversed" id="26">
-  <a:schemeClr val="accent6"/>
-</cs:colorStyle>
-</file>
-
-<file path=ppt/charts/style1.xml><?xml version="1.0" encoding="utf-8"?>
-<cs:chartStyle xmlns:cs="http://schemas.microsoft.com/office/drawing/2012/chartStyle" xmlns:a="http://schemas.openxmlformats.org/drawingml/2006/main" id="340">
-  <cs:axisTitle>
-    <cs:lnRef idx="0"/>
-    <cs:fillRef idx="0"/>
-    <cs:effectRef idx="0"/>
-    <cs:fontRef idx="minor">
-      <a:schemeClr val="tx1">
-        <a:lumMod val="65000"/>
-        <a:lumOff val="35000"/>
-      </a:schemeClr>
-    </cs:fontRef>
-    <cs:defRPr sz="900" kern="1200"/>
-  </cs:axisTitle>
-  <cs:categoryAxis>
-    <cs:lnRef idx="0"/>
-    <cs:fillRef idx="0"/>
-    <cs:effectRef idx="0"/>
-    <cs:fontRef idx="minor">
-      <a:schemeClr val="tx1">
-        <a:lumMod val="65000"/>
-        <a:lumOff val="35000"/>
-      </a:schemeClr>
-    </cs:fontRef>
-    <cs:spPr>
-      <a:ln w="12700" cap="flat" cmpd="sng" algn="ctr">
-        <a:solidFill>
-          <a:schemeClr val="tx1">
-            <a:lumMod val="15000"/>
-            <a:lumOff val="85000"/>
-          </a:schemeClr>
-        </a:solidFill>
-        <a:round/>
-      </a:ln>
-    </cs:spPr>
-    <cs:defRPr sz="900" kern="1200"/>
-  </cs:categoryAxis>
-  <cs:chartArea mods="allowNoFillOverride allowNoLineOverride">
-    <cs:lnRef idx="0"/>
-    <cs:fillRef idx="0"/>
-    <cs:effectRef idx="0"/>
-    <cs:fontRef idx="minor">
-      <a:schemeClr val="tx2"/>
-    </cs:fontRef>
-    <cs:spPr>
-      <a:solidFill>
-        <a:schemeClr val="bg1"/>
-      </a:solidFill>
-      <a:ln w="9525" cap="flat" cmpd="sng" algn="ctr">
-        <a:solidFill>
-          <a:schemeClr val="tx1">
-            <a:lumMod val="15000"/>
-            <a:lumOff val="85000"/>
-          </a:schemeClr>
-        </a:solidFill>
-        <a:round/>
-      </a:ln>
-    </cs:spPr>
-    <cs:defRPr sz="900" kern="1200"/>
-  </cs:chartArea>
-  <cs:dataLabel>
-    <cs:lnRef idx="0"/>
-    <cs:fillRef idx="0"/>
-    <cs:effectRef idx="0"/>
-    <cs:fontRef idx="minor">
-      <a:schemeClr val="tx1">
-        <a:lumMod val="75000"/>
-        <a:lumOff val="25000"/>
-      </a:schemeClr>
-    </cs:fontRef>
-    <cs:defRPr sz="900" kern="1200"/>
-  </cs:dataLabel>
-  <cs:dataLabelCallout>
-    <cs:lnRef idx="0"/>
-    <cs:fillRef idx="0"/>
-    <cs:effectRef idx="0"/>
-    <cs:fontRef idx="minor">
-      <a:schemeClr val="dk1">
-        <a:lumMod val="65000"/>
-        <a:lumOff val="35000"/>
-      </a:schemeClr>
-    </cs:fontRef>
-    <cs:spPr>
-      <a:solidFill>
-        <a:schemeClr val="lt1"/>
-      </a:solidFill>
-      <a:ln>
-        <a:solidFill>
-          <a:schemeClr val="dk1">
-            <a:lumMod val="25000"/>
-            <a:lumOff val="75000"/>
-          </a:schemeClr>
-        </a:solidFill>
-      </a:ln>
-    </cs:spPr>
-    <cs:defRPr sz="900" kern="1200"/>
-    <cs:bodyPr rot="0" spcFirstLastPara="1" vertOverflow="clip" horzOverflow="clip" vert="horz" wrap="square" lIns="36576" tIns="18288" rIns="36576" bIns="18288" anchor="ctr" anchorCtr="1">
-      <a:spAutoFit/>
-    </cs:bodyPr>
-  </cs:dataLabelCallout>
-  <cs:dataPoint>
-    <cs:lnRef idx="0"/>
-    <cs:fillRef idx="3">
-      <cs:styleClr val="auto"/>
-    </cs:fillRef>
-    <cs:effectRef idx="3"/>
-    <cs:fontRef idx="minor">
-      <a:schemeClr val="lt1"/>
-    </cs:fontRef>
-  </cs:dataPoint>
-  <cs:dataPoint3D>
-    <cs:lnRef idx="0"/>
-    <cs:fillRef idx="3">
-      <cs:styleClr val="auto"/>
-    </cs:fillRef>
-    <cs:effectRef idx="3"/>
-    <cs:fontRef idx="minor">
-      <a:schemeClr val="lt1"/>
-    </cs:fontRef>
-  </cs:dataPoint3D>
-  <cs:dataPointLine>
-    <cs:lnRef idx="0">
-      <cs:styleClr val="auto"/>
-    </cs:lnRef>
-    <cs:fillRef idx="3"/>
-    <cs:effectRef idx="3"/>
-    <cs:fontRef idx="minor">
-      <a:schemeClr val="lt1"/>
-    </cs:fontRef>
-    <cs:spPr>
-      <a:ln w="34925" cap="rnd">
-        <a:solidFill>
-          <a:schemeClr val="phClr"/>
-        </a:solidFill>
-        <a:round/>
-      </a:ln>
-    </cs:spPr>
-  </cs:dataPointLine>
-  <cs:dataPointMarker>
-    <cs:lnRef idx="0">
-      <cs:styleClr val="auto"/>
-    </cs:lnRef>
-    <cs:fillRef idx="3">
-      <cs:styleClr val="auto"/>
-    </cs:fillRef>
-    <cs:effectRef idx="3"/>
-    <cs:fontRef idx="minor">
-      <a:schemeClr val="lt1"/>
-    </cs:fontRef>
-    <cs:spPr>
-      <a:ln w="9525">
-        <a:solidFill>
-          <a:schemeClr val="phClr"/>
-        </a:solidFill>
-        <a:round/>
-      </a:ln>
-    </cs:spPr>
-  </cs:dataPointMarker>
-  <cs:dataPointMarkerLayout symbol="circle" size="6"/>
-  <cs:dataPointWireframe>
-    <cs:lnRef idx="0">
-      <cs:styleClr val="auto"/>
-    </cs:lnRef>
-    <cs:fillRef idx="3"/>
-    <cs:effectRef idx="3"/>
-    <cs:fontRef idx="minor">
-      <a:schemeClr val="lt1"/>
-    </cs:fontRef>
-    <cs:spPr>
-      <a:ln w="9525" cap="rnd">
-        <a:solidFill>
-          <a:schemeClr val="phClr"/>
-        </a:solidFill>
-        <a:round/>
-      </a:ln>
-    </cs:spPr>
-  </cs:dataPointWireframe>
-  <cs:dataTable>
-    <cs:lnRef idx="0"/>
-    <cs:fillRef idx="0"/>
-    <cs:effectRef idx="0"/>
-    <cs:fontRef idx="minor">
-      <a:schemeClr val="tx1">
-        <a:lumMod val="65000"/>
-        <a:lumOff val="35000"/>
-      </a:schemeClr>
-    </cs:fontRef>
-    <cs:spPr>
-      <a:noFill/>
-      <a:ln w="9525" cap="flat" cmpd="sng" algn="ctr">
-        <a:solidFill>
-          <a:schemeClr val="tx1">
-            <a:lumMod val="15000"/>
-            <a:lumOff val="85000"/>
-          </a:schemeClr>
-        </a:solidFill>
-        <a:round/>
-      </a:ln>
-    </cs:spPr>
-    <cs:defRPr sz="900" kern="1200"/>
-  </cs:dataTable>
-  <cs:downBar>
-    <cs:lnRef idx="0"/>
-    <cs:fillRef idx="0"/>
-    <cs:effectRef idx="0"/>
-    <cs:fontRef idx="minor">
-      <a:schemeClr val="dk1"/>
-    </cs:fontRef>
-    <cs:spPr>
-      <a:solidFill>
-        <a:schemeClr val="dk1">
-          <a:lumMod val="65000"/>
-          <a:lumOff val="35000"/>
-        </a:schemeClr>
-      </a:solidFill>
-      <a:ln w="9525">
-        <a:solidFill>
-          <a:schemeClr val="tx1">
-            <a:lumMod val="65000"/>
-            <a:lumOff val="35000"/>
-          </a:schemeClr>
-        </a:solidFill>
-      </a:ln>
-    </cs:spPr>
-  </cs:downBar>
-  <cs:dropLine>
-    <cs:lnRef idx="0"/>
-    <cs:fillRef idx="0"/>
-    <cs:effectRef idx="0"/>
-    <cs:fontRef idx="minor">
-      <a:schemeClr val="tx1"/>
-    </cs:fontRef>
-    <cs:spPr>
-      <a:ln w="9525" cap="flat" cmpd="sng" algn="ctr">
-        <a:solidFill>
-          <a:schemeClr val="tx1">
-            <a:lumMod val="35000"/>
-            <a:lumOff val="65000"/>
-          </a:schemeClr>
-        </a:solidFill>
-        <a:round/>
-      </a:ln>
-    </cs:spPr>
-  </cs:dropLine>
-  <cs:errorBar>
-    <cs:lnRef idx="0"/>
-    <cs:fillRef idx="0"/>
-    <cs:effectRef idx="0"/>
-    <cs:fontRef idx="minor">
-      <a:schemeClr val="tx1"/>
-    </cs:fontRef>
-    <cs:spPr>
-      <a:ln w="9525" cap="flat" cmpd="sng" algn="ctr">
-        <a:solidFill>
-          <a:schemeClr val="tx1">
-            <a:lumMod val="65000"/>
-            <a:lumOff val="35000"/>
-          </a:schemeClr>
-        </a:solidFill>
-        <a:round/>
-      </a:ln>
-    </cs:spPr>
-  </cs:errorBar>
-  <cs:floor>
-    <cs:lnRef idx="0"/>
-    <cs:fillRef idx="0"/>
-    <cs:effectRef idx="0"/>
-    <cs:fontRef idx="minor">
-      <a:schemeClr val="lt1"/>
-    </cs:fontRef>
-  </cs:floor>
-  <cs:gridlineMajor>
-    <cs:lnRef idx="0"/>
-    <cs:fillRef idx="0"/>
-    <cs:effectRef idx="0"/>
-    <cs:fontRef idx="minor">
-      <a:schemeClr val="tx1"/>
-    </cs:fontRef>
-    <cs:spPr>
-      <a:ln w="9525" cap="flat" cmpd="sng" algn="ctr">
-        <a:solidFill>
-          <a:schemeClr val="tx1">
-            <a:lumMod val="15000"/>
-            <a:lumOff val="85000"/>
-          </a:schemeClr>
-        </a:solidFill>
-        <a:round/>
-      </a:ln>
-    </cs:spPr>
-  </cs:gridlineMajor>
-  <cs:gridlineMinor>
-    <cs:lnRef idx="0"/>
-    <cs:fillRef idx="0"/>
-    <cs:effectRef idx="0"/>
-    <cs:fontRef idx="minor">
-      <a:schemeClr val="tx1"/>
-    </cs:fontRef>
-    <cs:spPr>
-      <a:ln w="9525" cap="flat" cmpd="sng" algn="ctr">
-        <a:solidFill>
-          <a:schemeClr val="tx1">
-            <a:lumMod val="5000"/>
-            <a:lumOff val="95000"/>
-          </a:schemeClr>
-        </a:solidFill>
-        <a:round/>
-      </a:ln>
-    </cs:spPr>
-  </cs:gridlineMinor>
-  <cs:hiLoLine>
-    <cs:lnRef idx="0"/>
-    <cs:fillRef idx="0"/>
-    <cs:effectRef idx="0"/>
-    <cs:fontRef idx="minor">
-      <a:schemeClr val="tx1"/>
-    </cs:fontRef>
-    <cs:spPr>
-      <a:ln w="9525" cap="flat" cmpd="sng" algn="ctr">
-        <a:solidFill>
-          <a:schemeClr val="tx1">
-            <a:lumMod val="75000"/>
-            <a:lumOff val="25000"/>
-          </a:schemeClr>
-        </a:solidFill>
-        <a:round/>
-      </a:ln>
-    </cs:spPr>
-  </cs:hiLoLine>
-  <cs:leaderLine>
-    <cs:lnRef idx="0"/>
-    <cs:fillRef idx="0"/>
-    <cs:effectRef idx="0"/>
-    <cs:fontRef idx="minor">
-      <a:schemeClr val="tx1"/>
-    </cs:fontRef>
-    <cs:spPr>
-      <a:ln w="9525" cap="flat" cmpd="sng" algn="ctr">
-        <a:solidFill>
-          <a:schemeClr val="tx1">
-            <a:lumMod val="35000"/>
-            <a:lumOff val="65000"/>
-          </a:schemeClr>
-        </a:solidFill>
-        <a:round/>
-      </a:ln>
-    </cs:spPr>
-  </cs:leaderLine>
-  <cs:legend>
-    <cs:lnRef idx="0"/>
-    <cs:fillRef idx="0"/>
-    <cs:effectRef idx="0"/>
-    <cs:fontRef idx="minor">
-      <a:schemeClr val="tx1">
-        <a:lumMod val="65000"/>
-        <a:lumOff val="35000"/>
-      </a:schemeClr>
-    </cs:fontRef>
-    <cs:defRPr sz="900" kern="1200"/>
-  </cs:legend>
-  <cs:plotArea>
-    <cs:lnRef idx="0"/>
-    <cs:fillRef idx="0"/>
-    <cs:effectRef idx="0"/>
-    <cs:fontRef idx="minor">
-      <a:schemeClr val="lt1"/>
-    </cs:fontRef>
-  </cs:plotArea>
-  <cs:plotArea3D>
-    <cs:lnRef idx="0"/>
-    <cs:fillRef idx="0"/>
-    <cs:effectRef idx="0"/>
-    <cs:fontRef idx="minor">
-      <a:schemeClr val="lt1"/>
-    </cs:fontRef>
-  </cs:plotArea3D>
-  <cs:seriesAxis>
-    <cs:lnRef idx="0"/>
-    <cs:fillRef idx="0"/>
-    <cs:effectRef idx="0"/>
-    <cs:fontRef idx="minor">
-      <a:schemeClr val="tx1">
-        <a:lumMod val="65000"/>
-        <a:lumOff val="35000"/>
-      </a:schemeClr>
-    </cs:fontRef>
-    <cs:spPr>
-      <a:ln w="12700" cap="flat" cmpd="sng" algn="ctr">
-        <a:solidFill>
-          <a:schemeClr val="tx1">
-            <a:lumMod val="15000"/>
-            <a:lumOff val="85000"/>
-          </a:schemeClr>
-        </a:solidFill>
-        <a:round/>
-      </a:ln>
-    </cs:spPr>
-    <cs:defRPr sz="900" kern="1200"/>
-  </cs:seriesAxis>
-  <cs:seriesLine>
-    <cs:lnRef idx="0"/>
-    <cs:fillRef idx="0"/>
-    <cs:effectRef idx="0"/>
-    <cs:fontRef idx="minor">
-      <a:schemeClr val="tx1"/>
-    </cs:fontRef>
-    <cs:spPr>
-      <a:ln w="9525" cap="flat" cmpd="sng" algn="ctr">
-        <a:solidFill>
-          <a:schemeClr val="tx1">
-            <a:lumMod val="35000"/>
-            <a:lumOff val="65000"/>
-          </a:schemeClr>
-        </a:solidFill>
-        <a:round/>
-      </a:ln>
-    </cs:spPr>
-  </cs:seriesLine>
-  <cs:title>
-    <cs:lnRef idx="0"/>
-    <cs:fillRef idx="0"/>
-    <cs:effectRef idx="0"/>
-    <cs:fontRef idx="minor">
-      <a:schemeClr val="tx1">
-        <a:lumMod val="65000"/>
-        <a:lumOff val="35000"/>
-      </a:schemeClr>
-    </cs:fontRef>
-    <cs:defRPr sz="1600" b="1" kern="1200" baseline="0"/>
-  </cs:title>
-  <cs:trendline>
-    <cs:lnRef idx="0">
-      <cs:styleClr val="auto"/>
-    </cs:lnRef>
-    <cs:fillRef idx="0"/>
-    <cs:effectRef idx="0"/>
-    <cs:fontRef idx="minor">
-      <a:schemeClr val="lt1"/>
-    </cs:fontRef>
-    <cs:spPr>
-      <a:ln w="19050" cap="rnd">
-        <a:solidFill>
-          <a:schemeClr val="phClr"/>
-        </a:solidFill>
-      </a:ln>
-    </cs:spPr>
-  </cs:trendline>
-  <cs:trendlineLabel>
-    <cs:lnRef idx="0"/>
-    <cs:fillRef idx="0"/>
-    <cs:effectRef idx="0"/>
-    <cs:fontRef idx="minor">
-      <a:schemeClr val="tx1">
-        <a:lumMod val="65000"/>
-        <a:lumOff val="35000"/>
-      </a:schemeClr>
-    </cs:fontRef>
-    <cs:defRPr sz="900" kern="1200"/>
-  </cs:trendlineLabel>
-  <cs:upBar>
-    <cs:lnRef idx="0"/>
-    <cs:fillRef idx="0"/>
-    <cs:effectRef idx="0"/>
-    <cs:fontRef idx="minor">
-      <a:schemeClr val="dk1"/>
-    </cs:fontRef>
-    <cs:spPr>
-      <a:solidFill>
-        <a:schemeClr val="lt1"/>
-      </a:solidFill>
-      <a:ln w="9525">
-        <a:solidFill>
-          <a:schemeClr val="tx1">
-            <a:lumMod val="15000"/>
-            <a:lumOff val="85000"/>
-          </a:schemeClr>
-        </a:solidFill>
-      </a:ln>
-    </cs:spPr>
-  </cs:upBar>
-  <cs:valueAxis>
-    <cs:lnRef idx="0"/>
-    <cs:fillRef idx="0"/>
-    <cs:effectRef idx="0"/>
-    <cs:fontRef idx="minor">
-      <a:schemeClr val="tx1">
-        <a:lumMod val="65000"/>
-        <a:lumOff val="35000"/>
-      </a:schemeClr>
-    </cs:fontRef>
-    <cs:defRPr sz="900" kern="1200"/>
-  </cs:valueAxis>
-  <cs:wall>
-    <cs:lnRef idx="0"/>
-    <cs:fillRef idx="0"/>
-    <cs:effectRef idx="0"/>
-    <cs:fontRef idx="minor">
-      <a:schemeClr val="lt1"/>
-    </cs:fontRef>
-  </cs:wall>
-</cs:chartStyle>
-</file>
-
 <file path=ppt/slideLayouts/slideLayout1.xml><?xml version="1.0" encoding="utf-8"?>
 <p:sldLayout xmlns:a="http://schemas.openxmlformats.org/drawingml/2006/main" xmlns:r="http://schemas.openxmlformats.org/officeDocument/2006/relationships" xmlns:p="http://schemas.openxmlformats.org/presentationml/2006/main" type="title" preserve="1">
   <p:cSld name="שקופית כותרת">
@@ -1298,7 +265,7 @@
           <a:p>
             <a:fld id="{A5251330-C535-4379-A413-1AC19CB8ADE7}" type="datetimeFigureOut">
               <a:rPr lang="he-IL" smtClean="0"/>
-              <a:t>כ"ה/תמוז/תשפ"ה</a:t>
+              <a:t>כ'/אב/תשפ"ה</a:t>
             </a:fld>
             <a:endParaRPr lang="he-IL"/>
           </a:p>
@@ -1496,7 +463,7 @@
           <a:p>
             <a:fld id="{A5251330-C535-4379-A413-1AC19CB8ADE7}" type="datetimeFigureOut">
               <a:rPr lang="he-IL" smtClean="0"/>
-              <a:t>כ"ה/תמוז/תשפ"ה</a:t>
+              <a:t>כ'/אב/תשפ"ה</a:t>
             </a:fld>
             <a:endParaRPr lang="he-IL"/>
           </a:p>
@@ -1704,7 +671,7 @@
           <a:p>
             <a:fld id="{A5251330-C535-4379-A413-1AC19CB8ADE7}" type="datetimeFigureOut">
               <a:rPr lang="he-IL" smtClean="0"/>
-              <a:t>כ"ה/תמוז/תשפ"ה</a:t>
+              <a:t>כ'/אב/תשפ"ה</a:t>
             </a:fld>
             <a:endParaRPr lang="he-IL"/>
           </a:p>
@@ -1902,7 +869,7 @@
           <a:p>
             <a:fld id="{A5251330-C535-4379-A413-1AC19CB8ADE7}" type="datetimeFigureOut">
               <a:rPr lang="he-IL" smtClean="0"/>
-              <a:t>כ"ה/תמוז/תשפ"ה</a:t>
+              <a:t>כ'/אב/תשפ"ה</a:t>
             </a:fld>
             <a:endParaRPr lang="he-IL"/>
           </a:p>
@@ -2177,7 +1144,7 @@
           <a:p>
             <a:fld id="{A5251330-C535-4379-A413-1AC19CB8ADE7}" type="datetimeFigureOut">
               <a:rPr lang="he-IL" smtClean="0"/>
-              <a:t>כ"ה/תמוז/תשפ"ה</a:t>
+              <a:t>כ'/אב/תשפ"ה</a:t>
             </a:fld>
             <a:endParaRPr lang="he-IL"/>
           </a:p>
@@ -2442,7 +1409,7 @@
           <a:p>
             <a:fld id="{A5251330-C535-4379-A413-1AC19CB8ADE7}" type="datetimeFigureOut">
               <a:rPr lang="he-IL" smtClean="0"/>
-              <a:t>כ"ה/תמוז/תשפ"ה</a:t>
+              <a:t>כ'/אב/תשפ"ה</a:t>
             </a:fld>
             <a:endParaRPr lang="he-IL"/>
           </a:p>
@@ -2854,7 +1821,7 @@
           <a:p>
             <a:fld id="{A5251330-C535-4379-A413-1AC19CB8ADE7}" type="datetimeFigureOut">
               <a:rPr lang="he-IL" smtClean="0"/>
-              <a:t>כ"ה/תמוז/תשפ"ה</a:t>
+              <a:t>כ'/אב/תשפ"ה</a:t>
             </a:fld>
             <a:endParaRPr lang="he-IL"/>
           </a:p>
@@ -2995,7 +1962,7 @@
           <a:p>
             <a:fld id="{A5251330-C535-4379-A413-1AC19CB8ADE7}" type="datetimeFigureOut">
               <a:rPr lang="he-IL" smtClean="0"/>
-              <a:t>כ"ה/תמוז/תשפ"ה</a:t>
+              <a:t>כ'/אב/תשפ"ה</a:t>
             </a:fld>
             <a:endParaRPr lang="he-IL"/>
           </a:p>
@@ -3108,7 +2075,7 @@
           <a:p>
             <a:fld id="{A5251330-C535-4379-A413-1AC19CB8ADE7}" type="datetimeFigureOut">
               <a:rPr lang="he-IL" smtClean="0"/>
-              <a:t>כ"ה/תמוז/תשפ"ה</a:t>
+              <a:t>כ'/אב/תשפ"ה</a:t>
             </a:fld>
             <a:endParaRPr lang="he-IL"/>
           </a:p>
@@ -3419,7 +2386,7 @@
           <a:p>
             <a:fld id="{A5251330-C535-4379-A413-1AC19CB8ADE7}" type="datetimeFigureOut">
               <a:rPr lang="he-IL" smtClean="0"/>
-              <a:t>כ"ה/תמוז/תשפ"ה</a:t>
+              <a:t>כ'/אב/תשפ"ה</a:t>
             </a:fld>
             <a:endParaRPr lang="he-IL"/>
           </a:p>
@@ -3707,7 +2674,7 @@
           <a:p>
             <a:fld id="{A5251330-C535-4379-A413-1AC19CB8ADE7}" type="datetimeFigureOut">
               <a:rPr lang="he-IL" smtClean="0"/>
-              <a:t>כ"ה/תמוז/תשפ"ה</a:t>
+              <a:t>כ'/אב/תשפ"ה</a:t>
             </a:fld>
             <a:endParaRPr lang="he-IL"/>
           </a:p>
@@ -3948,7 +2915,7 @@
           <a:p>
             <a:fld id="{A5251330-C535-4379-A413-1AC19CB8ADE7}" type="datetimeFigureOut">
               <a:rPr lang="he-IL" smtClean="0"/>
-              <a:t>כ"ה/תמוז/תשפ"ה</a:t>
+              <a:t>כ'/אב/תשפ"ה</a:t>
             </a:fld>
             <a:endParaRPr lang="he-IL"/>
           </a:p>
@@ -4729,6 +3696,273 @@
   <p:cSld>
     <p:spTree>
       <p:nvGrpSpPr>
+        <p:cNvPr id="1" name="">
+          <a:extLst>
+            <a:ext uri="{FF2B5EF4-FFF2-40B4-BE49-F238E27FC236}">
+              <a16:creationId xmlns:a16="http://schemas.microsoft.com/office/drawing/2014/main" id="{9E68BB38-DCE5-2B5D-8242-A7D2452BC93F}"/>
+            </a:ext>
+          </a:extLst>
+        </p:cNvPr>
+        <p:cNvGrpSpPr/>
+        <p:nvPr/>
+      </p:nvGrpSpPr>
+      <p:grpSpPr>
+        <a:xfrm>
+          <a:off x="0" y="0"/>
+          <a:ext cx="0" cy="0"/>
+          <a:chOff x="0" y="0"/>
+          <a:chExt cx="0" cy="0"/>
+        </a:xfrm>
+      </p:grpSpPr>
+      <p:sp>
+        <p:nvSpPr>
+          <p:cNvPr id="2" name="כותרת 1">
+            <a:extLst>
+              <a:ext uri="{FF2B5EF4-FFF2-40B4-BE49-F238E27FC236}">
+                <a16:creationId xmlns:a16="http://schemas.microsoft.com/office/drawing/2014/main" id="{9E9973A4-21A9-68D3-00A7-8E5A7A4B0D62}"/>
+              </a:ext>
+            </a:extLst>
+          </p:cNvPr>
+          <p:cNvSpPr>
+            <a:spLocks noGrp="1"/>
+          </p:cNvSpPr>
+          <p:nvPr>
+            <p:ph type="title"/>
+          </p:nvPr>
+        </p:nvSpPr>
+        <p:spPr/>
+        <p:txBody>
+          <a:bodyPr/>
+          <a:lstStyle/>
+          <a:p>
+            <a:r>
+              <a:rPr lang="he-IL" dirty="0"/>
+              <a:t>שאלה מס' 1: </a:t>
+            </a:r>
+          </a:p>
+        </p:txBody>
+      </p:sp>
+      <p:sp>
+        <p:nvSpPr>
+          <p:cNvPr id="3" name="מציין מיקום תוכן 2">
+            <a:extLst>
+              <a:ext uri="{FF2B5EF4-FFF2-40B4-BE49-F238E27FC236}">
+                <a16:creationId xmlns:a16="http://schemas.microsoft.com/office/drawing/2014/main" id="{CEBE1D4F-0A11-34A3-96C2-029AA9350C94}"/>
+              </a:ext>
+            </a:extLst>
+          </p:cNvPr>
+          <p:cNvSpPr>
+            <a:spLocks noGrp="1"/>
+          </p:cNvSpPr>
+          <p:nvPr>
+            <p:ph idx="1"/>
+          </p:nvPr>
+        </p:nvSpPr>
+        <p:spPr>
+          <a:xfrm>
+            <a:off x="838200" y="1943071"/>
+            <a:ext cx="10515600" cy="4351338"/>
+          </a:xfrm>
+        </p:spPr>
+        <p:txBody>
+          <a:bodyPr>
+            <a:normAutofit lnSpcReduction="10000"/>
+          </a:bodyPr>
+          <a:lstStyle/>
+          <a:p>
+            <a:r>
+              <a:rPr lang="he-IL" sz="1600" b="1" dirty="0"/>
+              <a:t>שלב 1 – בניית קובץ ההזמנות וחישוב </a:t>
+            </a:r>
+            <a:r>
+              <a:rPr lang="en-US" sz="1600" b="1" dirty="0"/>
+              <a:t>OTD</a:t>
+            </a:r>
+          </a:p>
+          <a:p>
+            <a:r>
+              <a:rPr lang="he-IL" sz="1600" dirty="0"/>
+              <a:t>בשלב הראשון הקמנו טבלת הזמנות הכוללת את כל הנתונים הדרושים לחישוב מועדי האספקה ומדד ה־</a:t>
+            </a:r>
+            <a:r>
+              <a:rPr lang="en-US" sz="1600" dirty="0"/>
+              <a:t>OTD:</a:t>
+            </a:r>
+          </a:p>
+          <a:p>
+            <a:r>
+              <a:rPr lang="he-IL" sz="1600" b="1" dirty="0"/>
+              <a:t>הוספת תאריך התחלה</a:t>
+            </a:r>
+            <a:r>
+              <a:rPr lang="he-IL" sz="1600" dirty="0"/>
+              <a:t> – לכל הזמנה הוגדר מועד התחלה, המייצג את היום שבו מתחילים בפועל בייצור. זה מאפשר לחשב את מועד הסיום בפועל בצורה מדויקת.</a:t>
+            </a:r>
+          </a:p>
+          <a:p>
+            <a:r>
+              <a:rPr lang="he-IL" sz="1600" b="1" dirty="0"/>
+              <a:t>חישוב זמן ייצור לפי תחנות</a:t>
+            </a:r>
+            <a:r>
+              <a:rPr lang="he-IL" sz="1600" dirty="0"/>
+              <a:t> – לכל מוצר קיימים זמני עיבוד בכל תחנה. הכפלנו את זמני העיבוד בכמות ההזמנה, כדי לקבל את זמן הייצור הדרוש בכל תחנה.</a:t>
+            </a:r>
+          </a:p>
+          <a:p>
+            <a:r>
+              <a:rPr lang="he-IL" sz="1600" b="1" dirty="0"/>
+              <a:t>הוספת זמן כיוונון </a:t>
+            </a:r>
+            <a:r>
+              <a:rPr lang="en-US" sz="1600" b="1" dirty="0"/>
+              <a:t>(Setup)</a:t>
+            </a:r>
+            <a:r>
+              <a:rPr lang="en-US" sz="1600" dirty="0"/>
+              <a:t> – </a:t>
+            </a:r>
+            <a:r>
+              <a:rPr lang="he-IL" sz="1600" dirty="0"/>
+              <a:t>לכל מעבר בין תחנות הוספנו זמן כיוונון. הדבר מדמה את הזמן הנדרש להכנת המכונה לפני ייצור סדרה חדשה.</a:t>
+            </a:r>
+          </a:p>
+          <a:p>
+            <a:r>
+              <a:rPr lang="he-IL" sz="1600" b="1" dirty="0"/>
+              <a:t>חישוב זמן מצטבר</a:t>
+            </a:r>
+            <a:r>
+              <a:rPr lang="he-IL" sz="1600" dirty="0"/>
+              <a:t> – סיכמנו את זמני הייצור והכיוונון עבור כל ההזמנות לפי סדר העבודה, כדי לקבל את משך הזמן הכולל עד סיום כל הזמנה.</a:t>
+            </a:r>
+          </a:p>
+          <a:p>
+            <a:r>
+              <a:rPr lang="he-IL" sz="1600" b="1" dirty="0"/>
+              <a:t>חישוב תאריך אספקה בפועל</a:t>
+            </a:r>
+            <a:r>
+              <a:rPr lang="he-IL" sz="1600" dirty="0"/>
+              <a:t> – חישבנו את מועד הסיום בפועל על ידי הוספת הזמן המצטבר לתאריך ההתחלה, תוך התחשבות בכך שאין ייצור בסופי שבוע.</a:t>
+            </a:r>
+          </a:p>
+          <a:p>
+            <a:r>
+              <a:rPr lang="he-IL" sz="1600" b="1" dirty="0"/>
+              <a:t>חישוב</a:t>
+            </a:r>
+            <a:r>
+              <a:rPr lang="en-US" sz="1600" b="1" dirty="0"/>
+              <a:t>OTD</a:t>
+            </a:r>
+            <a:r>
+              <a:rPr lang="en-US" sz="1600" dirty="0"/>
+              <a:t> </a:t>
+            </a:r>
+            <a:r>
+              <a:rPr lang="he-IL" sz="1600" dirty="0"/>
+              <a:t> - השווינו בין תאריך היעד של ההזמנה לבין תאריך האספקה בפועל. </a:t>
+            </a:r>
+            <a:r>
+              <a:rPr lang="en-US" sz="1600" dirty="0"/>
+              <a:t>OTD </a:t>
+            </a:r>
+            <a:r>
+              <a:rPr lang="he-IL" sz="1600" dirty="0"/>
+              <a:t>הוא אחוז ההזמנות שסופקו בזמן מתוך כלל ההזמנות.</a:t>
+            </a:r>
+          </a:p>
+          <a:p>
+            <a:r>
+              <a:rPr lang="he-IL" sz="1600" dirty="0"/>
+              <a:t>קיבלנו </a:t>
+            </a:r>
+            <a:r>
+              <a:rPr lang="en-US" sz="1600" dirty="0"/>
+              <a:t>OTD</a:t>
+            </a:r>
+            <a:r>
+              <a:rPr lang="he-IL" sz="1600" dirty="0"/>
+              <a:t> מאוד נמוך של 27%</a:t>
+            </a:r>
+          </a:p>
+        </p:txBody>
+      </p:sp>
+      <p:pic>
+        <p:nvPicPr>
+          <p:cNvPr id="1028" name="Picture 4" descr="90+ Bottleneck Workflow Stock Photos, Pictures &amp; Royalty-Free Images -  iStock">
+            <a:extLst>
+              <a:ext uri="{FF2B5EF4-FFF2-40B4-BE49-F238E27FC236}">
+                <a16:creationId xmlns:a16="http://schemas.microsoft.com/office/drawing/2014/main" id="{3FB376E9-1446-C05B-E961-E41A0B07AB4D}"/>
+              </a:ext>
+            </a:extLst>
+          </p:cNvPr>
+          <p:cNvPicPr>
+            <a:picLocks noChangeAspect="1" noChangeArrowheads="1"/>
+          </p:cNvPicPr>
+          <p:nvPr/>
+        </p:nvPicPr>
+        <p:blipFill>
+          <a:blip r:embed="rId2">
+            <a:extLst>
+              <a:ext uri="{28A0092B-C50C-407E-A947-70E740481C1C}">
+                <a14:useLocalDpi xmlns:a14="http://schemas.microsoft.com/office/drawing/2010/main" val="0"/>
+              </a:ext>
+            </a:extLst>
+          </a:blip>
+          <a:srcRect/>
+          <a:stretch>
+            <a:fillRect/>
+          </a:stretch>
+        </p:blipFill>
+        <p:spPr bwMode="auto">
+          <a:xfrm>
+            <a:off x="302004" y="260059"/>
+            <a:ext cx="2914651" cy="2138363"/>
+          </a:xfrm>
+          <a:prstGeom prst="rect">
+            <a:avLst/>
+          </a:prstGeom>
+          <a:ln>
+            <a:noFill/>
+          </a:ln>
+          <a:effectLst>
+            <a:outerShdw blurRad="292100" dist="139700" dir="2700000" algn="tl" rotWithShape="0">
+              <a:srgbClr val="333333">
+                <a:alpha val="65000"/>
+              </a:srgbClr>
+            </a:outerShdw>
+          </a:effectLst>
+          <a:extLst>
+            <a:ext uri="{909E8E84-426E-40DD-AFC4-6F175D3DCCD1}">
+              <a14:hiddenFill xmlns:a14="http://schemas.microsoft.com/office/drawing/2010/main">
+                <a:solidFill>
+                  <a:srgbClr val="FFFFFF"/>
+                </a:solidFill>
+              </a14:hiddenFill>
+            </a:ext>
+          </a:extLst>
+        </p:spPr>
+      </p:pic>
+    </p:spTree>
+    <p:extLst>
+      <p:ext uri="{BB962C8B-B14F-4D97-AF65-F5344CB8AC3E}">
+        <p14:creationId xmlns:p14="http://schemas.microsoft.com/office/powerpoint/2010/main" val="2373463780"/>
+      </p:ext>
+    </p:extLst>
+  </p:cSld>
+  <p:clrMapOvr>
+    <a:masterClrMapping/>
+  </p:clrMapOvr>
+</p:sld>
+</file>
+
+<file path=ppt/slides/slide3.xml><?xml version="1.0" encoding="utf-8"?>
+<p:sld xmlns:a="http://schemas.openxmlformats.org/drawingml/2006/main" xmlns:r="http://schemas.openxmlformats.org/officeDocument/2006/relationships" xmlns:p="http://schemas.openxmlformats.org/presentationml/2006/main">
+  <p:cSld>
+    <p:spTree>
+      <p:nvGrpSpPr>
         <p:cNvPr id="1" name=""/>
         <p:cNvGrpSpPr/>
         <p:nvPr/>
@@ -4787,174 +4021,124 @@
         </p:nvSpPr>
         <p:spPr>
           <a:xfrm>
-            <a:off x="838200" y="1943071"/>
-            <a:ext cx="10515600" cy="4351338"/>
+            <a:off x="2902226" y="1943071"/>
+            <a:ext cx="8451574" cy="4351338"/>
           </a:xfrm>
         </p:spPr>
         <p:txBody>
-          <a:bodyPr/>
-          <a:lstStyle/>
-          <a:p>
+          <a:bodyPr>
+            <a:normAutofit/>
+          </a:bodyPr>
+          <a:lstStyle/>
+          <a:p>
+            <a:pPr marL="0" indent="0" algn="just">
+              <a:buNone/>
+            </a:pPr>
             <a:r>
               <a:rPr lang="he-IL" dirty="0"/>
               <a:t>שלב 2: א' – ניתוח צוואר הבקבוק בתהליך ההרכבה</a:t>
             </a:r>
           </a:p>
           <a:p>
-            <a:pPr marL="0" indent="0">
-              <a:buNone/>
-            </a:pPr>
-            <a:r>
-              <a:rPr lang="he-IL" sz="1400" dirty="0"/>
+            <a:r>
+              <a:rPr lang="he-IL" sz="1600" dirty="0"/>
               <a:t>לצורך שיפור מדד ה</a:t>
             </a:r>
             <a:r>
-              <a:rPr lang="en-US" sz="1400" dirty="0"/>
+              <a:rPr lang="en-US" sz="1600" dirty="0"/>
               <a:t> OTD </a:t>
             </a:r>
             <a:r>
-              <a:rPr lang="he-IL" sz="1400" dirty="0"/>
-              <a:t>ניתחתי את עומסי ההרכבה השבועיים.</a:t>
+              <a:rPr lang="he-IL" sz="1600" dirty="0"/>
+              <a:t>ניתחתי וזיהיתי את הצוואר בקבוק שהוא תחנה 5 (הרכבה).כדי להקטין את העומס עליו</a:t>
             </a:r>
             <a:br>
-              <a:rPr lang="he-IL" sz="1400" dirty="0"/>
+              <a:rPr lang="en-US" sz="1600" dirty="0"/>
             </a:br>
             <a:r>
-              <a:rPr lang="he-IL" sz="1400" dirty="0"/>
-              <a:t>מהניתוח עולה כי </a:t>
-            </a:r>
-            <a:r>
-              <a:rPr lang="he-IL" sz="1400" b="1" dirty="0"/>
-              <a:t>שבוע 3</a:t>
-            </a:r>
-            <a:r>
-              <a:rPr lang="he-IL" sz="1400" dirty="0"/>
-              <a:t> הוא </a:t>
-            </a:r>
-            <a:r>
-              <a:rPr lang="he-IL" sz="1400" b="1" dirty="0"/>
-              <a:t>צוואר הבקבוק</a:t>
-            </a:r>
-            <a:r>
-              <a:rPr lang="he-IL" sz="1400" dirty="0"/>
-              <a:t> של התהליך:</a:t>
-            </a:r>
-          </a:p>
-          <a:p>
-            <a:pPr>
-              <a:buFont typeface="Arial" panose="020B0604020202020204" pitchFamily="34" charset="0"/>
-              <a:buChar char="•"/>
-            </a:pPr>
-            <a:r>
-              <a:rPr lang="he-IL" sz="1400" dirty="0"/>
-              <a:t>סה"כ זמן הרכבה בשבוע 3: </a:t>
-            </a:r>
-            <a:r>
-              <a:rPr lang="he-IL" sz="1400" b="1" dirty="0"/>
-              <a:t>12,782 דקות</a:t>
-            </a:r>
-            <a:endParaRPr lang="he-IL" sz="1400" dirty="0"/>
-          </a:p>
-          <a:p>
-            <a:pPr>
-              <a:buFont typeface="Arial" panose="020B0604020202020204" pitchFamily="34" charset="0"/>
-              <a:buChar char="•"/>
-            </a:pPr>
-            <a:r>
-              <a:rPr lang="he-IL" sz="1400" dirty="0"/>
-              <a:t>מספר הזמנות: </a:t>
-            </a:r>
-            <a:r>
-              <a:rPr lang="he-IL" sz="1400" b="1" dirty="0"/>
-              <a:t>10</a:t>
-            </a:r>
-            <a:endParaRPr lang="he-IL" sz="1400" dirty="0"/>
-          </a:p>
-          <a:p>
-            <a:pPr>
-              <a:buFont typeface="Arial" panose="020B0604020202020204" pitchFamily="34" charset="0"/>
-              <a:buChar char="•"/>
-            </a:pPr>
-            <a:r>
-              <a:rPr lang="he-IL" sz="1400" dirty="0"/>
-              <a:t>עומס ממוצע להזמנה: </a:t>
-            </a:r>
-            <a:r>
-              <a:rPr lang="he-IL" sz="1400" b="1" dirty="0"/>
-              <a:t>1,278 דקות</a:t>
-            </a:r>
-            <a:endParaRPr lang="he-IL" sz="1400" dirty="0"/>
-          </a:p>
-          <a:p>
-            <a:r>
-              <a:rPr lang="he-IL" sz="1400" dirty="0"/>
-              <a:t>העומס הגבוה בשבוע זה מהווה גורם משמעותי לעיכובים ומחייב התייחסות תפעולית</a:t>
-            </a:r>
-          </a:p>
-          <a:p>
-            <a:r>
-              <a:rPr lang="he-IL" sz="1400" dirty="0"/>
-              <a:t>אחוז ההזמנות שסופקו בזמן (</a:t>
-            </a:r>
-            <a:r>
-              <a:rPr lang="en-US" sz="1400" dirty="0"/>
-              <a:t>OTD</a:t>
-            </a:r>
-            <a:r>
-              <a:rPr lang="he-IL" sz="1400" dirty="0"/>
-              <a:t>) הוא 49% בלבד. יש מקום לשיפור.</a:t>
-            </a:r>
-          </a:p>
-          <a:p>
-            <a:endParaRPr lang="he-IL" sz="1400" dirty="0"/>
-          </a:p>
-          <a:p>
-            <a:endParaRPr lang="he-IL" sz="1400" dirty="0"/>
-          </a:p>
-          <a:p>
-            <a:pPr marL="0" indent="0">
+              <a:rPr lang="he-IL" sz="1600" dirty="0"/>
+              <a:t>ניתן לעשות את השלבים הבאים:</a:t>
+            </a:r>
+            <a:br>
+              <a:rPr lang="he-IL" sz="1600" dirty="0"/>
+            </a:br>
+            <a:endParaRPr lang="he-IL" sz="1600" dirty="0"/>
+          </a:p>
+          <a:p>
+            <a:pPr algn="just"/>
+            <a:r>
+              <a:rPr lang="he-IL" sz="1600" b="1" dirty="0"/>
+              <a:t>הקדמת משימות </a:t>
+            </a:r>
+            <a:r>
+              <a:rPr lang="en-US" sz="1600" b="1" dirty="0"/>
+              <a:t>(Front Loading)</a:t>
+            </a:r>
+            <a:r>
+              <a:rPr lang="en-US" sz="1600" dirty="0"/>
+              <a:t> – </a:t>
+            </a:r>
+            <a:r>
+              <a:rPr lang="he-IL" sz="1600" dirty="0"/>
+              <a:t>להעביר עבודות מתחנות אחרות מראש כך שכשהן מגיעות לתחנה 5 הן כבר מוכנות ומסונכרנות.</a:t>
+            </a:r>
+          </a:p>
+          <a:p>
+            <a:pPr algn="just"/>
+            <a:r>
+              <a:rPr lang="he-IL" sz="1600" b="1" dirty="0"/>
+              <a:t>העברת עבודות שאינן צוואר בקבוק מוקדם</a:t>
+            </a:r>
+            <a:r>
+              <a:rPr lang="he-IL" sz="1600" dirty="0"/>
+              <a:t> – למשל עבודות הרכבה פשוטות לבצע קודם, כדי שלא יתפסו זמן מאוחר יותר.</a:t>
+            </a:r>
+          </a:p>
+          <a:p>
+            <a:pPr algn="just"/>
+            <a:r>
+              <a:rPr lang="he-IL" sz="1600" b="1" dirty="0"/>
+              <a:t>הקטנת זמני </a:t>
+            </a:r>
+            <a:r>
+              <a:rPr lang="he-IL" sz="1600" b="1" dirty="0" err="1"/>
+              <a:t>סט־אפ</a:t>
+            </a:r>
+            <a:r>
+              <a:rPr lang="he-IL" sz="1600" dirty="0"/>
+              <a:t> – לאגד סדרות דומות לפי צבע ומוצר, לצמצום המעברים.</a:t>
+            </a:r>
+          </a:p>
+          <a:p>
+            <a:pPr algn="just"/>
+            <a:r>
+              <a:rPr lang="he-IL" sz="1600" b="1" dirty="0"/>
+              <a:t>הוספת שעות עבודה בתחנה 5</a:t>
+            </a:r>
+            <a:r>
+              <a:rPr lang="he-IL" sz="1600" dirty="0"/>
+              <a:t> – משמרת נוספת או שעות נוספות.</a:t>
+            </a:r>
+          </a:p>
+          <a:p>
+            <a:pPr algn="just"/>
+            <a:r>
+              <a:rPr lang="he-IL" sz="1600" b="1" dirty="0"/>
+              <a:t>העברת חלק מהעבודות לקבלן משנה</a:t>
+            </a:r>
+            <a:r>
+              <a:rPr lang="he-IL" sz="1600" dirty="0"/>
+              <a:t> – להוריד עומס ישיר.</a:t>
+            </a:r>
+          </a:p>
+          <a:p>
+            <a:pPr marL="0" indent="0" algn="just">
               <a:buNone/>
             </a:pPr>
             <a:endParaRPr lang="he-IL" dirty="0"/>
           </a:p>
-          <a:p>
-            <a:pPr marL="0" indent="0">
-              <a:buNone/>
-            </a:pPr>
-            <a:endParaRPr lang="he-IL" dirty="0"/>
-          </a:p>
-        </p:txBody>
-      </p:sp>
-      <p:graphicFrame>
-        <p:nvGraphicFramePr>
-          <p:cNvPr id="7" name="תרשים 6">
-            <a:extLst>
-              <a:ext uri="{FF2B5EF4-FFF2-40B4-BE49-F238E27FC236}">
-                <a16:creationId xmlns:a16="http://schemas.microsoft.com/office/drawing/2014/main" id="{CEA8F8E4-E457-4E55-B898-44D244C877BC}"/>
-              </a:ext>
-            </a:extLst>
-          </p:cNvPr>
-          <p:cNvGraphicFramePr>
-            <a:graphicFrameLocks/>
-          </p:cNvGraphicFramePr>
-          <p:nvPr>
-            <p:extLst>
-              <p:ext uri="{D42A27DB-BD31-4B8C-83A1-F6EECF244321}">
-                <p14:modId xmlns:p14="http://schemas.microsoft.com/office/powerpoint/2010/main" val="2720169063"/>
-              </p:ext>
-            </p:extLst>
-          </p:nvPr>
-        </p:nvGraphicFramePr>
-        <p:xfrm>
-          <a:off x="387291" y="3282192"/>
-          <a:ext cx="4572000" cy="2743200"/>
-        </p:xfrm>
-        <a:graphic>
-          <a:graphicData uri="http://schemas.openxmlformats.org/drawingml/2006/chart">
-            <c:chart xmlns:c="http://schemas.openxmlformats.org/drawingml/2006/chart" xmlns:r="http://schemas.openxmlformats.org/officeDocument/2006/relationships" r:id="rId2"/>
-          </a:graphicData>
-        </a:graphic>
-      </p:graphicFrame>
+        </p:txBody>
+      </p:sp>
       <p:pic>
         <p:nvPicPr>
           <p:cNvPr id="1028" name="Picture 4" descr="90+ Bottleneck Workflow Stock Photos, Pictures &amp; Royalty-Free Images -  iStock">
@@ -4970,7 +4154,7 @@
           <p:nvPr/>
         </p:nvPicPr>
         <p:blipFill>
-          <a:blip r:embed="rId3">
+          <a:blip r:embed="rId2">
             <a:extLst>
               <a:ext uri="{28A0092B-C50C-407E-A947-70E740481C1C}">
                 <a14:useLocalDpi xmlns:a14="http://schemas.microsoft.com/office/drawing/2010/main" val="0"/>
@@ -5015,6 +4199,1276 @@
     <p:extLst>
       <p:ext uri="{BB962C8B-B14F-4D97-AF65-F5344CB8AC3E}">
         <p14:creationId xmlns:p14="http://schemas.microsoft.com/office/powerpoint/2010/main" val="3135400101"/>
+      </p:ext>
+    </p:extLst>
+  </p:cSld>
+  <p:clrMapOvr>
+    <a:masterClrMapping/>
+  </p:clrMapOvr>
+</p:sld>
+</file>
+
+<file path=ppt/slides/slide4.xml><?xml version="1.0" encoding="utf-8"?>
+<p:sld xmlns:a="http://schemas.openxmlformats.org/drawingml/2006/main" xmlns:r="http://schemas.openxmlformats.org/officeDocument/2006/relationships" xmlns:p="http://schemas.openxmlformats.org/presentationml/2006/main">
+  <p:cSld>
+    <p:spTree>
+      <p:nvGrpSpPr>
+        <p:cNvPr id="1" name="">
+          <a:extLst>
+            <a:ext uri="{FF2B5EF4-FFF2-40B4-BE49-F238E27FC236}">
+              <a16:creationId xmlns:a16="http://schemas.microsoft.com/office/drawing/2014/main" id="{632B1002-5496-03FB-6156-9387AB0B05BE}"/>
+            </a:ext>
+          </a:extLst>
+        </p:cNvPr>
+        <p:cNvGrpSpPr/>
+        <p:nvPr/>
+      </p:nvGrpSpPr>
+      <p:grpSpPr>
+        <a:xfrm>
+          <a:off x="0" y="0"/>
+          <a:ext cx="0" cy="0"/>
+          <a:chOff x="0" y="0"/>
+          <a:chExt cx="0" cy="0"/>
+        </a:xfrm>
+      </p:grpSpPr>
+      <p:sp>
+        <p:nvSpPr>
+          <p:cNvPr id="2" name="כותרת 1">
+            <a:extLst>
+              <a:ext uri="{FF2B5EF4-FFF2-40B4-BE49-F238E27FC236}">
+                <a16:creationId xmlns:a16="http://schemas.microsoft.com/office/drawing/2014/main" id="{46EA6E07-11CD-F986-B165-14362A239800}"/>
+              </a:ext>
+            </a:extLst>
+          </p:cNvPr>
+          <p:cNvSpPr>
+            <a:spLocks noGrp="1"/>
+          </p:cNvSpPr>
+          <p:nvPr>
+            <p:ph type="title"/>
+          </p:nvPr>
+        </p:nvSpPr>
+        <p:spPr/>
+        <p:txBody>
+          <a:bodyPr/>
+          <a:lstStyle/>
+          <a:p>
+            <a:r>
+              <a:rPr lang="he-IL" dirty="0"/>
+              <a:t>שאלה מס' 1: </a:t>
+            </a:r>
+          </a:p>
+        </p:txBody>
+      </p:sp>
+      <p:sp>
+        <p:nvSpPr>
+          <p:cNvPr id="3" name="מציין מיקום תוכן 2">
+            <a:extLst>
+              <a:ext uri="{FF2B5EF4-FFF2-40B4-BE49-F238E27FC236}">
+                <a16:creationId xmlns:a16="http://schemas.microsoft.com/office/drawing/2014/main" id="{BD0DAD51-AF4E-2C86-B4BF-6DC27A970B68}"/>
+              </a:ext>
+            </a:extLst>
+          </p:cNvPr>
+          <p:cNvSpPr>
+            <a:spLocks noGrp="1"/>
+          </p:cNvSpPr>
+          <p:nvPr>
+            <p:ph idx="1"/>
+          </p:nvPr>
+        </p:nvSpPr>
+        <p:spPr>
+          <a:xfrm>
+            <a:off x="1733384" y="1943071"/>
+            <a:ext cx="9620416" cy="4351338"/>
+          </a:xfrm>
+        </p:spPr>
+        <p:txBody>
+          <a:bodyPr>
+            <a:normAutofit/>
+          </a:bodyPr>
+          <a:lstStyle/>
+          <a:p>
+            <a:pPr marL="0" indent="0" algn="just">
+              <a:buNone/>
+            </a:pPr>
+            <a:r>
+              <a:rPr lang="he-IL" dirty="0"/>
+              <a:t>שלב 2: ב' – ניתוח צוואר הבקבוק ושיפור ה-</a:t>
+            </a:r>
+            <a:r>
+              <a:rPr lang="en-US" dirty="0"/>
+              <a:t>OTD</a:t>
+            </a:r>
+            <a:endParaRPr lang="he-IL" dirty="0"/>
+          </a:p>
+          <a:p>
+            <a:pPr algn="just"/>
+            <a:r>
+              <a:rPr lang="he-IL" sz="1600" b="1" dirty="0"/>
+              <a:t>חישוב עומס בכל תחנה</a:t>
+            </a:r>
+            <a:r>
+              <a:rPr lang="he-IL" sz="1600" dirty="0"/>
+              <a:t> – סיכמנו את זמני הייצור של כל ההזמנות לכל תחנה, כולל זמני הכיוונון,</a:t>
+            </a:r>
+            <a:br>
+              <a:rPr lang="en-US" sz="1600" dirty="0"/>
+            </a:br>
+            <a:r>
+              <a:rPr lang="he-IL" sz="1600" dirty="0"/>
+              <a:t> כדי לזהות את התחנה העמוסה ביותר נמצא שתחנת ההרכבה (תחנה 5) היא צוואר הבקבוק – התחנה שמגבילה</a:t>
+            </a:r>
+            <a:br>
+              <a:rPr lang="en-US" sz="1600" dirty="0"/>
+            </a:br>
+            <a:r>
+              <a:rPr lang="he-IL" sz="1600" dirty="0"/>
+              <a:t> את קצב הייצור של המערכת.</a:t>
+            </a:r>
+          </a:p>
+          <a:p>
+            <a:pPr algn="just"/>
+            <a:r>
+              <a:rPr lang="he-IL" sz="1600" b="1" dirty="0"/>
+              <a:t>התמקדות ב-</a:t>
+            </a:r>
+            <a:r>
+              <a:rPr lang="en-US" sz="1600" b="1" dirty="0"/>
+              <a:t>CCR </a:t>
+            </a:r>
+            <a:r>
+              <a:rPr lang="he-IL" sz="1600" b="1" dirty="0"/>
+              <a:t>(צוואר הבקבוק)</a:t>
+            </a:r>
+            <a:r>
+              <a:rPr lang="he-IL" sz="1600" dirty="0"/>
+              <a:t> – מכיוון שההרכבה היא התחנה הקריטית, תזמון ההזמנות בוצע כך שתמיד תהיה לה עבודה רציפה.</a:t>
+            </a:r>
+          </a:p>
+          <a:p>
+            <a:pPr algn="just"/>
+            <a:r>
+              <a:rPr lang="he-IL" sz="1600" b="1" dirty="0"/>
+              <a:t>הפחתת עומס על ה</a:t>
+            </a:r>
+            <a:r>
+              <a:rPr lang="en-US" sz="1600" b="1" dirty="0"/>
+              <a:t>CCR</a:t>
+            </a:r>
+            <a:r>
+              <a:rPr lang="en-US" sz="1600" dirty="0"/>
+              <a:t> -  </a:t>
+            </a:r>
+            <a:r>
+              <a:rPr lang="he-IL" sz="1600" dirty="0"/>
+              <a:t> שיפרנו את סדר העבודה כדי לצמצם זמני כיוונון </a:t>
+            </a:r>
+            <a:r>
+              <a:rPr lang="he-IL" sz="1600" dirty="0" err="1"/>
+              <a:t>בהרכבהבעזרת</a:t>
+            </a:r>
+            <a:r>
+              <a:rPr lang="he-IL" sz="1600" dirty="0"/>
+              <a:t> מיון ההזמנות כך שמוצרים</a:t>
+            </a:r>
+            <a:br>
+              <a:rPr lang="en-US" sz="1600" dirty="0"/>
+            </a:br>
+            <a:r>
+              <a:rPr lang="he-IL" sz="1600" dirty="0"/>
+              <a:t>מאותו סוג ייוצרו ברצף.</a:t>
+            </a:r>
+          </a:p>
+          <a:p>
+            <a:pPr algn="just"/>
+            <a:r>
+              <a:rPr lang="he-IL" sz="1600" b="1" dirty="0"/>
+              <a:t>הוספת </a:t>
+            </a:r>
+            <a:r>
+              <a:rPr lang="en-US" sz="1600" b="1" dirty="0"/>
+              <a:t>Buffer </a:t>
+            </a:r>
+            <a:r>
+              <a:rPr lang="he-IL" sz="1600" b="1" dirty="0"/>
+              <a:t> לפני ה</a:t>
+            </a:r>
+            <a:r>
+              <a:rPr lang="en-US" sz="1600" b="1" dirty="0"/>
+              <a:t>CCR</a:t>
+            </a:r>
+            <a:r>
+              <a:rPr lang="en-US" sz="1600" dirty="0"/>
+              <a:t> - </a:t>
+            </a:r>
+            <a:r>
+              <a:rPr lang="he-IL" sz="1600" dirty="0"/>
+              <a:t> קבענו מלאי ביניים של הזמנות מוכנות לפני ההרכבה, כדי למנוע מצב שבו התחנה עומדת ללא עבודה במקרה של עיכובים.</a:t>
+            </a:r>
+          </a:p>
+          <a:p>
+            <a:pPr algn="just"/>
+            <a:r>
+              <a:rPr lang="he-IL" sz="1600" b="1" dirty="0"/>
+              <a:t>בדיקת ה-</a:t>
+            </a:r>
+            <a:r>
+              <a:rPr lang="en-US" sz="1600" b="1" dirty="0"/>
+              <a:t>OTD </a:t>
+            </a:r>
+            <a:r>
+              <a:rPr lang="he-IL" sz="1600" b="1" dirty="0"/>
+              <a:t> לאחר השיפור</a:t>
+            </a:r>
+            <a:r>
+              <a:rPr lang="he-IL" sz="1600" dirty="0"/>
+              <a:t> – לאחר שינוי סדר העבודה והוספת הבאפר, חישבנו מחדש את ה־</a:t>
+            </a:r>
+            <a:r>
+              <a:rPr lang="en-US" sz="1600" dirty="0"/>
+              <a:t>OTD </a:t>
+            </a:r>
+            <a:r>
+              <a:rPr lang="he-IL" sz="1600" dirty="0"/>
+              <a:t>ונרשמה עלייה באחוז ההזמנות שסופקו בזמן.</a:t>
+            </a:r>
+          </a:p>
+        </p:txBody>
+      </p:sp>
+      <p:pic>
+        <p:nvPicPr>
+          <p:cNvPr id="1028" name="Picture 4" descr="90+ Bottleneck Workflow Stock Photos, Pictures &amp; Royalty-Free Images -  iStock">
+            <a:extLst>
+              <a:ext uri="{FF2B5EF4-FFF2-40B4-BE49-F238E27FC236}">
+                <a16:creationId xmlns:a16="http://schemas.microsoft.com/office/drawing/2014/main" id="{E32C918C-17AD-E635-A237-C9DF6BF1CC0E}"/>
+              </a:ext>
+            </a:extLst>
+          </p:cNvPr>
+          <p:cNvPicPr>
+            <a:picLocks noChangeAspect="1" noChangeArrowheads="1"/>
+          </p:cNvPicPr>
+          <p:nvPr/>
+        </p:nvPicPr>
+        <p:blipFill>
+          <a:blip r:embed="rId2">
+            <a:extLst>
+              <a:ext uri="{28A0092B-C50C-407E-A947-70E740481C1C}">
+                <a14:useLocalDpi xmlns:a14="http://schemas.microsoft.com/office/drawing/2010/main" val="0"/>
+              </a:ext>
+            </a:extLst>
+          </a:blip>
+          <a:srcRect/>
+          <a:stretch>
+            <a:fillRect/>
+          </a:stretch>
+        </p:blipFill>
+        <p:spPr bwMode="auto">
+          <a:xfrm>
+            <a:off x="302004" y="260059"/>
+            <a:ext cx="2914651" cy="2138363"/>
+          </a:xfrm>
+          <a:prstGeom prst="rect">
+            <a:avLst/>
+          </a:prstGeom>
+          <a:ln>
+            <a:noFill/>
+          </a:ln>
+          <a:effectLst>
+            <a:outerShdw blurRad="292100" dist="139700" dir="2700000" algn="tl" rotWithShape="0">
+              <a:srgbClr val="333333">
+                <a:alpha val="65000"/>
+              </a:srgbClr>
+            </a:outerShdw>
+          </a:effectLst>
+          <a:extLst>
+            <a:ext uri="{909E8E84-426E-40DD-AFC4-6F175D3DCCD1}">
+              <a14:hiddenFill xmlns:a14="http://schemas.microsoft.com/office/drawing/2010/main">
+                <a:solidFill>
+                  <a:srgbClr val="FFFFFF"/>
+                </a:solidFill>
+              </a14:hiddenFill>
+            </a:ext>
+          </a:extLst>
+        </p:spPr>
+      </p:pic>
+    </p:spTree>
+    <p:extLst>
+      <p:ext uri="{BB962C8B-B14F-4D97-AF65-F5344CB8AC3E}">
+        <p14:creationId xmlns:p14="http://schemas.microsoft.com/office/powerpoint/2010/main" val="1403547450"/>
+      </p:ext>
+    </p:extLst>
+  </p:cSld>
+  <p:clrMapOvr>
+    <a:masterClrMapping/>
+  </p:clrMapOvr>
+</p:sld>
+</file>
+
+<file path=ppt/slides/slide5.xml><?xml version="1.0" encoding="utf-8"?>
+<p:sld xmlns:a="http://schemas.openxmlformats.org/drawingml/2006/main" xmlns:r="http://schemas.openxmlformats.org/officeDocument/2006/relationships" xmlns:p="http://schemas.openxmlformats.org/presentationml/2006/main">
+  <p:cSld>
+    <p:spTree>
+      <p:nvGrpSpPr>
+        <p:cNvPr id="1" name="">
+          <a:extLst>
+            <a:ext uri="{FF2B5EF4-FFF2-40B4-BE49-F238E27FC236}">
+              <a16:creationId xmlns:a16="http://schemas.microsoft.com/office/drawing/2014/main" id="{FE2C3750-A5DA-383C-6E99-AA2FA592F01B}"/>
+            </a:ext>
+          </a:extLst>
+        </p:cNvPr>
+        <p:cNvGrpSpPr/>
+        <p:nvPr/>
+      </p:nvGrpSpPr>
+      <p:grpSpPr>
+        <a:xfrm>
+          <a:off x="0" y="0"/>
+          <a:ext cx="0" cy="0"/>
+          <a:chOff x="0" y="0"/>
+          <a:chExt cx="0" cy="0"/>
+        </a:xfrm>
+      </p:grpSpPr>
+      <p:sp>
+        <p:nvSpPr>
+          <p:cNvPr id="2" name="כותרת 1">
+            <a:extLst>
+              <a:ext uri="{FF2B5EF4-FFF2-40B4-BE49-F238E27FC236}">
+                <a16:creationId xmlns:a16="http://schemas.microsoft.com/office/drawing/2014/main" id="{C5A89D4B-3960-7138-FB58-8DAF1D90F92B}"/>
+              </a:ext>
+            </a:extLst>
+          </p:cNvPr>
+          <p:cNvSpPr>
+            <a:spLocks noGrp="1"/>
+          </p:cNvSpPr>
+          <p:nvPr>
+            <p:ph type="title"/>
+          </p:nvPr>
+        </p:nvSpPr>
+        <p:spPr/>
+        <p:txBody>
+          <a:bodyPr/>
+          <a:lstStyle/>
+          <a:p>
+            <a:r>
+              <a:rPr lang="he-IL" dirty="0"/>
+              <a:t>שאלה מס' 1: </a:t>
+            </a:r>
+          </a:p>
+        </p:txBody>
+      </p:sp>
+      <p:sp>
+        <p:nvSpPr>
+          <p:cNvPr id="3" name="מציין מיקום תוכן 2">
+            <a:extLst>
+              <a:ext uri="{FF2B5EF4-FFF2-40B4-BE49-F238E27FC236}">
+                <a16:creationId xmlns:a16="http://schemas.microsoft.com/office/drawing/2014/main" id="{7CF5D21D-3A2A-0913-0F17-9C7CE2771577}"/>
+              </a:ext>
+            </a:extLst>
+          </p:cNvPr>
+          <p:cNvSpPr>
+            <a:spLocks noGrp="1"/>
+          </p:cNvSpPr>
+          <p:nvPr>
+            <p:ph idx="1"/>
+          </p:nvPr>
+        </p:nvSpPr>
+        <p:spPr>
+          <a:xfrm>
+            <a:off x="3323644" y="1943071"/>
+            <a:ext cx="8030155" cy="4351338"/>
+          </a:xfrm>
+        </p:spPr>
+        <p:txBody>
+          <a:bodyPr>
+            <a:normAutofit/>
+          </a:bodyPr>
+          <a:lstStyle/>
+          <a:p>
+            <a:pPr marL="0" indent="0">
+              <a:buNone/>
+            </a:pPr>
+            <a:r>
+              <a:rPr lang="he-IL" b="1" dirty="0"/>
+              <a:t>שלב 3 – התמודדות עם תקלות ושמירה על ה־</a:t>
+            </a:r>
+            <a:r>
+              <a:rPr lang="en-US" b="1" dirty="0"/>
+              <a:t>OTD</a:t>
+            </a:r>
+          </a:p>
+          <a:p>
+            <a:pPr marL="0" indent="0" algn="just">
+              <a:buNone/>
+            </a:pPr>
+            <a:r>
+              <a:rPr lang="he-IL" sz="1600" b="1" dirty="0"/>
+              <a:t>הבעיה</a:t>
+            </a:r>
+            <a:r>
+              <a:rPr lang="he-IL" sz="1600" dirty="0"/>
+              <a:t> – מכונת הניקוי ישנה ונוטה להיכשל בממוצע פעם אחת כל שלושה ימים. כל תקלה גורמת להשבתה של כ־3 שעות.</a:t>
+            </a:r>
+          </a:p>
+          <a:p>
+            <a:pPr marL="0" indent="0" algn="just">
+              <a:buNone/>
+            </a:pPr>
+            <a:r>
+              <a:rPr lang="he-IL" sz="1600" dirty="0"/>
+              <a:t>אם התקלה מתרחשת בלי היערכות מוקדמת, היא עלולה לעכב את הייצור ולהוריד את ה-</a:t>
+            </a:r>
+            <a:r>
+              <a:rPr lang="en-US" sz="1600" dirty="0"/>
+              <a:t>OTD</a:t>
+            </a:r>
+          </a:p>
+          <a:p>
+            <a:pPr marL="0" indent="0" algn="just">
+              <a:buNone/>
+            </a:pPr>
+            <a:r>
+              <a:rPr lang="he-IL" sz="1600" b="1" dirty="0"/>
+              <a:t>הפתרון</a:t>
+            </a:r>
+            <a:r>
+              <a:rPr lang="he-IL" sz="1600" dirty="0"/>
+              <a:t> – שמירת </a:t>
+            </a:r>
+            <a:r>
+              <a:rPr lang="en-US" sz="1600" dirty="0"/>
+              <a:t>)Buffer</a:t>
+            </a:r>
+            <a:r>
+              <a:rPr lang="he-IL" sz="1600" dirty="0"/>
+              <a:t>מלאי ביניים) של מוצרים מוכנים לפני תחנת ההרכבה (ה-</a:t>
+            </a:r>
+            <a:r>
+              <a:rPr lang="en-US" sz="1600" dirty="0"/>
+              <a:t>(CCR</a:t>
+            </a:r>
+            <a:endParaRPr lang="he-IL" sz="1600" dirty="0"/>
+          </a:p>
+          <a:p>
+            <a:pPr marL="0" indent="0" algn="just">
+              <a:buNone/>
+            </a:pPr>
+            <a:r>
+              <a:rPr lang="he-IL" sz="1600" dirty="0"/>
+              <a:t>הבאפר מחושב כך שיספיק להחזיק את ההרכבה פעילה במשך כל זמן התיקון של מכונת הניקוי (3 שעות).</a:t>
+            </a:r>
+          </a:p>
+          <a:p>
+            <a:pPr marL="0" indent="0" algn="just">
+              <a:buNone/>
+            </a:pPr>
+            <a:r>
+              <a:rPr lang="he-IL" sz="1600" b="1" dirty="0"/>
+              <a:t>החישוב</a:t>
+            </a:r>
+            <a:r>
+              <a:rPr lang="he-IL" sz="1600" dirty="0"/>
+              <a:t> – נקבע גודל הבאפר לפי קצב הייצור הממוצע של ההרכבה, כך שיכלול את מספר היחידות הדרושות לכיסוי הפסקה של 180 דקות.</a:t>
+            </a:r>
+          </a:p>
+          <a:p>
+            <a:pPr marL="0" indent="0" algn="just">
+              <a:buNone/>
+            </a:pPr>
+            <a:r>
+              <a:rPr lang="he-IL" sz="1600" b="1" dirty="0"/>
+              <a:t>התוצאה</a:t>
+            </a:r>
+            <a:r>
+              <a:rPr lang="he-IL" sz="1600" dirty="0"/>
+              <a:t> – גם אם הניקוי מושבת זמנית, ההרכבה ממשיכה לעבוד על מלאי הביניים, ותאריכי האספקה נשמרים.</a:t>
+            </a:r>
+          </a:p>
+          <a:p>
+            <a:pPr marL="0" indent="0" algn="just">
+              <a:buNone/>
+            </a:pPr>
+            <a:r>
+              <a:rPr lang="he-IL" sz="1600" dirty="0"/>
+              <a:t>כך ה-</a:t>
+            </a:r>
+            <a:r>
+              <a:rPr lang="en-US" sz="1600" dirty="0"/>
+              <a:t>OTD </a:t>
+            </a:r>
+            <a:r>
+              <a:rPr lang="he-IL" sz="1600" dirty="0"/>
+              <a:t> נשאר גבוה ואינו נפגע מתקלות חוזרות.</a:t>
+            </a:r>
+          </a:p>
+        </p:txBody>
+      </p:sp>
+      <p:pic>
+        <p:nvPicPr>
+          <p:cNvPr id="1028" name="Picture 4" descr="90+ Bottleneck Workflow Stock Photos, Pictures &amp; Royalty-Free Images -  iStock">
+            <a:extLst>
+              <a:ext uri="{FF2B5EF4-FFF2-40B4-BE49-F238E27FC236}">
+                <a16:creationId xmlns:a16="http://schemas.microsoft.com/office/drawing/2014/main" id="{0B762224-772E-57D8-0F62-A3915D3CADF0}"/>
+              </a:ext>
+            </a:extLst>
+          </p:cNvPr>
+          <p:cNvPicPr>
+            <a:picLocks noChangeAspect="1" noChangeArrowheads="1"/>
+          </p:cNvPicPr>
+          <p:nvPr/>
+        </p:nvPicPr>
+        <p:blipFill>
+          <a:blip r:embed="rId2">
+            <a:extLst>
+              <a:ext uri="{28A0092B-C50C-407E-A947-70E740481C1C}">
+                <a14:useLocalDpi xmlns:a14="http://schemas.microsoft.com/office/drawing/2010/main" val="0"/>
+              </a:ext>
+            </a:extLst>
+          </a:blip>
+          <a:srcRect/>
+          <a:stretch>
+            <a:fillRect/>
+          </a:stretch>
+        </p:blipFill>
+        <p:spPr bwMode="auto">
+          <a:xfrm>
+            <a:off x="302004" y="260059"/>
+            <a:ext cx="2914651" cy="2138363"/>
+          </a:xfrm>
+          <a:prstGeom prst="rect">
+            <a:avLst/>
+          </a:prstGeom>
+          <a:ln>
+            <a:noFill/>
+          </a:ln>
+          <a:effectLst>
+            <a:outerShdw blurRad="292100" dist="139700" dir="2700000" algn="tl" rotWithShape="0">
+              <a:srgbClr val="333333">
+                <a:alpha val="65000"/>
+              </a:srgbClr>
+            </a:outerShdw>
+          </a:effectLst>
+          <a:extLst>
+            <a:ext uri="{909E8E84-426E-40DD-AFC4-6F175D3DCCD1}">
+              <a14:hiddenFill xmlns:a14="http://schemas.microsoft.com/office/drawing/2010/main">
+                <a:solidFill>
+                  <a:srgbClr val="FFFFFF"/>
+                </a:solidFill>
+              </a14:hiddenFill>
+            </a:ext>
+          </a:extLst>
+        </p:spPr>
+      </p:pic>
+    </p:spTree>
+    <p:extLst>
+      <p:ext uri="{BB962C8B-B14F-4D97-AF65-F5344CB8AC3E}">
+        <p14:creationId xmlns:p14="http://schemas.microsoft.com/office/powerpoint/2010/main" val="3256363496"/>
+      </p:ext>
+    </p:extLst>
+  </p:cSld>
+  <p:clrMapOvr>
+    <a:masterClrMapping/>
+  </p:clrMapOvr>
+</p:sld>
+</file>
+
+<file path=ppt/slides/slide6.xml><?xml version="1.0" encoding="utf-8"?>
+<p:sld xmlns:a="http://schemas.openxmlformats.org/drawingml/2006/main" xmlns:r="http://schemas.openxmlformats.org/officeDocument/2006/relationships" xmlns:p="http://schemas.openxmlformats.org/presentationml/2006/main">
+  <p:cSld>
+    <p:spTree>
+      <p:nvGrpSpPr>
+        <p:cNvPr id="1" name="">
+          <a:extLst>
+            <a:ext uri="{FF2B5EF4-FFF2-40B4-BE49-F238E27FC236}">
+              <a16:creationId xmlns:a16="http://schemas.microsoft.com/office/drawing/2014/main" id="{D0498E21-6E6A-37A3-64AB-8AD5581E5C5A}"/>
+            </a:ext>
+          </a:extLst>
+        </p:cNvPr>
+        <p:cNvGrpSpPr/>
+        <p:nvPr/>
+      </p:nvGrpSpPr>
+      <p:grpSpPr>
+        <a:xfrm>
+          <a:off x="0" y="0"/>
+          <a:ext cx="0" cy="0"/>
+          <a:chOff x="0" y="0"/>
+          <a:chExt cx="0" cy="0"/>
+        </a:xfrm>
+      </p:grpSpPr>
+      <p:sp>
+        <p:nvSpPr>
+          <p:cNvPr id="2" name="כותרת 1">
+            <a:extLst>
+              <a:ext uri="{FF2B5EF4-FFF2-40B4-BE49-F238E27FC236}">
+                <a16:creationId xmlns:a16="http://schemas.microsoft.com/office/drawing/2014/main" id="{87E87896-E706-4A2B-73A2-17102777B554}"/>
+              </a:ext>
+            </a:extLst>
+          </p:cNvPr>
+          <p:cNvSpPr>
+            <a:spLocks noGrp="1"/>
+          </p:cNvSpPr>
+          <p:nvPr>
+            <p:ph type="title"/>
+          </p:nvPr>
+        </p:nvSpPr>
+        <p:spPr/>
+        <p:txBody>
+          <a:bodyPr/>
+          <a:lstStyle/>
+          <a:p>
+            <a:r>
+              <a:rPr lang="he-IL" dirty="0"/>
+              <a:t>שאלה מס' 3: </a:t>
+            </a:r>
+          </a:p>
+        </p:txBody>
+      </p:sp>
+      <p:sp>
+        <p:nvSpPr>
+          <p:cNvPr id="3" name="מציין מיקום תוכן 2">
+            <a:extLst>
+              <a:ext uri="{FF2B5EF4-FFF2-40B4-BE49-F238E27FC236}">
+                <a16:creationId xmlns:a16="http://schemas.microsoft.com/office/drawing/2014/main" id="{2A62AFB9-5377-C13C-2A0B-DD6A5F94FB2C}"/>
+              </a:ext>
+            </a:extLst>
+          </p:cNvPr>
+          <p:cNvSpPr>
+            <a:spLocks noGrp="1"/>
+          </p:cNvSpPr>
+          <p:nvPr>
+            <p:ph idx="1"/>
+          </p:nvPr>
+        </p:nvSpPr>
+        <p:spPr>
+          <a:xfrm>
+            <a:off x="3586038" y="1943071"/>
+            <a:ext cx="7767762" cy="4351338"/>
+          </a:xfrm>
+        </p:spPr>
+        <p:txBody>
+          <a:bodyPr>
+            <a:normAutofit/>
+          </a:bodyPr>
+          <a:lstStyle/>
+          <a:p>
+            <a:pPr marL="0" indent="0">
+              <a:buNone/>
+            </a:pPr>
+            <a:r>
+              <a:rPr lang="he-IL" b="1" dirty="0"/>
+              <a:t>שלב 1 – בחירת מודל</a:t>
+            </a:r>
+            <a:endParaRPr lang="he-IL" dirty="0"/>
+          </a:p>
+          <a:p>
+            <a:pPr marL="0" indent="0" algn="just">
+              <a:buNone/>
+            </a:pPr>
+            <a:r>
+              <a:rPr lang="he-IL" sz="1600" dirty="0"/>
+              <a:t>המודל שבחרתי הוא – </a:t>
+            </a:r>
+            <a:r>
+              <a:rPr lang="en-US" sz="1600" dirty="0"/>
+              <a:t>VMI (Vendor Managed Inventory)</a:t>
+            </a:r>
+          </a:p>
+          <a:p>
+            <a:pPr marL="0" indent="0">
+              <a:buNone/>
+            </a:pPr>
+            <a:r>
+              <a:rPr lang="he-IL" sz="1600" b="1" dirty="0"/>
+              <a:t>עקרונות המודל:</a:t>
+            </a:r>
+            <a:endParaRPr lang="he-IL" sz="1600" dirty="0"/>
+          </a:p>
+          <a:p>
+            <a:r>
+              <a:rPr lang="he-IL" sz="1600" dirty="0"/>
+              <a:t>הספק מנהל את המלאי אצל הלקוח על בסיס נתוני משיכה בפועל.</a:t>
+            </a:r>
+          </a:p>
+          <a:p>
+            <a:r>
+              <a:rPr lang="he-IL" sz="1600" dirty="0"/>
+              <a:t>מוגדרים שני פרמטרים מרכזיים:</a:t>
+            </a:r>
+          </a:p>
+          <a:p>
+            <a:pPr lvl="1"/>
+            <a:r>
+              <a:rPr lang="he-IL" sz="1600" b="1" dirty="0"/>
+              <a:t>רמת טריגר - </a:t>
+            </a:r>
+            <a:r>
+              <a:rPr lang="en-US" sz="1600" b="1" dirty="0"/>
+              <a:t>(Reorder Point)</a:t>
+            </a:r>
+            <a:r>
+              <a:rPr lang="he-IL" sz="1600" b="1" dirty="0"/>
+              <a:t> </a:t>
+            </a:r>
+            <a:r>
+              <a:rPr lang="he-IL" sz="1600" dirty="0"/>
+              <a:t>קצב צריכה יומי × זמן אספקה (14 יום) + באפר ביטחון.</a:t>
+            </a:r>
+          </a:p>
+          <a:p>
+            <a:pPr lvl="1"/>
+            <a:r>
+              <a:rPr lang="he-IL" sz="1600" b="1" dirty="0"/>
+              <a:t>כמות הזמנה -</a:t>
+            </a:r>
+            <a:r>
+              <a:rPr lang="en-US" sz="1600" b="1" dirty="0"/>
+              <a:t>(Order Quantity)</a:t>
+            </a:r>
+            <a:r>
+              <a:rPr lang="en-US" sz="1600" dirty="0"/>
+              <a:t> </a:t>
+            </a:r>
+            <a:r>
+              <a:rPr lang="he-IL" sz="1600" dirty="0"/>
+              <a:t> כמות לכיסוי הצריכה עד המשלוח הבא.</a:t>
+            </a:r>
+          </a:p>
+          <a:p>
+            <a:pPr marL="0" indent="0">
+              <a:buNone/>
+            </a:pPr>
+            <a:r>
+              <a:rPr lang="he-IL" sz="1600" dirty="0"/>
+              <a:t>כשהמלאי יורד לטריגר – הספק שולח משלוח שמגיע בדיוק בזמן.</a:t>
+            </a:r>
+          </a:p>
+          <a:p>
+            <a:pPr marL="0" indent="0">
+              <a:buNone/>
+            </a:pPr>
+            <a:r>
+              <a:rPr lang="he-IL" sz="1600" b="1" dirty="0"/>
+              <a:t>יתרונות המודל:</a:t>
+            </a:r>
+            <a:endParaRPr lang="he-IL" sz="1600" dirty="0"/>
+          </a:p>
+          <a:p>
+            <a:r>
+              <a:rPr lang="he-IL" sz="1600" dirty="0"/>
+              <a:t>צמצום מספר פקודות הרכש – ההזמנות מופעלות אוטומטית.</a:t>
+            </a:r>
+          </a:p>
+          <a:p>
+            <a:r>
+              <a:rPr lang="he-IL" sz="1600" dirty="0"/>
+              <a:t>הקטנת מלאי ממוצע – המלאי נשמר סביב רמת הטריגר.</a:t>
+            </a:r>
+          </a:p>
+          <a:p>
+            <a:r>
+              <a:rPr lang="he-IL" sz="1600" dirty="0"/>
+              <a:t>שמירה על ה-</a:t>
+            </a:r>
+            <a:r>
+              <a:rPr lang="en-US" sz="1600" dirty="0"/>
+              <a:t>OTD </a:t>
+            </a:r>
+            <a:r>
+              <a:rPr lang="he-IL" sz="1600" dirty="0"/>
+              <a:t> -הבאפר מגן מפני חוסרים גם במקרה של עיכובים.</a:t>
+            </a:r>
+          </a:p>
+        </p:txBody>
+      </p:sp>
+      <p:pic>
+        <p:nvPicPr>
+          <p:cNvPr id="1028" name="Picture 4" descr="90+ Bottleneck Workflow Stock Photos, Pictures &amp; Royalty-Free Images -  iStock">
+            <a:extLst>
+              <a:ext uri="{FF2B5EF4-FFF2-40B4-BE49-F238E27FC236}">
+                <a16:creationId xmlns:a16="http://schemas.microsoft.com/office/drawing/2014/main" id="{9A3ECD52-1424-9F63-D99D-8079C4C22187}"/>
+              </a:ext>
+            </a:extLst>
+          </p:cNvPr>
+          <p:cNvPicPr>
+            <a:picLocks noChangeAspect="1" noChangeArrowheads="1"/>
+          </p:cNvPicPr>
+          <p:nvPr/>
+        </p:nvPicPr>
+        <p:blipFill>
+          <a:blip r:embed="rId2">
+            <a:extLst>
+              <a:ext uri="{28A0092B-C50C-407E-A947-70E740481C1C}">
+                <a14:useLocalDpi xmlns:a14="http://schemas.microsoft.com/office/drawing/2010/main" val="0"/>
+              </a:ext>
+            </a:extLst>
+          </a:blip>
+          <a:srcRect/>
+          <a:stretch>
+            <a:fillRect/>
+          </a:stretch>
+        </p:blipFill>
+        <p:spPr bwMode="auto">
+          <a:xfrm>
+            <a:off x="302004" y="260059"/>
+            <a:ext cx="2914651" cy="2138363"/>
+          </a:xfrm>
+          <a:prstGeom prst="rect">
+            <a:avLst/>
+          </a:prstGeom>
+          <a:ln>
+            <a:noFill/>
+          </a:ln>
+          <a:effectLst>
+            <a:outerShdw blurRad="292100" dist="139700" dir="2700000" algn="tl" rotWithShape="0">
+              <a:srgbClr val="333333">
+                <a:alpha val="65000"/>
+              </a:srgbClr>
+            </a:outerShdw>
+          </a:effectLst>
+          <a:extLst>
+            <a:ext uri="{909E8E84-426E-40DD-AFC4-6F175D3DCCD1}">
+              <a14:hiddenFill xmlns:a14="http://schemas.microsoft.com/office/drawing/2010/main">
+                <a:solidFill>
+                  <a:srgbClr val="FFFFFF"/>
+                </a:solidFill>
+              </a14:hiddenFill>
+            </a:ext>
+          </a:extLst>
+        </p:spPr>
+      </p:pic>
+      <p:sp>
+        <p:nvSpPr>
+          <p:cNvPr id="4" name="Rectangle 1">
+            <a:extLst>
+              <a:ext uri="{FF2B5EF4-FFF2-40B4-BE49-F238E27FC236}">
+                <a16:creationId xmlns:a16="http://schemas.microsoft.com/office/drawing/2014/main" id="{5CFD13EF-412E-FD69-4E53-A15FAFD66D20}"/>
+              </a:ext>
+            </a:extLst>
+          </p:cNvPr>
+          <p:cNvSpPr>
+            <a:spLocks noChangeArrowheads="1"/>
+          </p:cNvSpPr>
+          <p:nvPr/>
+        </p:nvSpPr>
+        <p:spPr bwMode="auto">
+          <a:xfrm>
+            <a:off x="0" y="0"/>
+            <a:ext cx="12192000" cy="0"/>
+          </a:xfrm>
+          <a:prstGeom prst="rect">
+            <a:avLst/>
+          </a:prstGeom>
+          <a:noFill/>
+          <a:ln>
+            <a:noFill/>
+          </a:ln>
+          <a:effectLst/>
+          <a:extLst>
+            <a:ext uri="{909E8E84-426E-40DD-AFC4-6F175D3DCCD1}">
+              <a14:hiddenFill xmlns:a14="http://schemas.microsoft.com/office/drawing/2010/main">
+                <a:solidFill>
+                  <a:schemeClr val="accent1"/>
+                </a:solidFill>
+              </a14:hiddenFill>
+            </a:ext>
+            <a:ext uri="{91240B29-F687-4F45-9708-019B960494DF}">
+              <a14:hiddenLine xmlns:a14="http://schemas.microsoft.com/office/drawing/2010/main" w="9525">
+                <a:solidFill>
+                  <a:schemeClr val="tx1"/>
+                </a:solidFill>
+                <a:miter lim="800000"/>
+                <a:headEnd/>
+                <a:tailEnd/>
+              </a14:hiddenLine>
+            </a:ext>
+            <a:ext uri="{AF507438-7753-43E0-B8FC-AC1667EBCBE1}">
+              <a14:hiddenEffects xmlns:a14="http://schemas.microsoft.com/office/drawing/2010/main">
+                <a:effectLst>
+                  <a:outerShdw dist="35921" dir="2700000" algn="ctr" rotWithShape="0">
+                    <a:schemeClr val="bg2"/>
+                  </a:outerShdw>
+                </a:effectLst>
+              </a14:hiddenEffects>
+            </a:ext>
+          </a:extLst>
+        </p:spPr>
+        <p:txBody>
+          <a:bodyPr vert="horz" wrap="none" lIns="91440" tIns="45720" rIns="91440" bIns="45720" numCol="1" anchor="ctr" anchorCtr="0" compatLnSpc="1">
+            <a:prstTxWarp prst="textNoShape">
+              <a:avLst/>
+            </a:prstTxWarp>
+            <a:spAutoFit/>
+          </a:bodyPr>
+          <a:lstStyle/>
+          <a:p>
+            <a:pPr marL="0" marR="0" lvl="0" indent="0" algn="l" defTabSz="914400" rtl="0" eaLnBrk="0" fontAlgn="base" latinLnBrk="0" hangingPunct="0">
+              <a:lnSpc>
+                <a:spcPct val="100000"/>
+              </a:lnSpc>
+              <a:spcBef>
+                <a:spcPct val="0"/>
+              </a:spcBef>
+              <a:spcAft>
+                <a:spcPct val="0"/>
+              </a:spcAft>
+              <a:buClrTx/>
+              <a:buSzTx/>
+              <a:buFontTx/>
+              <a:buChar char="•"/>
+              <a:tabLst/>
+            </a:pPr>
+            <a:r>
+              <a:rPr kumimoji="0" lang="he-IL" altLang="he-IL" sz="1800" b="0" i="0" u="none" strike="noStrike" cap="none" normalizeH="0" baseline="0">
+                <a:ln>
+                  <a:noFill/>
+                </a:ln>
+                <a:solidFill>
+                  <a:schemeClr val="tx1"/>
+                </a:solidFill>
+                <a:effectLst/>
+                <a:latin typeface="Arial" panose="020B0604020202020204" pitchFamily="34" charset="0"/>
+                <a:cs typeface="Arial" panose="020B0604020202020204" pitchFamily="34" charset="0"/>
+              </a:rPr>
+              <a:t>זמינות חומר גלם גבוהה → שמירה על OTD.</a:t>
+            </a:r>
+            <a:endParaRPr kumimoji="0" lang="he-IL" altLang="he-IL" sz="1800" b="0" i="0" u="none" strike="noStrike" cap="none" normalizeH="0" baseline="0">
+              <a:ln>
+                <a:noFill/>
+              </a:ln>
+              <a:solidFill>
+                <a:schemeClr val="tx1"/>
+              </a:solidFill>
+              <a:effectLst/>
+              <a:latin typeface="Arial" panose="020B0604020202020204" pitchFamily="34" charset="0"/>
+            </a:endParaRPr>
+          </a:p>
+          <a:p>
+            <a:pPr marL="0" marR="0" lvl="0" indent="0" algn="l" defTabSz="914400" rtl="0" eaLnBrk="0" fontAlgn="base" latinLnBrk="0" hangingPunct="0">
+              <a:lnSpc>
+                <a:spcPct val="100000"/>
+              </a:lnSpc>
+              <a:spcBef>
+                <a:spcPct val="0"/>
+              </a:spcBef>
+              <a:spcAft>
+                <a:spcPct val="0"/>
+              </a:spcAft>
+              <a:buClrTx/>
+              <a:buSzTx/>
+              <a:buFontTx/>
+              <a:buChar char="•"/>
+              <a:tabLst/>
+            </a:pPr>
+            <a:r>
+              <a:rPr kumimoji="0" lang="he-IL" altLang="he-IL" sz="1800" b="0" i="0" u="none" strike="noStrike" cap="none" normalizeH="0" baseline="0">
+                <a:ln>
+                  <a:noFill/>
+                </a:ln>
+                <a:solidFill>
+                  <a:schemeClr val="tx1"/>
+                </a:solidFill>
+                <a:effectLst/>
+                <a:latin typeface="Arial" panose="020B0604020202020204" pitchFamily="34" charset="0"/>
+                <a:cs typeface="Arial" panose="020B0604020202020204" pitchFamily="34" charset="0"/>
+              </a:rPr>
+              <a:t>צמצום בירוקרטיה והפחתת מספר פקודות הרכש.</a:t>
+            </a:r>
+            <a:endParaRPr kumimoji="0" lang="he-IL" altLang="he-IL" sz="1800" b="0" i="0" u="none" strike="noStrike" cap="none" normalizeH="0" baseline="0">
+              <a:ln>
+                <a:noFill/>
+              </a:ln>
+              <a:solidFill>
+                <a:schemeClr val="tx1"/>
+              </a:solidFill>
+              <a:effectLst/>
+              <a:latin typeface="Arial" panose="020B0604020202020204" pitchFamily="34" charset="0"/>
+            </a:endParaRPr>
+          </a:p>
+          <a:p>
+            <a:pPr marL="0" marR="0" lvl="0" indent="0" algn="l" defTabSz="914400" rtl="0" eaLnBrk="0" fontAlgn="base" latinLnBrk="0" hangingPunct="0">
+              <a:lnSpc>
+                <a:spcPct val="100000"/>
+              </a:lnSpc>
+              <a:spcBef>
+                <a:spcPct val="0"/>
+              </a:spcBef>
+              <a:spcAft>
+                <a:spcPct val="0"/>
+              </a:spcAft>
+              <a:buClrTx/>
+              <a:buSzTx/>
+              <a:buFontTx/>
+              <a:buChar char="•"/>
+              <a:tabLst/>
+            </a:pPr>
+            <a:r>
+              <a:rPr kumimoji="0" lang="he-IL" altLang="he-IL" sz="1800" b="0" i="0" u="none" strike="noStrike" cap="none" normalizeH="0" baseline="0">
+                <a:ln>
+                  <a:noFill/>
+                </a:ln>
+                <a:solidFill>
+                  <a:schemeClr val="tx1"/>
+                </a:solidFill>
+                <a:effectLst/>
+                <a:latin typeface="Arial" panose="020B0604020202020204" pitchFamily="34" charset="0"/>
+                <a:cs typeface="Arial" panose="020B0604020202020204" pitchFamily="34" charset="0"/>
+              </a:rPr>
+              <a:t>ניהול המלאי ע"י הספק חוסך משאבים פנימיים.</a:t>
+            </a:r>
+            <a:endParaRPr kumimoji="0" lang="he-IL" altLang="he-IL" sz="1800" b="0" i="0" u="none" strike="noStrike" cap="none" normalizeH="0" baseline="0">
+              <a:ln>
+                <a:noFill/>
+              </a:ln>
+              <a:solidFill>
+                <a:schemeClr val="tx1"/>
+              </a:solidFill>
+              <a:effectLst/>
+              <a:latin typeface="Arial" panose="020B0604020202020204" pitchFamily="34" charset="0"/>
+            </a:endParaRPr>
+          </a:p>
+        </p:txBody>
+      </p:sp>
+    </p:spTree>
+    <p:extLst>
+      <p:ext uri="{BB962C8B-B14F-4D97-AF65-F5344CB8AC3E}">
+        <p14:creationId xmlns:p14="http://schemas.microsoft.com/office/powerpoint/2010/main" val="568982426"/>
+      </p:ext>
+    </p:extLst>
+  </p:cSld>
+  <p:clrMapOvr>
+    <a:masterClrMapping/>
+  </p:clrMapOvr>
+</p:sld>
+</file>
+
+<file path=ppt/slides/slide7.xml><?xml version="1.0" encoding="utf-8"?>
+<p:sld xmlns:a="http://schemas.openxmlformats.org/drawingml/2006/main" xmlns:r="http://schemas.openxmlformats.org/officeDocument/2006/relationships" xmlns:p="http://schemas.openxmlformats.org/presentationml/2006/main">
+  <p:cSld>
+    <p:spTree>
+      <p:nvGrpSpPr>
+        <p:cNvPr id="1" name="">
+          <a:extLst>
+            <a:ext uri="{FF2B5EF4-FFF2-40B4-BE49-F238E27FC236}">
+              <a16:creationId xmlns:a16="http://schemas.microsoft.com/office/drawing/2014/main" id="{EFD2D3FD-8AF1-3A1A-7C73-3B034395CD90}"/>
+            </a:ext>
+          </a:extLst>
+        </p:cNvPr>
+        <p:cNvGrpSpPr/>
+        <p:nvPr/>
+      </p:nvGrpSpPr>
+      <p:grpSpPr>
+        <a:xfrm>
+          <a:off x="0" y="0"/>
+          <a:ext cx="0" cy="0"/>
+          <a:chOff x="0" y="0"/>
+          <a:chExt cx="0" cy="0"/>
+        </a:xfrm>
+      </p:grpSpPr>
+      <p:sp>
+        <p:nvSpPr>
+          <p:cNvPr id="2" name="כותרת 1">
+            <a:extLst>
+              <a:ext uri="{FF2B5EF4-FFF2-40B4-BE49-F238E27FC236}">
+                <a16:creationId xmlns:a16="http://schemas.microsoft.com/office/drawing/2014/main" id="{2673DFA2-A15D-8325-117E-D62D4B1EC8D1}"/>
+              </a:ext>
+            </a:extLst>
+          </p:cNvPr>
+          <p:cNvSpPr>
+            <a:spLocks noGrp="1"/>
+          </p:cNvSpPr>
+          <p:nvPr>
+            <p:ph type="title"/>
+          </p:nvPr>
+        </p:nvSpPr>
+        <p:spPr/>
+        <p:txBody>
+          <a:bodyPr/>
+          <a:lstStyle/>
+          <a:p>
+            <a:r>
+              <a:rPr lang="he-IL" dirty="0"/>
+              <a:t>שאלה מס' 3: </a:t>
+            </a:r>
+          </a:p>
+        </p:txBody>
+      </p:sp>
+      <p:sp>
+        <p:nvSpPr>
+          <p:cNvPr id="3" name="מציין מיקום תוכן 2">
+            <a:extLst>
+              <a:ext uri="{FF2B5EF4-FFF2-40B4-BE49-F238E27FC236}">
+                <a16:creationId xmlns:a16="http://schemas.microsoft.com/office/drawing/2014/main" id="{2C7C4329-4D52-F519-4202-A770B71EF22D}"/>
+              </a:ext>
+            </a:extLst>
+          </p:cNvPr>
+          <p:cNvSpPr>
+            <a:spLocks noGrp="1"/>
+          </p:cNvSpPr>
+          <p:nvPr>
+            <p:ph idx="1"/>
+          </p:nvPr>
+        </p:nvSpPr>
+        <p:spPr>
+          <a:xfrm>
+            <a:off x="838200" y="1943071"/>
+            <a:ext cx="10515600" cy="4351338"/>
+          </a:xfrm>
+        </p:spPr>
+        <p:txBody>
+          <a:bodyPr>
+            <a:normAutofit/>
+          </a:bodyPr>
+          <a:lstStyle/>
+          <a:p>
+            <a:pPr marL="0" indent="0">
+              <a:buNone/>
+            </a:pPr>
+            <a:r>
+              <a:rPr lang="he-IL" b="1" dirty="0"/>
+              <a:t>שלב 1 – בחירת מודל</a:t>
+            </a:r>
+            <a:endParaRPr lang="he-IL" dirty="0"/>
+          </a:p>
+          <a:p>
+            <a:pPr marL="0" indent="0">
+              <a:buNone/>
+            </a:pPr>
+            <a:r>
+              <a:rPr lang="he-IL" sz="1600" b="1" dirty="0"/>
+              <a:t>חישוב המלאי הממוצע במחסן:</a:t>
+            </a:r>
+          </a:p>
+          <a:p>
+            <a:pPr marL="0" indent="0">
+              <a:buNone/>
+            </a:pPr>
+            <a:endParaRPr lang="he-IL" sz="1600" dirty="0"/>
+          </a:p>
+        </p:txBody>
+      </p:sp>
+      <p:pic>
+        <p:nvPicPr>
+          <p:cNvPr id="1028" name="Picture 4" descr="90+ Bottleneck Workflow Stock Photos, Pictures &amp; Royalty-Free Images -  iStock">
+            <a:extLst>
+              <a:ext uri="{FF2B5EF4-FFF2-40B4-BE49-F238E27FC236}">
+                <a16:creationId xmlns:a16="http://schemas.microsoft.com/office/drawing/2014/main" id="{4D5141FF-F645-AE07-FEED-EE9BCE8A7E5C}"/>
+              </a:ext>
+            </a:extLst>
+          </p:cNvPr>
+          <p:cNvPicPr>
+            <a:picLocks noChangeAspect="1" noChangeArrowheads="1"/>
+          </p:cNvPicPr>
+          <p:nvPr/>
+        </p:nvPicPr>
+        <p:blipFill>
+          <a:blip r:embed="rId2">
+            <a:extLst>
+              <a:ext uri="{28A0092B-C50C-407E-A947-70E740481C1C}">
+                <a14:useLocalDpi xmlns:a14="http://schemas.microsoft.com/office/drawing/2010/main" val="0"/>
+              </a:ext>
+            </a:extLst>
+          </a:blip>
+          <a:srcRect/>
+          <a:stretch>
+            <a:fillRect/>
+          </a:stretch>
+        </p:blipFill>
+        <p:spPr bwMode="auto">
+          <a:xfrm>
+            <a:off x="302004" y="260059"/>
+            <a:ext cx="2914651" cy="2138363"/>
+          </a:xfrm>
+          <a:prstGeom prst="rect">
+            <a:avLst/>
+          </a:prstGeom>
+          <a:ln>
+            <a:noFill/>
+          </a:ln>
+          <a:effectLst>
+            <a:outerShdw blurRad="292100" dist="139700" dir="2700000" algn="tl" rotWithShape="0">
+              <a:srgbClr val="333333">
+                <a:alpha val="65000"/>
+              </a:srgbClr>
+            </a:outerShdw>
+          </a:effectLst>
+          <a:extLst>
+            <a:ext uri="{909E8E84-426E-40DD-AFC4-6F175D3DCCD1}">
+              <a14:hiddenFill xmlns:a14="http://schemas.microsoft.com/office/drawing/2010/main">
+                <a:solidFill>
+                  <a:srgbClr val="FFFFFF"/>
+                </a:solidFill>
+              </a14:hiddenFill>
+            </a:ext>
+          </a:extLst>
+        </p:spPr>
+      </p:pic>
+      <p:pic>
+        <p:nvPicPr>
+          <p:cNvPr id="5" name="Picture 4">
+            <a:extLst>
+              <a:ext uri="{FF2B5EF4-FFF2-40B4-BE49-F238E27FC236}">
+                <a16:creationId xmlns:a16="http://schemas.microsoft.com/office/drawing/2014/main" id="{680681BF-9CC5-CB58-012C-2ECD23E3DAA0}"/>
+              </a:ext>
+            </a:extLst>
+          </p:cNvPr>
+          <p:cNvPicPr>
+            <a:picLocks noChangeAspect="1"/>
+          </p:cNvPicPr>
+          <p:nvPr/>
+        </p:nvPicPr>
+        <p:blipFill>
+          <a:blip r:embed="rId3"/>
+          <a:stretch>
+            <a:fillRect/>
+          </a:stretch>
+        </p:blipFill>
+        <p:spPr>
+          <a:xfrm>
+            <a:off x="7253719" y="3047163"/>
+            <a:ext cx="4296375" cy="914528"/>
+          </a:xfrm>
+          <a:prstGeom prst="rect">
+            <a:avLst/>
+          </a:prstGeom>
+        </p:spPr>
+      </p:pic>
+      <p:pic>
+        <p:nvPicPr>
+          <p:cNvPr id="9" name="Picture 8" descr="A graph with a blue line&#10;&#10;AI-generated content may be incorrect.">
+            <a:extLst>
+              <a:ext uri="{FF2B5EF4-FFF2-40B4-BE49-F238E27FC236}">
+                <a16:creationId xmlns:a16="http://schemas.microsoft.com/office/drawing/2014/main" id="{FCF57B21-4CDA-B507-6FB3-71620FDDAAF2}"/>
+              </a:ext>
+            </a:extLst>
+          </p:cNvPr>
+          <p:cNvPicPr>
+            <a:picLocks noChangeAspect="1"/>
+          </p:cNvPicPr>
+          <p:nvPr/>
+        </p:nvPicPr>
+        <p:blipFill>
+          <a:blip r:embed="rId4">
+            <a:extLst>
+              <a:ext uri="{28A0092B-C50C-407E-A947-70E740481C1C}">
+                <a14:useLocalDpi xmlns:a14="http://schemas.microsoft.com/office/drawing/2010/main" val="0"/>
+              </a:ext>
+            </a:extLst>
+          </a:blip>
+          <a:stretch>
+            <a:fillRect/>
+          </a:stretch>
+        </p:blipFill>
+        <p:spPr>
+          <a:xfrm>
+            <a:off x="302004" y="3504427"/>
+            <a:ext cx="6329594" cy="3164797"/>
+          </a:xfrm>
+          <a:prstGeom prst="rect">
+            <a:avLst/>
+          </a:prstGeom>
+        </p:spPr>
+      </p:pic>
+    </p:spTree>
+    <p:extLst>
+      <p:ext uri="{BB962C8B-B14F-4D97-AF65-F5344CB8AC3E}">
+        <p14:creationId xmlns:p14="http://schemas.microsoft.com/office/powerpoint/2010/main" val="193940545"/>
       </p:ext>
     </p:extLst>
   </p:cSld>
@@ -5326,15 +5780,6 @@
 </file>
 
 <file path=customXml/item2.xml><?xml version="1.0" encoding="utf-8"?>
-<?mso-contentType ?>
-<FormTemplates xmlns="http://schemas.microsoft.com/sharepoint/v3/contenttype/forms">
-  <Display>DocumentLibraryForm</Display>
-  <Edit>DocumentLibraryForm</Edit>
-  <New>DocumentLibraryForm</New>
-</FormTemplates>
-</file>
-
-<file path=customXml/item3.xml><?xml version="1.0" encoding="utf-8"?>
 <ct:contentTypeSchema xmlns:ct="http://schemas.microsoft.com/office/2006/metadata/contentType" xmlns:ma="http://schemas.microsoft.com/office/2006/metadata/properties/metaAttributes" ct:_="" ma:_="" ma:contentTypeName="Document" ma:contentTypeID="0x0101000FD23E2E91BD964C8C8FDC06CB65C3BE" ma:contentTypeVersion="1" ma:contentTypeDescription="Create a new document." ma:contentTypeScope="" ma:versionID="cc15efc3c44a5609b221a09bf452bd1c">
   <xsd:schema xmlns:xsd="http://www.w3.org/2001/XMLSchema" xmlns:xs="http://www.w3.org/2001/XMLSchema" xmlns:p="http://schemas.microsoft.com/office/2006/metadata/properties" xmlns:ns3="0864cb75-3eb1-4969-9bf8-df55d10e66a1" targetNamespace="http://schemas.microsoft.com/office/2006/metadata/properties" ma:root="true" ma:fieldsID="e8c6d30125b11a374f468e1f75af7408" ns3:_="">
     <xsd:import namespace="0864cb75-3eb1-4969-9bf8-df55d10e66a1"/>
@@ -5460,6 +5905,15 @@
 </ct:contentTypeSchema>
 </file>
 
+<file path=customXml/item3.xml><?xml version="1.0" encoding="utf-8"?>
+<?mso-contentType ?>
+<FormTemplates xmlns="http://schemas.microsoft.com/sharepoint/v3/contenttype/forms">
+  <Display>DocumentLibraryForm</Display>
+  <Edit>DocumentLibraryForm</Edit>
+  <New>DocumentLibraryForm</New>
+</FormTemplates>
+</file>
+
 <file path=customXml/itemProps1.xml><?xml version="1.0" encoding="utf-8"?>
 <ds:datastoreItem xmlns:ds="http://schemas.openxmlformats.org/officeDocument/2006/customXml" ds:itemID="{7A5E3A80-562C-4AAC-9AE6-601BFFC69948}">
   <ds:schemaRefs>
@@ -5477,14 +5931,6 @@
 </file>
 
 <file path=customXml/itemProps2.xml><?xml version="1.0" encoding="utf-8"?>
-<ds:datastoreItem xmlns:ds="http://schemas.openxmlformats.org/officeDocument/2006/customXml" ds:itemID="{522084FE-EA9F-4E85-B15C-4207B3EB089E}">
-  <ds:schemaRefs>
-    <ds:schemaRef ds:uri="http://schemas.microsoft.com/sharepoint/v3/contenttype/forms"/>
-  </ds:schemaRefs>
-</ds:datastoreItem>
-</file>
-
-<file path=customXml/itemProps3.xml><?xml version="1.0" encoding="utf-8"?>
 <ds:datastoreItem xmlns:ds="http://schemas.openxmlformats.org/officeDocument/2006/customXml" ds:itemID="{CAE00717-3314-4699-88BA-49B55DE392D3}">
   <ds:schemaRefs>
     <ds:schemaRef ds:uri="http://schemas.microsoft.com/office/2006/metadata/contentType"/>
@@ -5500,4 +5946,12 @@
     <ds:schemaRef ds:uri="http://schemas.microsoft.com/internal/obd"/>
   </ds:schemaRefs>
 </ds:datastoreItem>
+</file>
+
+<file path=customXml/itemProps3.xml><?xml version="1.0" encoding="utf-8"?>
+<ds:datastoreItem xmlns:ds="http://schemas.openxmlformats.org/officeDocument/2006/customXml" ds:itemID="{522084FE-EA9F-4E85-B15C-4207B3EB089E}">
+  <ds:schemaRefs>
+    <ds:schemaRef ds:uri="http://schemas.microsoft.com/sharepoint/v3/contenttype/forms"/>
+  </ds:schemaRefs>
+</ds:datastoreItem>
 </file>
--- a/מטלה להערכה חלופית.pptx
+++ b/מטלה להערכה חלופית.pptx
@@ -11,7 +11,7 @@
     <p:sldId id="261" r:id="rId8"/>
     <p:sldId id="262" r:id="rId9"/>
     <p:sldId id="264" r:id="rId10"/>
-    <p:sldId id="265" r:id="rId11"/>
+    <p:sldId id="266" r:id="rId11"/>
   </p:sldIdLst>
   <p:sldSz cx="12192000" cy="6858000"/>
   <p:notesSz cx="6858000" cy="9144000"/>
@@ -265,7 +265,7 @@
           <a:p>
             <a:fld id="{A5251330-C535-4379-A413-1AC19CB8ADE7}" type="datetimeFigureOut">
               <a:rPr lang="he-IL" smtClean="0"/>
-              <a:t>כ'/אב/תשפ"ה</a:t>
+              <a:t>כ"א/אב/תשפ"ה</a:t>
             </a:fld>
             <a:endParaRPr lang="he-IL"/>
           </a:p>
@@ -463,7 +463,7 @@
           <a:p>
             <a:fld id="{A5251330-C535-4379-A413-1AC19CB8ADE7}" type="datetimeFigureOut">
               <a:rPr lang="he-IL" smtClean="0"/>
-              <a:t>כ'/אב/תשפ"ה</a:t>
+              <a:t>כ"א/אב/תשפ"ה</a:t>
             </a:fld>
             <a:endParaRPr lang="he-IL"/>
           </a:p>
@@ -671,7 +671,7 @@
           <a:p>
             <a:fld id="{A5251330-C535-4379-A413-1AC19CB8ADE7}" type="datetimeFigureOut">
               <a:rPr lang="he-IL" smtClean="0"/>
-              <a:t>כ'/אב/תשפ"ה</a:t>
+              <a:t>כ"א/אב/תשפ"ה</a:t>
             </a:fld>
             <a:endParaRPr lang="he-IL"/>
           </a:p>
@@ -869,7 +869,7 @@
           <a:p>
             <a:fld id="{A5251330-C535-4379-A413-1AC19CB8ADE7}" type="datetimeFigureOut">
               <a:rPr lang="he-IL" smtClean="0"/>
-              <a:t>כ'/אב/תשפ"ה</a:t>
+              <a:t>כ"א/אב/תשפ"ה</a:t>
             </a:fld>
             <a:endParaRPr lang="he-IL"/>
           </a:p>
@@ -1144,7 +1144,7 @@
           <a:p>
             <a:fld id="{A5251330-C535-4379-A413-1AC19CB8ADE7}" type="datetimeFigureOut">
               <a:rPr lang="he-IL" smtClean="0"/>
-              <a:t>כ'/אב/תשפ"ה</a:t>
+              <a:t>כ"א/אב/תשפ"ה</a:t>
             </a:fld>
             <a:endParaRPr lang="he-IL"/>
           </a:p>
@@ -1409,7 +1409,7 @@
           <a:p>
             <a:fld id="{A5251330-C535-4379-A413-1AC19CB8ADE7}" type="datetimeFigureOut">
               <a:rPr lang="he-IL" smtClean="0"/>
-              <a:t>כ'/אב/תשפ"ה</a:t>
+              <a:t>כ"א/אב/תשפ"ה</a:t>
             </a:fld>
             <a:endParaRPr lang="he-IL"/>
           </a:p>
@@ -1821,7 +1821,7 @@
           <a:p>
             <a:fld id="{A5251330-C535-4379-A413-1AC19CB8ADE7}" type="datetimeFigureOut">
               <a:rPr lang="he-IL" smtClean="0"/>
-              <a:t>כ'/אב/תשפ"ה</a:t>
+              <a:t>כ"א/אב/תשפ"ה</a:t>
             </a:fld>
             <a:endParaRPr lang="he-IL"/>
           </a:p>
@@ -1962,7 +1962,7 @@
           <a:p>
             <a:fld id="{A5251330-C535-4379-A413-1AC19CB8ADE7}" type="datetimeFigureOut">
               <a:rPr lang="he-IL" smtClean="0"/>
-              <a:t>כ'/אב/תשפ"ה</a:t>
+              <a:t>כ"א/אב/תשפ"ה</a:t>
             </a:fld>
             <a:endParaRPr lang="he-IL"/>
           </a:p>
@@ -2075,7 +2075,7 @@
           <a:p>
             <a:fld id="{A5251330-C535-4379-A413-1AC19CB8ADE7}" type="datetimeFigureOut">
               <a:rPr lang="he-IL" smtClean="0"/>
-              <a:t>כ'/אב/תשפ"ה</a:t>
+              <a:t>כ"א/אב/תשפ"ה</a:t>
             </a:fld>
             <a:endParaRPr lang="he-IL"/>
           </a:p>
@@ -2386,7 +2386,7 @@
           <a:p>
             <a:fld id="{A5251330-C535-4379-A413-1AC19CB8ADE7}" type="datetimeFigureOut">
               <a:rPr lang="he-IL" smtClean="0"/>
-              <a:t>כ'/אב/תשפ"ה</a:t>
+              <a:t>כ"א/אב/תשפ"ה</a:t>
             </a:fld>
             <a:endParaRPr lang="he-IL"/>
           </a:p>
@@ -2674,7 +2674,7 @@
           <a:p>
             <a:fld id="{A5251330-C535-4379-A413-1AC19CB8ADE7}" type="datetimeFigureOut">
               <a:rPr lang="he-IL" smtClean="0"/>
-              <a:t>כ'/אב/תשפ"ה</a:t>
+              <a:t>כ"א/אב/תשפ"ה</a:t>
             </a:fld>
             <a:endParaRPr lang="he-IL"/>
           </a:p>
@@ -2915,7 +2915,7 @@
           <a:p>
             <a:fld id="{A5251330-C535-4379-A413-1AC19CB8ADE7}" type="datetimeFigureOut">
               <a:rPr lang="he-IL" smtClean="0"/>
-              <a:t>כ'/אב/תשפ"ה</a:t>
+              <a:t>כ"א/אב/תשפ"ה</a:t>
             </a:fld>
             <a:endParaRPr lang="he-IL"/>
           </a:p>
@@ -3884,7 +3884,7 @@
             </a:r>
             <a:r>
               <a:rPr lang="he-IL" sz="1600" dirty="0"/>
-              <a:t> מאוד נמוך של 27%</a:t>
+              <a:t> מאוד  של 76%</a:t>
             </a:r>
           </a:p>
         </p:txBody>
@@ -4098,15 +4098,15 @@
             <a:pPr algn="just"/>
             <a:r>
               <a:rPr lang="he-IL" sz="1600" b="1" dirty="0"/>
-              <a:t>הקטנת זמני </a:t>
-            </a:r>
-            <a:r>
-              <a:rPr lang="he-IL" sz="1600" b="1" dirty="0" err="1"/>
-              <a:t>סט־אפ</a:t>
+              <a:t>הקטנת זמני</a:t>
+            </a:r>
+            <a:r>
+              <a:rPr lang="en-US" sz="1600" b="1" dirty="0"/>
+              <a:t>Setup </a:t>
             </a:r>
             <a:r>
               <a:rPr lang="he-IL" sz="1600" dirty="0"/>
-              <a:t> – לאגד סדרות דומות לפי צבע ומוצר, לצמצום המעברים.</a:t>
+              <a:t> - לאגד סדרות דומות לפי צבע ומוצר, לצמצום המעברים.</a:t>
             </a:r>
           </a:p>
           <a:p>
@@ -4211,6 +4211,14 @@
 <file path=ppt/slides/slide4.xml><?xml version="1.0" encoding="utf-8"?>
 <p:sld xmlns:a="http://schemas.openxmlformats.org/drawingml/2006/main" xmlns:r="http://schemas.openxmlformats.org/officeDocument/2006/relationships" xmlns:p="http://schemas.openxmlformats.org/presentationml/2006/main">
   <p:cSld>
+    <p:bg>
+      <p:bgPr>
+        <a:solidFill>
+          <a:schemeClr val="bg1"/>
+        </a:solidFill>
+        <a:effectLst/>
+      </p:bgPr>
+    </p:bg>
     <p:spTree>
       <p:nvGrpSpPr>
         <p:cNvPr id="1" name="">
@@ -4231,54 +4239,86 @@
           <a:chExt cx="0" cy="0"/>
         </a:xfrm>
       </p:grpSpPr>
-      <p:sp>
-        <p:nvSpPr>
-          <p:cNvPr id="2" name="כותרת 1">
-            <a:extLst>
-              <a:ext uri="{FF2B5EF4-FFF2-40B4-BE49-F238E27FC236}">
-                <a16:creationId xmlns:a16="http://schemas.microsoft.com/office/drawing/2014/main" id="{46EA6E07-11CD-F986-B165-14362A239800}"/>
-              </a:ext>
-            </a:extLst>
-          </p:cNvPr>
-          <p:cNvSpPr>
-            <a:spLocks noGrp="1"/>
-          </p:cNvSpPr>
-          <p:nvPr>
-            <p:ph type="title"/>
-          </p:nvPr>
-        </p:nvSpPr>
-        <p:spPr/>
-        <p:txBody>
-          <a:bodyPr/>
-          <a:lstStyle/>
-          <a:p>
-            <a:r>
-              <a:rPr lang="he-IL" dirty="0"/>
-              <a:t>שאלה מס' 1: </a:t>
-            </a:r>
-          </a:p>
-        </p:txBody>
-      </p:sp>
-      <p:sp>
-        <p:nvSpPr>
-          <p:cNvPr id="3" name="מציין מיקום תוכן 2">
-            <a:extLst>
-              <a:ext uri="{FF2B5EF4-FFF2-40B4-BE49-F238E27FC236}">
-                <a16:creationId xmlns:a16="http://schemas.microsoft.com/office/drawing/2014/main" id="{BD0DAD51-AF4E-2C86-B4BF-6DC27A970B68}"/>
-              </a:ext>
-            </a:extLst>
-          </p:cNvPr>
-          <p:cNvSpPr>
-            <a:spLocks noGrp="1"/>
-          </p:cNvSpPr>
-          <p:nvPr>
-            <p:ph idx="1"/>
+      <p:sp useBgFill="1">
+        <p:nvSpPr>
+          <p:cNvPr id="1033" name="Rectangle 1032">
+            <a:extLst>
+              <a:ext uri="{FF2B5EF4-FFF2-40B4-BE49-F238E27FC236}">
+                <a16:creationId xmlns:a16="http://schemas.microsoft.com/office/drawing/2014/main" id="{2CB962CF-61A3-4EF9-94F6-7C59B0329524}"/>
+              </a:ext>
+              <a:ext uri="{C183D7F6-B498-43B3-948B-1728B52AA6E4}">
+                <adec:decorative xmlns:adec="http://schemas.microsoft.com/office/drawing/2017/decorative" val="1"/>
+              </a:ext>
+            </a:extLst>
+          </p:cNvPr>
+          <p:cNvSpPr>
+            <a:spLocks noGrp="1" noRot="1" noChangeAspect="1" noMove="1" noResize="1" noEditPoints="1" noAdjustHandles="1" noChangeArrowheads="1" noChangeShapeType="1" noTextEdit="1"/>
+          </p:cNvSpPr>
+          <p:nvPr>
+            <p:extLst>
+              <p:ext uri="{386F3935-93C4-4BCD-93E2-E3B085C9AB24}">
+                <p16:designElem xmlns:p16="http://schemas.microsoft.com/office/powerpoint/2015/main" val="1"/>
+              </p:ext>
+            </p:extLst>
           </p:nvPr>
         </p:nvSpPr>
         <p:spPr>
           <a:xfrm>
-            <a:off x="1733384" y="1943071"/>
-            <a:ext cx="9620416" cy="4351338"/>
+            <a:off x="-1" y="0"/>
+            <a:ext cx="12188952" cy="6858000"/>
+          </a:xfrm>
+          <a:prstGeom prst="rect">
+            <a:avLst/>
+          </a:prstGeom>
+          <a:ln>
+            <a:noFill/>
+          </a:ln>
+        </p:spPr>
+        <p:style>
+          <a:lnRef idx="2">
+            <a:schemeClr val="accent1">
+              <a:shade val="50000"/>
+            </a:schemeClr>
+          </a:lnRef>
+          <a:fillRef idx="1">
+            <a:schemeClr val="accent1"/>
+          </a:fillRef>
+          <a:effectRef idx="0">
+            <a:schemeClr val="accent1"/>
+          </a:effectRef>
+          <a:fontRef idx="minor">
+            <a:schemeClr val="lt1"/>
+          </a:fontRef>
+        </p:style>
+        <p:txBody>
+          <a:bodyPr rtlCol="0" anchor="ctr"/>
+          <a:lstStyle/>
+          <a:p>
+            <a:pPr algn="ctr"/>
+            <a:endParaRPr lang="en-US"/>
+          </a:p>
+        </p:txBody>
+      </p:sp>
+      <p:sp>
+        <p:nvSpPr>
+          <p:cNvPr id="2" name="כותרת 1">
+            <a:extLst>
+              <a:ext uri="{FF2B5EF4-FFF2-40B4-BE49-F238E27FC236}">
+                <a16:creationId xmlns:a16="http://schemas.microsoft.com/office/drawing/2014/main" id="{46EA6E07-11CD-F986-B165-14362A239800}"/>
+              </a:ext>
+            </a:extLst>
+          </p:cNvPr>
+          <p:cNvSpPr>
+            <a:spLocks noGrp="1"/>
+          </p:cNvSpPr>
+          <p:nvPr>
+            <p:ph type="title"/>
+          </p:nvPr>
+        </p:nvSpPr>
+        <p:spPr>
+          <a:xfrm>
+            <a:off x="838200" y="556337"/>
+            <a:ext cx="6797405" cy="1651404"/>
           </a:xfrm>
         </p:spPr>
         <p:txBody>
@@ -4287,149 +4327,178 @@
           </a:bodyPr>
           <a:lstStyle/>
           <a:p>
-            <a:pPr marL="0" indent="0" algn="just">
+            <a:r>
+              <a:rPr lang="he-IL" sz="4000" dirty="0"/>
+              <a:t>שאלה מס' 1: </a:t>
+            </a:r>
+          </a:p>
+        </p:txBody>
+      </p:sp>
+      <p:sp>
+        <p:nvSpPr>
+          <p:cNvPr id="3" name="מציין מיקום תוכן 2">
+            <a:extLst>
+              <a:ext uri="{FF2B5EF4-FFF2-40B4-BE49-F238E27FC236}">
+                <a16:creationId xmlns:a16="http://schemas.microsoft.com/office/drawing/2014/main" id="{BD0DAD51-AF4E-2C86-B4BF-6DC27A970B68}"/>
+              </a:ext>
+            </a:extLst>
+          </p:cNvPr>
+          <p:cNvSpPr>
+            <a:spLocks noGrp="1"/>
+          </p:cNvSpPr>
+          <p:nvPr>
+            <p:ph idx="1"/>
+          </p:nvPr>
+        </p:nvSpPr>
+        <p:spPr>
+          <a:xfrm>
+            <a:off x="838200" y="2013192"/>
+            <a:ext cx="6797405" cy="3719384"/>
+          </a:xfrm>
+        </p:spPr>
+        <p:txBody>
+          <a:bodyPr>
+            <a:normAutofit/>
+          </a:bodyPr>
+          <a:lstStyle/>
+          <a:p>
+            <a:pPr marL="0" indent="0">
               <a:buNone/>
             </a:pPr>
             <a:r>
-              <a:rPr lang="he-IL" dirty="0"/>
+              <a:rPr lang="he-IL" sz="2400" dirty="0"/>
               <a:t>שלב 2: ב' – ניתוח צוואר הבקבוק ושיפור ה-</a:t>
             </a:r>
             <a:r>
-              <a:rPr lang="en-US" dirty="0"/>
+              <a:rPr lang="en-US" sz="2400" dirty="0"/>
               <a:t>OTD</a:t>
             </a:r>
-            <a:endParaRPr lang="he-IL" dirty="0"/>
-          </a:p>
-          <a:p>
-            <a:pPr algn="just"/>
-            <a:r>
-              <a:rPr lang="he-IL" sz="1600" b="1" dirty="0"/>
+            <a:endParaRPr lang="he-IL" sz="2400" dirty="0"/>
+          </a:p>
+          <a:p>
+            <a:r>
+              <a:rPr lang="he-IL" sz="1300" b="1" dirty="0"/>
               <a:t>חישוב עומס בכל תחנה</a:t>
             </a:r>
             <a:r>
-              <a:rPr lang="he-IL" sz="1600" dirty="0"/>
+              <a:rPr lang="he-IL" sz="1300" dirty="0"/>
               <a:t> – סיכמנו את זמני הייצור של כל ההזמנות לכל תחנה, כולל זמני הכיוונון,</a:t>
             </a:r>
             <a:br>
-              <a:rPr lang="en-US" sz="1600" dirty="0"/>
+              <a:rPr lang="en-US" sz="1300" dirty="0"/>
             </a:br>
             <a:r>
-              <a:rPr lang="he-IL" sz="1600" dirty="0"/>
+              <a:rPr lang="he-IL" sz="1300" dirty="0"/>
               <a:t> כדי לזהות את התחנה העמוסה ביותר נמצא שתחנת ההרכבה (תחנה 5) היא צוואר הבקבוק – התחנה שמגבילה</a:t>
             </a:r>
             <a:br>
-              <a:rPr lang="en-US" sz="1600" dirty="0"/>
+              <a:rPr lang="en-US" sz="1300" dirty="0"/>
             </a:br>
             <a:r>
-              <a:rPr lang="he-IL" sz="1600" dirty="0"/>
+              <a:rPr lang="he-IL" sz="1300" dirty="0"/>
               <a:t> את קצב הייצור של המערכת.</a:t>
             </a:r>
           </a:p>
           <a:p>
-            <a:pPr algn="just"/>
-            <a:r>
-              <a:rPr lang="he-IL" sz="1600" b="1" dirty="0"/>
+            <a:r>
+              <a:rPr lang="he-IL" sz="1300" b="1" dirty="0"/>
               <a:t>התמקדות ב-</a:t>
             </a:r>
             <a:r>
-              <a:rPr lang="en-US" sz="1600" b="1" dirty="0"/>
+              <a:rPr lang="en-US" sz="1300" b="1" dirty="0"/>
               <a:t>CCR </a:t>
             </a:r>
             <a:r>
-              <a:rPr lang="he-IL" sz="1600" b="1" dirty="0"/>
+              <a:rPr lang="he-IL" sz="1300" b="1" dirty="0"/>
               <a:t>(צוואר הבקבוק)</a:t>
             </a:r>
             <a:r>
-              <a:rPr lang="he-IL" sz="1600" dirty="0"/>
+              <a:rPr lang="he-IL" sz="1300" dirty="0"/>
               <a:t> – מכיוון שההרכבה היא התחנה הקריטית, תזמון ההזמנות בוצע כך שתמיד תהיה לה עבודה רציפה.</a:t>
             </a:r>
           </a:p>
           <a:p>
-            <a:pPr algn="just"/>
-            <a:r>
-              <a:rPr lang="he-IL" sz="1600" b="1" dirty="0"/>
+            <a:r>
+              <a:rPr lang="he-IL" sz="1300" b="1" dirty="0"/>
               <a:t>הפחתת עומס על ה</a:t>
             </a:r>
             <a:r>
-              <a:rPr lang="en-US" sz="1600" b="1" dirty="0"/>
+              <a:rPr lang="en-US" sz="1300" b="1" dirty="0"/>
               <a:t>CCR</a:t>
             </a:r>
             <a:r>
-              <a:rPr lang="en-US" sz="1600" dirty="0"/>
+              <a:rPr lang="en-US" sz="1300" dirty="0"/>
               <a:t> -  </a:t>
             </a:r>
             <a:r>
-              <a:rPr lang="he-IL" sz="1600" dirty="0"/>
-              <a:t> שיפרנו את סדר העבודה כדי לצמצם זמני כיוונון </a:t>
-            </a:r>
-            <a:r>
-              <a:rPr lang="he-IL" sz="1600" dirty="0" err="1"/>
-              <a:t>בהרכבהבעזרת</a:t>
-            </a:r>
-            <a:r>
-              <a:rPr lang="he-IL" sz="1600" dirty="0"/>
-              <a:t> מיון ההזמנות כך שמוצרים</a:t>
-            </a:r>
-            <a:br>
-              <a:rPr lang="en-US" sz="1600" dirty="0"/>
-            </a:br>
-            <a:r>
-              <a:rPr lang="he-IL" sz="1600" dirty="0"/>
-              <a:t>מאותו סוג ייוצרו ברצף.</a:t>
-            </a:r>
-          </a:p>
-          <a:p>
-            <a:pPr algn="just"/>
-            <a:r>
-              <a:rPr lang="he-IL" sz="1600" b="1" dirty="0"/>
+              <a:rPr lang="he-IL" sz="1300" dirty="0"/>
+              <a:t> שיפרנו את סדר העבודה כדי לצמצם זמני כיוונון בהרכבה בעזרת מיון ההזמנות כך שמוצרים מאותו סוג ייוצרו ברצף.</a:t>
+            </a:r>
+          </a:p>
+          <a:p>
+            <a:r>
+              <a:rPr lang="he-IL" sz="1300" b="1" dirty="0"/>
               <a:t>הוספת </a:t>
             </a:r>
             <a:r>
-              <a:rPr lang="en-US" sz="1600" b="1" dirty="0"/>
+              <a:rPr lang="en-US" sz="1300" b="1" dirty="0"/>
               <a:t>Buffer </a:t>
             </a:r>
             <a:r>
-              <a:rPr lang="he-IL" sz="1600" b="1" dirty="0"/>
+              <a:rPr lang="he-IL" sz="1300" b="1" dirty="0"/>
               <a:t> לפני ה</a:t>
             </a:r>
             <a:r>
-              <a:rPr lang="en-US" sz="1600" b="1" dirty="0"/>
+              <a:rPr lang="en-US" sz="1300" b="1" dirty="0"/>
               <a:t>CCR</a:t>
             </a:r>
             <a:r>
-              <a:rPr lang="en-US" sz="1600" dirty="0"/>
+              <a:rPr lang="en-US" sz="1300" dirty="0"/>
               <a:t> - </a:t>
             </a:r>
             <a:r>
-              <a:rPr lang="he-IL" sz="1600" dirty="0"/>
-              <a:t> קבענו מלאי ביניים של הזמנות מוכנות לפני ההרכבה, כדי למנוע מצב שבו התחנה עומדת ללא עבודה במקרה של עיכובים.</a:t>
-            </a:r>
-          </a:p>
-          <a:p>
-            <a:pPr algn="just"/>
-            <a:r>
-              <a:rPr lang="he-IL" sz="1600" b="1" dirty="0"/>
+              <a:rPr lang="he-IL" sz="1300" dirty="0"/>
+              <a:t> קביעת מלאי ביניים של הזמנות מוכנות לפני ההרכבה מונעת מצב שבו התחנה עומדת ללא עבודה במקרה של עיכובים.</a:t>
+            </a:r>
+          </a:p>
+          <a:p>
+            <a:r>
+              <a:rPr lang="he-IL" sz="1300" b="1" dirty="0"/>
               <a:t>בדיקת ה-</a:t>
             </a:r>
             <a:r>
-              <a:rPr lang="en-US" sz="1600" b="1" dirty="0"/>
+              <a:rPr lang="en-US" sz="1300" b="1" dirty="0"/>
               <a:t>OTD </a:t>
             </a:r>
             <a:r>
-              <a:rPr lang="he-IL" sz="1600" b="1" dirty="0"/>
+              <a:rPr lang="he-IL" sz="1300" b="1" dirty="0"/>
               <a:t> לאחר השיפור</a:t>
             </a:r>
             <a:r>
-              <a:rPr lang="he-IL" sz="1600" dirty="0"/>
+              <a:rPr lang="he-IL" sz="1300" dirty="0"/>
               <a:t> – לאחר שינוי סדר העבודה והוספת הבאפר, חישבנו מחדש את ה־</a:t>
             </a:r>
             <a:r>
-              <a:rPr lang="en-US" sz="1600" dirty="0"/>
+              <a:rPr lang="en-US" sz="1300" dirty="0"/>
               <a:t>OTD </a:t>
             </a:r>
             <a:r>
-              <a:rPr lang="he-IL" sz="1600" dirty="0"/>
-              <a:t>ונרשמה עלייה באחוז ההזמנות שסופקו בזמן.</a:t>
+              <a:rPr lang="he-IL" sz="1300" dirty="0"/>
+              <a:t> ונרשמה עלייה באחוז ההזמנות שסופקו בזמן.</a:t>
+            </a:r>
+          </a:p>
+          <a:p>
+            <a:r>
+              <a:rPr lang="he-IL" sz="1300" dirty="0"/>
+              <a:t>ה-</a:t>
+            </a:r>
+            <a:r>
+              <a:rPr lang="en-US" sz="1300" dirty="0"/>
+              <a:t>OTD</a:t>
+            </a:r>
+            <a:r>
+              <a:rPr lang="he-IL" sz="1300" dirty="0"/>
+              <a:t> עלה 86%.</a:t>
             </a:r>
           </a:p>
         </p:txBody>
@@ -4456,29 +4525,18 @@
               </a:ext>
             </a:extLst>
           </a:blip>
-          <a:srcRect/>
           <a:stretch>
             <a:fillRect/>
           </a:stretch>
         </p:blipFill>
         <p:spPr bwMode="auto">
           <a:xfrm>
-            <a:off x="302004" y="260059"/>
-            <a:ext cx="2914651" cy="2138363"/>
+            <a:off x="7997556" y="288849"/>
+            <a:ext cx="3995623" cy="2926793"/>
           </a:xfrm>
           <a:prstGeom prst="rect">
             <a:avLst/>
           </a:prstGeom>
-          <a:ln>
-            <a:noFill/>
-          </a:ln>
-          <a:effectLst>
-            <a:outerShdw blurRad="292100" dist="139700" dir="2700000" algn="tl" rotWithShape="0">
-              <a:srgbClr val="333333">
-                <a:alpha val="65000"/>
-              </a:srgbClr>
-            </a:outerShdw>
-          </a:effectLst>
           <a:extLst>
             <a:ext uri="{909E8E84-426E-40DD-AFC4-6F175D3DCCD1}">
               <a14:hiddenFill xmlns:a14="http://schemas.microsoft.com/office/drawing/2010/main">
@@ -4488,6 +4546,101 @@
               </a14:hiddenFill>
             </a:ext>
           </a:extLst>
+        </p:spPr>
+      </p:pic>
+      <p:pic>
+        <p:nvPicPr>
+          <p:cNvPr id="5" name="Picture 4" descr="A black text on a white background&#10;&#10;AI-generated content may be incorrect.">
+            <a:extLst>
+              <a:ext uri="{FF2B5EF4-FFF2-40B4-BE49-F238E27FC236}">
+                <a16:creationId xmlns:a16="http://schemas.microsoft.com/office/drawing/2014/main" id="{4AA0C753-22FF-A3BB-82F5-14508674CF58}"/>
+              </a:ext>
+            </a:extLst>
+          </p:cNvPr>
+          <p:cNvPicPr>
+            <a:picLocks noChangeAspect="1"/>
+          </p:cNvPicPr>
+          <p:nvPr/>
+        </p:nvPicPr>
+        <p:blipFill>
+          <a:blip r:embed="rId3"/>
+          <a:stretch>
+            <a:fillRect/>
+          </a:stretch>
+        </p:blipFill>
+        <p:spPr>
+          <a:xfrm>
+            <a:off x="7829916" y="3736777"/>
+            <a:ext cx="3995623" cy="859058"/>
+          </a:xfrm>
+          <a:prstGeom prst="rect">
+            <a:avLst/>
+          </a:prstGeom>
+        </p:spPr>
+      </p:pic>
+      <p:sp>
+        <p:nvSpPr>
+          <p:cNvPr id="7" name="TextBox 6">
+            <a:extLst>
+              <a:ext uri="{FF2B5EF4-FFF2-40B4-BE49-F238E27FC236}">
+                <a16:creationId xmlns:a16="http://schemas.microsoft.com/office/drawing/2014/main" id="{8F7169DD-7845-8714-87EC-BC24CAD17E28}"/>
+              </a:ext>
+            </a:extLst>
+          </p:cNvPr>
+          <p:cNvSpPr txBox="1"/>
+          <p:nvPr/>
+        </p:nvSpPr>
+        <p:spPr>
+          <a:xfrm>
+            <a:off x="9537664" y="3429000"/>
+            <a:ext cx="2196435" cy="307777"/>
+          </a:xfrm>
+          <a:prstGeom prst="rect">
+            <a:avLst/>
+          </a:prstGeom>
+          <a:noFill/>
+        </p:spPr>
+        <p:txBody>
+          <a:bodyPr wrap="square" rtlCol="1">
+            <a:spAutoFit/>
+          </a:bodyPr>
+          <a:lstStyle/>
+          <a:p>
+            <a:r>
+              <a:rPr lang="he-IL" sz="1400" dirty="0"/>
+              <a:t>חישוב עומס לכל תחנה:</a:t>
+            </a:r>
+          </a:p>
+        </p:txBody>
+      </p:sp>
+      <p:pic>
+        <p:nvPicPr>
+          <p:cNvPr id="10" name="Picture 9">
+            <a:extLst>
+              <a:ext uri="{FF2B5EF4-FFF2-40B4-BE49-F238E27FC236}">
+                <a16:creationId xmlns:a16="http://schemas.microsoft.com/office/drawing/2014/main" id="{64F80746-57C8-6A67-64A7-B52B1B40B95B}"/>
+              </a:ext>
+            </a:extLst>
+          </p:cNvPr>
+          <p:cNvPicPr>
+            <a:picLocks noChangeAspect="1"/>
+          </p:cNvPicPr>
+          <p:nvPr/>
+        </p:nvPicPr>
+        <p:blipFill>
+          <a:blip r:embed="rId4"/>
+          <a:stretch>
+            <a:fillRect/>
+          </a:stretch>
+        </p:blipFill>
+        <p:spPr>
+          <a:xfrm>
+            <a:off x="7429014" y="4445124"/>
+            <a:ext cx="4305085" cy="1840636"/>
+          </a:xfrm>
+          <a:prstGeom prst="rect">
+            <a:avLst/>
+          </a:prstGeom>
         </p:spPr>
       </p:pic>
     </p:spTree>
@@ -4506,6 +4659,14 @@
 <file path=ppt/slides/slide5.xml><?xml version="1.0" encoding="utf-8"?>
 <p:sld xmlns:a="http://schemas.openxmlformats.org/drawingml/2006/main" xmlns:r="http://schemas.openxmlformats.org/officeDocument/2006/relationships" xmlns:p="http://schemas.openxmlformats.org/presentationml/2006/main">
   <p:cSld>
+    <p:bg>
+      <p:bgPr>
+        <a:solidFill>
+          <a:schemeClr val="bg1"/>
+        </a:solidFill>
+        <a:effectLst/>
+      </p:bgPr>
+    </p:bg>
     <p:spTree>
       <p:nvGrpSpPr>
         <p:cNvPr id="1" name="">
@@ -4526,175 +4687,921 @@
           <a:chExt cx="0" cy="0"/>
         </a:xfrm>
       </p:grpSpPr>
-      <p:sp>
-        <p:nvSpPr>
-          <p:cNvPr id="2" name="כותרת 1">
-            <a:extLst>
-              <a:ext uri="{FF2B5EF4-FFF2-40B4-BE49-F238E27FC236}">
-                <a16:creationId xmlns:a16="http://schemas.microsoft.com/office/drawing/2014/main" id="{C5A89D4B-3960-7138-FB58-8DAF1D90F92B}"/>
-              </a:ext>
-            </a:extLst>
-          </p:cNvPr>
-          <p:cNvSpPr>
-            <a:spLocks noGrp="1"/>
-          </p:cNvSpPr>
-          <p:nvPr>
-            <p:ph type="title"/>
-          </p:nvPr>
-        </p:nvSpPr>
-        <p:spPr/>
-        <p:txBody>
-          <a:bodyPr/>
-          <a:lstStyle/>
-          <a:p>
-            <a:r>
-              <a:rPr lang="he-IL" dirty="0"/>
-              <a:t>שאלה מס' 1: </a:t>
-            </a:r>
-          </a:p>
-        </p:txBody>
-      </p:sp>
-      <p:sp>
-        <p:nvSpPr>
-          <p:cNvPr id="3" name="מציין מיקום תוכן 2">
-            <a:extLst>
-              <a:ext uri="{FF2B5EF4-FFF2-40B4-BE49-F238E27FC236}">
-                <a16:creationId xmlns:a16="http://schemas.microsoft.com/office/drawing/2014/main" id="{7CF5D21D-3A2A-0913-0F17-9C7CE2771577}"/>
-              </a:ext>
-            </a:extLst>
-          </p:cNvPr>
-          <p:cNvSpPr>
-            <a:spLocks noGrp="1"/>
-          </p:cNvSpPr>
-          <p:nvPr>
-            <p:ph idx="1"/>
+      <p:sp useBgFill="1">
+        <p:nvSpPr>
+          <p:cNvPr id="1033" name="Rectangle 1032">
+            <a:extLst>
+              <a:ext uri="{FF2B5EF4-FFF2-40B4-BE49-F238E27FC236}">
+                <a16:creationId xmlns:a16="http://schemas.microsoft.com/office/drawing/2014/main" id="{45D37F4E-DDB4-456B-97E0-9937730A039F}"/>
+              </a:ext>
+              <a:ext uri="{C183D7F6-B498-43B3-948B-1728B52AA6E4}">
+                <adec:decorative xmlns:adec="http://schemas.microsoft.com/office/drawing/2017/decorative" val="1"/>
+              </a:ext>
+            </a:extLst>
+          </p:cNvPr>
+          <p:cNvSpPr>
+            <a:spLocks noGrp="1" noRot="1" noChangeAspect="1" noMove="1" noResize="1" noEditPoints="1" noAdjustHandles="1" noChangeArrowheads="1" noChangeShapeType="1" noTextEdit="1"/>
+          </p:cNvSpPr>
+          <p:nvPr>
+            <p:extLst>
+              <p:ext uri="{386F3935-93C4-4BCD-93E2-E3B085C9AB24}">
+                <p16:designElem xmlns:p16="http://schemas.microsoft.com/office/powerpoint/2015/main" val="1"/>
+              </p:ext>
+            </p:extLst>
           </p:nvPr>
         </p:nvSpPr>
         <p:spPr>
           <a:xfrm>
-            <a:off x="3323644" y="1943071"/>
-            <a:ext cx="8030155" cy="4351338"/>
+            <a:off x="0" y="0"/>
+            <a:ext cx="12188952" cy="6858000"/>
+          </a:xfrm>
+          <a:prstGeom prst="rect">
+            <a:avLst/>
+          </a:prstGeom>
+          <a:ln>
+            <a:noFill/>
+          </a:ln>
+        </p:spPr>
+        <p:style>
+          <a:lnRef idx="2">
+            <a:schemeClr val="accent1">
+              <a:shade val="50000"/>
+            </a:schemeClr>
+          </a:lnRef>
+          <a:fillRef idx="1">
+            <a:schemeClr val="accent1"/>
+          </a:fillRef>
+          <a:effectRef idx="0">
+            <a:schemeClr val="accent1"/>
+          </a:effectRef>
+          <a:fontRef idx="minor">
+            <a:schemeClr val="lt1"/>
+          </a:fontRef>
+        </p:style>
+        <p:txBody>
+          <a:bodyPr rtlCol="0" anchor="ctr"/>
+          <a:lstStyle/>
+          <a:p>
+            <a:pPr algn="ctr"/>
+            <a:endParaRPr lang="en-US"/>
+          </a:p>
+        </p:txBody>
+      </p:sp>
+      <p:sp>
+        <p:nvSpPr>
+          <p:cNvPr id="2" name="כותרת 1">
+            <a:extLst>
+              <a:ext uri="{FF2B5EF4-FFF2-40B4-BE49-F238E27FC236}">
+                <a16:creationId xmlns:a16="http://schemas.microsoft.com/office/drawing/2014/main" id="{C5A89D4B-3960-7138-FB58-8DAF1D90F92B}"/>
+              </a:ext>
+            </a:extLst>
+          </p:cNvPr>
+          <p:cNvSpPr>
+            <a:spLocks noGrp="1"/>
+          </p:cNvSpPr>
+          <p:nvPr>
+            <p:ph type="title"/>
+          </p:nvPr>
+        </p:nvSpPr>
+        <p:spPr>
+          <a:xfrm>
+            <a:off x="572493" y="238539"/>
+            <a:ext cx="11018520" cy="1434415"/>
           </a:xfrm>
         </p:spPr>
         <p:txBody>
-          <a:bodyPr>
+          <a:bodyPr anchor="b">
             <a:normAutofit/>
           </a:bodyPr>
           <a:lstStyle/>
           <a:p>
+            <a:r>
+              <a:rPr lang="he-IL" sz="5400"/>
+              <a:t>שאלה מס' 1: </a:t>
+            </a:r>
+          </a:p>
+        </p:txBody>
+      </p:sp>
+      <p:sp>
+        <p:nvSpPr>
+          <p:cNvPr id="1035" name="sketchy line">
+            <a:extLst>
+              <a:ext uri="{FF2B5EF4-FFF2-40B4-BE49-F238E27FC236}">
+                <a16:creationId xmlns:a16="http://schemas.microsoft.com/office/drawing/2014/main" id="{B2DD41CD-8F47-4F56-AD12-4E2FF7696987}"/>
+              </a:ext>
+              <a:ext uri="{C183D7F6-B498-43B3-948B-1728B52AA6E4}">
+                <adec:decorative xmlns:adec="http://schemas.microsoft.com/office/drawing/2017/decorative" val="1"/>
+              </a:ext>
+            </a:extLst>
+          </p:cNvPr>
+          <p:cNvSpPr>
+            <a:spLocks noGrp="1" noRot="1" noChangeAspect="1" noMove="1" noResize="1" noEditPoints="1" noAdjustHandles="1" noChangeArrowheads="1" noChangeShapeType="1" noTextEdit="1"/>
+          </p:cNvSpPr>
+          <p:nvPr>
+            <p:extLst>
+              <p:ext uri="{386F3935-93C4-4BCD-93E2-E3B085C9AB24}">
+                <p16:designElem xmlns:p16="http://schemas.microsoft.com/office/powerpoint/2015/main" val="1"/>
+              </p:ext>
+            </p:extLst>
+          </p:nvPr>
+        </p:nvSpPr>
+        <p:spPr>
+          <a:xfrm>
+            <a:off x="572493" y="1681544"/>
+            <a:ext cx="10972800" cy="18288"/>
+          </a:xfrm>
+          <a:custGeom>
+            <a:avLst/>
+            <a:gdLst>
+              <a:gd name="connsiteX0" fmla="*/ 0 w 10972800"/>
+              <a:gd name="connsiteY0" fmla="*/ 0 h 18288"/>
+              <a:gd name="connsiteX1" fmla="*/ 356616 w 10972800"/>
+              <a:gd name="connsiteY1" fmla="*/ 0 h 18288"/>
+              <a:gd name="connsiteX2" fmla="*/ 1042416 w 10972800"/>
+              <a:gd name="connsiteY2" fmla="*/ 0 h 18288"/>
+              <a:gd name="connsiteX3" fmla="*/ 1947672 w 10972800"/>
+              <a:gd name="connsiteY3" fmla="*/ 0 h 18288"/>
+              <a:gd name="connsiteX4" fmla="*/ 2633472 w 10972800"/>
+              <a:gd name="connsiteY4" fmla="*/ 0 h 18288"/>
+              <a:gd name="connsiteX5" fmla="*/ 2990088 w 10972800"/>
+              <a:gd name="connsiteY5" fmla="*/ 0 h 18288"/>
+              <a:gd name="connsiteX6" fmla="*/ 3456432 w 10972800"/>
+              <a:gd name="connsiteY6" fmla="*/ 0 h 18288"/>
+              <a:gd name="connsiteX7" fmla="*/ 4361688 w 10972800"/>
+              <a:gd name="connsiteY7" fmla="*/ 0 h 18288"/>
+              <a:gd name="connsiteX8" fmla="*/ 5266944 w 10972800"/>
+              <a:gd name="connsiteY8" fmla="*/ 0 h 18288"/>
+              <a:gd name="connsiteX9" fmla="*/ 6172200 w 10972800"/>
+              <a:gd name="connsiteY9" fmla="*/ 0 h 18288"/>
+              <a:gd name="connsiteX10" fmla="*/ 6528816 w 10972800"/>
+              <a:gd name="connsiteY10" fmla="*/ 0 h 18288"/>
+              <a:gd name="connsiteX11" fmla="*/ 7214616 w 10972800"/>
+              <a:gd name="connsiteY11" fmla="*/ 0 h 18288"/>
+              <a:gd name="connsiteX12" fmla="*/ 7790688 w 10972800"/>
+              <a:gd name="connsiteY12" fmla="*/ 0 h 18288"/>
+              <a:gd name="connsiteX13" fmla="*/ 8147304 w 10972800"/>
+              <a:gd name="connsiteY13" fmla="*/ 0 h 18288"/>
+              <a:gd name="connsiteX14" fmla="*/ 9052560 w 10972800"/>
+              <a:gd name="connsiteY14" fmla="*/ 0 h 18288"/>
+              <a:gd name="connsiteX15" fmla="*/ 9409176 w 10972800"/>
+              <a:gd name="connsiteY15" fmla="*/ 0 h 18288"/>
+              <a:gd name="connsiteX16" fmla="*/ 9765792 w 10972800"/>
+              <a:gd name="connsiteY16" fmla="*/ 0 h 18288"/>
+              <a:gd name="connsiteX17" fmla="*/ 10341864 w 10972800"/>
+              <a:gd name="connsiteY17" fmla="*/ 0 h 18288"/>
+              <a:gd name="connsiteX18" fmla="*/ 10972800 w 10972800"/>
+              <a:gd name="connsiteY18" fmla="*/ 0 h 18288"/>
+              <a:gd name="connsiteX19" fmla="*/ 10972800 w 10972800"/>
+              <a:gd name="connsiteY19" fmla="*/ 18288 h 18288"/>
+              <a:gd name="connsiteX20" fmla="*/ 10177272 w 10972800"/>
+              <a:gd name="connsiteY20" fmla="*/ 18288 h 18288"/>
+              <a:gd name="connsiteX21" fmla="*/ 9820656 w 10972800"/>
+              <a:gd name="connsiteY21" fmla="*/ 18288 h 18288"/>
+              <a:gd name="connsiteX22" fmla="*/ 9464040 w 10972800"/>
+              <a:gd name="connsiteY22" fmla="*/ 18288 h 18288"/>
+              <a:gd name="connsiteX23" fmla="*/ 8778240 w 10972800"/>
+              <a:gd name="connsiteY23" fmla="*/ 18288 h 18288"/>
+              <a:gd name="connsiteX24" fmla="*/ 8421624 w 10972800"/>
+              <a:gd name="connsiteY24" fmla="*/ 18288 h 18288"/>
+              <a:gd name="connsiteX25" fmla="*/ 7735824 w 10972800"/>
+              <a:gd name="connsiteY25" fmla="*/ 18288 h 18288"/>
+              <a:gd name="connsiteX26" fmla="*/ 6940296 w 10972800"/>
+              <a:gd name="connsiteY26" fmla="*/ 18288 h 18288"/>
+              <a:gd name="connsiteX27" fmla="*/ 6254496 w 10972800"/>
+              <a:gd name="connsiteY27" fmla="*/ 18288 h 18288"/>
+              <a:gd name="connsiteX28" fmla="*/ 5458968 w 10972800"/>
+              <a:gd name="connsiteY28" fmla="*/ 18288 h 18288"/>
+              <a:gd name="connsiteX29" fmla="*/ 4663440 w 10972800"/>
+              <a:gd name="connsiteY29" fmla="*/ 18288 h 18288"/>
+              <a:gd name="connsiteX30" fmla="*/ 4306824 w 10972800"/>
+              <a:gd name="connsiteY30" fmla="*/ 18288 h 18288"/>
+              <a:gd name="connsiteX31" fmla="*/ 3840480 w 10972800"/>
+              <a:gd name="connsiteY31" fmla="*/ 18288 h 18288"/>
+              <a:gd name="connsiteX32" fmla="*/ 3264408 w 10972800"/>
+              <a:gd name="connsiteY32" fmla="*/ 18288 h 18288"/>
+              <a:gd name="connsiteX33" fmla="*/ 2578608 w 10972800"/>
+              <a:gd name="connsiteY33" fmla="*/ 18288 h 18288"/>
+              <a:gd name="connsiteX34" fmla="*/ 1673352 w 10972800"/>
+              <a:gd name="connsiteY34" fmla="*/ 18288 h 18288"/>
+              <a:gd name="connsiteX35" fmla="*/ 877824 w 10972800"/>
+              <a:gd name="connsiteY35" fmla="*/ 18288 h 18288"/>
+              <a:gd name="connsiteX36" fmla="*/ 0 w 10972800"/>
+              <a:gd name="connsiteY36" fmla="*/ 18288 h 18288"/>
+              <a:gd name="connsiteX37" fmla="*/ 0 w 10972800"/>
+              <a:gd name="connsiteY37" fmla="*/ 0 h 18288"/>
+            </a:gdLst>
+            <a:ahLst/>
+            <a:cxnLst>
+              <a:cxn ang="0">
+                <a:pos x="connsiteX0" y="connsiteY0"/>
+              </a:cxn>
+              <a:cxn ang="0">
+                <a:pos x="connsiteX1" y="connsiteY1"/>
+              </a:cxn>
+              <a:cxn ang="0">
+                <a:pos x="connsiteX2" y="connsiteY2"/>
+              </a:cxn>
+              <a:cxn ang="0">
+                <a:pos x="connsiteX3" y="connsiteY3"/>
+              </a:cxn>
+              <a:cxn ang="0">
+                <a:pos x="connsiteX4" y="connsiteY4"/>
+              </a:cxn>
+              <a:cxn ang="0">
+                <a:pos x="connsiteX5" y="connsiteY5"/>
+              </a:cxn>
+              <a:cxn ang="0">
+                <a:pos x="connsiteX6" y="connsiteY6"/>
+              </a:cxn>
+              <a:cxn ang="0">
+                <a:pos x="connsiteX7" y="connsiteY7"/>
+              </a:cxn>
+              <a:cxn ang="0">
+                <a:pos x="connsiteX8" y="connsiteY8"/>
+              </a:cxn>
+              <a:cxn ang="0">
+                <a:pos x="connsiteX9" y="connsiteY9"/>
+              </a:cxn>
+              <a:cxn ang="0">
+                <a:pos x="connsiteX10" y="connsiteY10"/>
+              </a:cxn>
+              <a:cxn ang="0">
+                <a:pos x="connsiteX11" y="connsiteY11"/>
+              </a:cxn>
+              <a:cxn ang="0">
+                <a:pos x="connsiteX12" y="connsiteY12"/>
+              </a:cxn>
+              <a:cxn ang="0">
+                <a:pos x="connsiteX13" y="connsiteY13"/>
+              </a:cxn>
+              <a:cxn ang="0">
+                <a:pos x="connsiteX14" y="connsiteY14"/>
+              </a:cxn>
+              <a:cxn ang="0">
+                <a:pos x="connsiteX15" y="connsiteY15"/>
+              </a:cxn>
+              <a:cxn ang="0">
+                <a:pos x="connsiteX16" y="connsiteY16"/>
+              </a:cxn>
+              <a:cxn ang="0">
+                <a:pos x="connsiteX17" y="connsiteY17"/>
+              </a:cxn>
+              <a:cxn ang="0">
+                <a:pos x="connsiteX18" y="connsiteY18"/>
+              </a:cxn>
+              <a:cxn ang="0">
+                <a:pos x="connsiteX19" y="connsiteY19"/>
+              </a:cxn>
+              <a:cxn ang="0">
+                <a:pos x="connsiteX20" y="connsiteY20"/>
+              </a:cxn>
+              <a:cxn ang="0">
+                <a:pos x="connsiteX21" y="connsiteY21"/>
+              </a:cxn>
+              <a:cxn ang="0">
+                <a:pos x="connsiteX22" y="connsiteY22"/>
+              </a:cxn>
+              <a:cxn ang="0">
+                <a:pos x="connsiteX23" y="connsiteY23"/>
+              </a:cxn>
+              <a:cxn ang="0">
+                <a:pos x="connsiteX24" y="connsiteY24"/>
+              </a:cxn>
+              <a:cxn ang="0">
+                <a:pos x="connsiteX25" y="connsiteY25"/>
+              </a:cxn>
+              <a:cxn ang="0">
+                <a:pos x="connsiteX26" y="connsiteY26"/>
+              </a:cxn>
+              <a:cxn ang="0">
+                <a:pos x="connsiteX27" y="connsiteY27"/>
+              </a:cxn>
+              <a:cxn ang="0">
+                <a:pos x="connsiteX28" y="connsiteY28"/>
+              </a:cxn>
+              <a:cxn ang="0">
+                <a:pos x="connsiteX29" y="connsiteY29"/>
+              </a:cxn>
+              <a:cxn ang="0">
+                <a:pos x="connsiteX30" y="connsiteY30"/>
+              </a:cxn>
+              <a:cxn ang="0">
+                <a:pos x="connsiteX31" y="connsiteY31"/>
+              </a:cxn>
+              <a:cxn ang="0">
+                <a:pos x="connsiteX32" y="connsiteY32"/>
+              </a:cxn>
+              <a:cxn ang="0">
+                <a:pos x="connsiteX33" y="connsiteY33"/>
+              </a:cxn>
+              <a:cxn ang="0">
+                <a:pos x="connsiteX34" y="connsiteY34"/>
+              </a:cxn>
+              <a:cxn ang="0">
+                <a:pos x="connsiteX35" y="connsiteY35"/>
+              </a:cxn>
+              <a:cxn ang="0">
+                <a:pos x="connsiteX36" y="connsiteY36"/>
+              </a:cxn>
+              <a:cxn ang="0">
+                <a:pos x="connsiteX37" y="connsiteY37"/>
+              </a:cxn>
+            </a:cxnLst>
+            <a:rect l="l" t="t" r="r" b="b"/>
+            <a:pathLst>
+              <a:path w="10972800" h="18288" fill="none" extrusionOk="0">
+                <a:moveTo>
+                  <a:pt x="0" y="0"/>
+                </a:moveTo>
+                <a:cubicBezTo>
+                  <a:pt x="165916" y="-1866"/>
+                  <a:pt x="188720" y="13756"/>
+                  <a:pt x="356616" y="0"/>
+                </a:cubicBezTo>
+                <a:cubicBezTo>
+                  <a:pt x="524512" y="-13756"/>
+                  <a:pt x="734781" y="8922"/>
+                  <a:pt x="1042416" y="0"/>
+                </a:cubicBezTo>
+                <a:cubicBezTo>
+                  <a:pt x="1350051" y="-8922"/>
+                  <a:pt x="1595982" y="-26315"/>
+                  <a:pt x="1947672" y="0"/>
+                </a:cubicBezTo>
+                <a:cubicBezTo>
+                  <a:pt x="2299362" y="26315"/>
+                  <a:pt x="2292691" y="-19526"/>
+                  <a:pt x="2633472" y="0"/>
+                </a:cubicBezTo>
+                <a:cubicBezTo>
+                  <a:pt x="2974253" y="19526"/>
+                  <a:pt x="2857309" y="10773"/>
+                  <a:pt x="2990088" y="0"/>
+                </a:cubicBezTo>
+                <a:cubicBezTo>
+                  <a:pt x="3122867" y="-10773"/>
+                  <a:pt x="3359343" y="7194"/>
+                  <a:pt x="3456432" y="0"/>
+                </a:cubicBezTo>
+                <a:cubicBezTo>
+                  <a:pt x="3553521" y="-7194"/>
+                  <a:pt x="4136258" y="5108"/>
+                  <a:pt x="4361688" y="0"/>
+                </a:cubicBezTo>
+                <a:cubicBezTo>
+                  <a:pt x="4587118" y="-5108"/>
+                  <a:pt x="4992424" y="-42958"/>
+                  <a:pt x="5266944" y="0"/>
+                </a:cubicBezTo>
+                <a:cubicBezTo>
+                  <a:pt x="5541464" y="42958"/>
+                  <a:pt x="5882966" y="-3430"/>
+                  <a:pt x="6172200" y="0"/>
+                </a:cubicBezTo>
+                <a:cubicBezTo>
+                  <a:pt x="6461434" y="3430"/>
+                  <a:pt x="6432127" y="6688"/>
+                  <a:pt x="6528816" y="0"/>
+                </a:cubicBezTo>
+                <a:cubicBezTo>
+                  <a:pt x="6625505" y="-6688"/>
+                  <a:pt x="6916805" y="-436"/>
+                  <a:pt x="7214616" y="0"/>
+                </a:cubicBezTo>
+                <a:cubicBezTo>
+                  <a:pt x="7512427" y="436"/>
+                  <a:pt x="7626159" y="-6909"/>
+                  <a:pt x="7790688" y="0"/>
+                </a:cubicBezTo>
+                <a:cubicBezTo>
+                  <a:pt x="7955217" y="6909"/>
+                  <a:pt x="8048891" y="15307"/>
+                  <a:pt x="8147304" y="0"/>
+                </a:cubicBezTo>
+                <a:cubicBezTo>
+                  <a:pt x="8245717" y="-15307"/>
+                  <a:pt x="8645618" y="-11734"/>
+                  <a:pt x="9052560" y="0"/>
+                </a:cubicBezTo>
+                <a:cubicBezTo>
+                  <a:pt x="9459502" y="11734"/>
+                  <a:pt x="9320584" y="8388"/>
+                  <a:pt x="9409176" y="0"/>
+                </a:cubicBezTo>
+                <a:cubicBezTo>
+                  <a:pt x="9497768" y="-8388"/>
+                  <a:pt x="9644192" y="8379"/>
+                  <a:pt x="9765792" y="0"/>
+                </a:cubicBezTo>
+                <a:cubicBezTo>
+                  <a:pt x="9887392" y="-8379"/>
+                  <a:pt x="10105220" y="-12663"/>
+                  <a:pt x="10341864" y="0"/>
+                </a:cubicBezTo>
+                <a:cubicBezTo>
+                  <a:pt x="10578508" y="12663"/>
+                  <a:pt x="10773103" y="-5786"/>
+                  <a:pt x="10972800" y="0"/>
+                </a:cubicBezTo>
+                <a:cubicBezTo>
+                  <a:pt x="10972146" y="8818"/>
+                  <a:pt x="10972240" y="13823"/>
+                  <a:pt x="10972800" y="18288"/>
+                </a:cubicBezTo>
+                <a:cubicBezTo>
+                  <a:pt x="10588778" y="31598"/>
+                  <a:pt x="10543381" y="-12698"/>
+                  <a:pt x="10177272" y="18288"/>
+                </a:cubicBezTo>
+                <a:cubicBezTo>
+                  <a:pt x="9811163" y="49274"/>
+                  <a:pt x="9996817" y="25662"/>
+                  <a:pt x="9820656" y="18288"/>
+                </a:cubicBezTo>
+                <a:cubicBezTo>
+                  <a:pt x="9644495" y="10914"/>
+                  <a:pt x="9607007" y="31631"/>
+                  <a:pt x="9464040" y="18288"/>
+                </a:cubicBezTo>
+                <a:cubicBezTo>
+                  <a:pt x="9321073" y="4945"/>
+                  <a:pt x="9114189" y="28940"/>
+                  <a:pt x="8778240" y="18288"/>
+                </a:cubicBezTo>
+                <a:cubicBezTo>
+                  <a:pt x="8442291" y="7636"/>
+                  <a:pt x="8594763" y="987"/>
+                  <a:pt x="8421624" y="18288"/>
+                </a:cubicBezTo>
+                <a:cubicBezTo>
+                  <a:pt x="8248485" y="35589"/>
+                  <a:pt x="7929515" y="37573"/>
+                  <a:pt x="7735824" y="18288"/>
+                </a:cubicBezTo>
+                <a:cubicBezTo>
+                  <a:pt x="7542133" y="-997"/>
+                  <a:pt x="7252504" y="33858"/>
+                  <a:pt x="6940296" y="18288"/>
+                </a:cubicBezTo>
+                <a:cubicBezTo>
+                  <a:pt x="6628088" y="2718"/>
+                  <a:pt x="6528503" y="48389"/>
+                  <a:pt x="6254496" y="18288"/>
+                </a:cubicBezTo>
+                <a:cubicBezTo>
+                  <a:pt x="5980489" y="-11813"/>
+                  <a:pt x="5695784" y="-3740"/>
+                  <a:pt x="5458968" y="18288"/>
+                </a:cubicBezTo>
+                <a:cubicBezTo>
+                  <a:pt x="5222152" y="40316"/>
+                  <a:pt x="5010751" y="19095"/>
+                  <a:pt x="4663440" y="18288"/>
+                </a:cubicBezTo>
+                <a:cubicBezTo>
+                  <a:pt x="4316129" y="17481"/>
+                  <a:pt x="4425552" y="1606"/>
+                  <a:pt x="4306824" y="18288"/>
+                </a:cubicBezTo>
+                <a:cubicBezTo>
+                  <a:pt x="4188096" y="34970"/>
+                  <a:pt x="3941535" y="7481"/>
+                  <a:pt x="3840480" y="18288"/>
+                </a:cubicBezTo>
+                <a:cubicBezTo>
+                  <a:pt x="3739425" y="29095"/>
+                  <a:pt x="3402388" y="17641"/>
+                  <a:pt x="3264408" y="18288"/>
+                </a:cubicBezTo>
+                <a:cubicBezTo>
+                  <a:pt x="3126428" y="18935"/>
+                  <a:pt x="2776779" y="9983"/>
+                  <a:pt x="2578608" y="18288"/>
+                </a:cubicBezTo>
+                <a:cubicBezTo>
+                  <a:pt x="2380437" y="26593"/>
+                  <a:pt x="1909468" y="25818"/>
+                  <a:pt x="1673352" y="18288"/>
+                </a:cubicBezTo>
+                <a:cubicBezTo>
+                  <a:pt x="1437236" y="10758"/>
+                  <a:pt x="1131180" y="49884"/>
+                  <a:pt x="877824" y="18288"/>
+                </a:cubicBezTo>
+                <a:cubicBezTo>
+                  <a:pt x="624468" y="-13308"/>
+                  <a:pt x="206753" y="2195"/>
+                  <a:pt x="0" y="18288"/>
+                </a:cubicBezTo>
+                <a:cubicBezTo>
+                  <a:pt x="313" y="10654"/>
+                  <a:pt x="-263" y="4056"/>
+                  <a:pt x="0" y="0"/>
+                </a:cubicBezTo>
+                <a:close/>
+              </a:path>
+              <a:path w="10972800" h="18288" stroke="0" extrusionOk="0">
+                <a:moveTo>
+                  <a:pt x="0" y="0"/>
+                </a:moveTo>
+                <a:cubicBezTo>
+                  <a:pt x="164017" y="-17675"/>
+                  <a:pt x="309425" y="9913"/>
+                  <a:pt x="466344" y="0"/>
+                </a:cubicBezTo>
+                <a:cubicBezTo>
+                  <a:pt x="623263" y="-9913"/>
+                  <a:pt x="659300" y="-14524"/>
+                  <a:pt x="822960" y="0"/>
+                </a:cubicBezTo>
+                <a:cubicBezTo>
+                  <a:pt x="986620" y="14524"/>
+                  <a:pt x="1105222" y="-16481"/>
+                  <a:pt x="1289304" y="0"/>
+                </a:cubicBezTo>
+                <a:cubicBezTo>
+                  <a:pt x="1473386" y="16481"/>
+                  <a:pt x="1693223" y="26161"/>
+                  <a:pt x="1975104" y="0"/>
+                </a:cubicBezTo>
+                <a:cubicBezTo>
+                  <a:pt x="2256985" y="-26161"/>
+                  <a:pt x="2435781" y="23061"/>
+                  <a:pt x="2770632" y="0"/>
+                </a:cubicBezTo>
+                <a:cubicBezTo>
+                  <a:pt x="3105483" y="-23061"/>
+                  <a:pt x="3247479" y="-44011"/>
+                  <a:pt x="3675888" y="0"/>
+                </a:cubicBezTo>
+                <a:cubicBezTo>
+                  <a:pt x="4104297" y="44011"/>
+                  <a:pt x="4280918" y="4017"/>
+                  <a:pt x="4581144" y="0"/>
+                </a:cubicBezTo>
+                <a:cubicBezTo>
+                  <a:pt x="4881370" y="-4017"/>
+                  <a:pt x="5021699" y="-11889"/>
+                  <a:pt x="5157216" y="0"/>
+                </a:cubicBezTo>
+                <a:cubicBezTo>
+                  <a:pt x="5292733" y="11889"/>
+                  <a:pt x="5603398" y="-17698"/>
+                  <a:pt x="5952744" y="0"/>
+                </a:cubicBezTo>
+                <a:cubicBezTo>
+                  <a:pt x="6302090" y="17698"/>
+                  <a:pt x="6353093" y="-11909"/>
+                  <a:pt x="6638544" y="0"/>
+                </a:cubicBezTo>
+                <a:cubicBezTo>
+                  <a:pt x="6923995" y="11909"/>
+                  <a:pt x="7053404" y="21630"/>
+                  <a:pt x="7214616" y="0"/>
+                </a:cubicBezTo>
+                <a:cubicBezTo>
+                  <a:pt x="7375828" y="-21630"/>
+                  <a:pt x="7837963" y="3886"/>
+                  <a:pt x="8010144" y="0"/>
+                </a:cubicBezTo>
+                <a:cubicBezTo>
+                  <a:pt x="8182325" y="-3886"/>
+                  <a:pt x="8224183" y="16009"/>
+                  <a:pt x="8366760" y="0"/>
+                </a:cubicBezTo>
+                <a:cubicBezTo>
+                  <a:pt x="8509337" y="-16009"/>
+                  <a:pt x="8687920" y="-5720"/>
+                  <a:pt x="8942832" y="0"/>
+                </a:cubicBezTo>
+                <a:cubicBezTo>
+                  <a:pt x="9197744" y="5720"/>
+                  <a:pt x="9368437" y="20479"/>
+                  <a:pt x="9628632" y="0"/>
+                </a:cubicBezTo>
+                <a:cubicBezTo>
+                  <a:pt x="9888827" y="-20479"/>
+                  <a:pt x="10560858" y="-20746"/>
+                  <a:pt x="10972800" y="0"/>
+                </a:cubicBezTo>
+                <a:cubicBezTo>
+                  <a:pt x="10972186" y="5722"/>
+                  <a:pt x="10972980" y="12495"/>
+                  <a:pt x="10972800" y="18288"/>
+                </a:cubicBezTo>
+                <a:cubicBezTo>
+                  <a:pt x="10786146" y="12536"/>
+                  <a:pt x="10623717" y="14033"/>
+                  <a:pt x="10506456" y="18288"/>
+                </a:cubicBezTo>
+                <a:cubicBezTo>
+                  <a:pt x="10389195" y="22543"/>
+                  <a:pt x="10296178" y="20107"/>
+                  <a:pt x="10149840" y="18288"/>
+                </a:cubicBezTo>
+                <a:cubicBezTo>
+                  <a:pt x="10003502" y="16469"/>
+                  <a:pt x="9767530" y="28891"/>
+                  <a:pt x="9464040" y="18288"/>
+                </a:cubicBezTo>
+                <a:cubicBezTo>
+                  <a:pt x="9160550" y="7685"/>
+                  <a:pt x="9229050" y="2659"/>
+                  <a:pt x="8997696" y="18288"/>
+                </a:cubicBezTo>
+                <a:cubicBezTo>
+                  <a:pt x="8766342" y="33917"/>
+                  <a:pt x="8340136" y="34864"/>
+                  <a:pt x="8092440" y="18288"/>
+                </a:cubicBezTo>
+                <a:cubicBezTo>
+                  <a:pt x="7844744" y="1712"/>
+                  <a:pt x="7863720" y="27405"/>
+                  <a:pt x="7735824" y="18288"/>
+                </a:cubicBezTo>
+                <a:cubicBezTo>
+                  <a:pt x="7607928" y="9171"/>
+                  <a:pt x="7323619" y="461"/>
+                  <a:pt x="7050024" y="18288"/>
+                </a:cubicBezTo>
+                <a:cubicBezTo>
+                  <a:pt x="6776429" y="36115"/>
+                  <a:pt x="6787899" y="28206"/>
+                  <a:pt x="6693408" y="18288"/>
+                </a:cubicBezTo>
+                <a:cubicBezTo>
+                  <a:pt x="6598917" y="8370"/>
+                  <a:pt x="6395231" y="19114"/>
+                  <a:pt x="6227064" y="18288"/>
+                </a:cubicBezTo>
+                <a:cubicBezTo>
+                  <a:pt x="6058897" y="17462"/>
+                  <a:pt x="5618582" y="1091"/>
+                  <a:pt x="5431536" y="18288"/>
+                </a:cubicBezTo>
+                <a:cubicBezTo>
+                  <a:pt x="5244490" y="35485"/>
+                  <a:pt x="4729797" y="-9650"/>
+                  <a:pt x="4526280" y="18288"/>
+                </a:cubicBezTo>
+                <a:cubicBezTo>
+                  <a:pt x="4322763" y="46226"/>
+                  <a:pt x="4216797" y="756"/>
+                  <a:pt x="4059936" y="18288"/>
+                </a:cubicBezTo>
+                <a:cubicBezTo>
+                  <a:pt x="3903075" y="35820"/>
+                  <a:pt x="3537912" y="42098"/>
+                  <a:pt x="3374136" y="18288"/>
+                </a:cubicBezTo>
+                <a:cubicBezTo>
+                  <a:pt x="3210360" y="-5522"/>
+                  <a:pt x="3126842" y="39135"/>
+                  <a:pt x="2907792" y="18288"/>
+                </a:cubicBezTo>
+                <a:cubicBezTo>
+                  <a:pt x="2688742" y="-2559"/>
+                  <a:pt x="2490436" y="34100"/>
+                  <a:pt x="2112264" y="18288"/>
+                </a:cubicBezTo>
+                <a:cubicBezTo>
+                  <a:pt x="1734092" y="2476"/>
+                  <a:pt x="1744622" y="-7274"/>
+                  <a:pt x="1536192" y="18288"/>
+                </a:cubicBezTo>
+                <a:cubicBezTo>
+                  <a:pt x="1327762" y="43850"/>
+                  <a:pt x="1189025" y="6435"/>
+                  <a:pt x="1069848" y="18288"/>
+                </a:cubicBezTo>
+                <a:cubicBezTo>
+                  <a:pt x="950671" y="30141"/>
+                  <a:pt x="858345" y="33684"/>
+                  <a:pt x="713232" y="18288"/>
+                </a:cubicBezTo>
+                <a:cubicBezTo>
+                  <a:pt x="568119" y="2892"/>
+                  <a:pt x="250292" y="5410"/>
+                  <a:pt x="0" y="18288"/>
+                </a:cubicBezTo>
+                <a:cubicBezTo>
+                  <a:pt x="465" y="13062"/>
+                  <a:pt x="-894" y="9029"/>
+                  <a:pt x="0" y="0"/>
+                </a:cubicBezTo>
+                <a:close/>
+              </a:path>
+            </a:pathLst>
+          </a:custGeom>
+          <a:solidFill>
+            <a:schemeClr val="accent2">
+              <a:alpha val="75000"/>
+            </a:schemeClr>
+          </a:solidFill>
+          <a:ln w="44450" cap="rnd">
+            <a:solidFill>
+              <a:schemeClr val="accent2">
+                <a:alpha val="75000"/>
+              </a:schemeClr>
+            </a:solidFill>
+            <a:round/>
+            <a:extLst>
+              <a:ext uri="{C807C97D-BFC1-408E-A445-0C87EB9F89A2}">
+                <ask:lineSketchStyleProps xmlns:ask="http://schemas.microsoft.com/office/drawing/2018/sketchyshapes" sd="2727557108">
+                  <a:prstGeom prst="rect">
+                    <a:avLst/>
+                  </a:prstGeom>
+                  <ask:type>
+                    <ask:lineSketchFreehand/>
+                  </ask:type>
+                </ask:lineSketchStyleProps>
+              </a:ext>
+            </a:extLst>
+          </a:ln>
+        </p:spPr>
+        <p:style>
+          <a:lnRef idx="2">
+            <a:schemeClr val="accent1">
+              <a:shade val="50000"/>
+            </a:schemeClr>
+          </a:lnRef>
+          <a:fillRef idx="1">
+            <a:schemeClr val="accent1"/>
+          </a:fillRef>
+          <a:effectRef idx="0">
+            <a:schemeClr val="accent1"/>
+          </a:effectRef>
+          <a:fontRef idx="minor">
+            <a:schemeClr val="lt1"/>
+          </a:fontRef>
+        </p:style>
+        <p:txBody>
+          <a:bodyPr rtlCol="0" anchor="ctr"/>
+          <a:lstStyle/>
+          <a:p>
+            <a:pPr algn="ctr"/>
+            <a:endParaRPr lang="en-US"/>
+          </a:p>
+        </p:txBody>
+      </p:sp>
+      <p:sp>
+        <p:nvSpPr>
+          <p:cNvPr id="3" name="מציין מיקום תוכן 2">
+            <a:extLst>
+              <a:ext uri="{FF2B5EF4-FFF2-40B4-BE49-F238E27FC236}">
+                <a16:creationId xmlns:a16="http://schemas.microsoft.com/office/drawing/2014/main" id="{7CF5D21D-3A2A-0913-0F17-9C7CE2771577}"/>
+              </a:ext>
+            </a:extLst>
+          </p:cNvPr>
+          <p:cNvSpPr>
+            <a:spLocks noGrp="1"/>
+          </p:cNvSpPr>
+          <p:nvPr>
+            <p:ph idx="1"/>
+          </p:nvPr>
+        </p:nvSpPr>
+        <p:spPr>
+          <a:xfrm>
+            <a:off x="572493" y="2071316"/>
+            <a:ext cx="6713552" cy="4119172"/>
+          </a:xfrm>
+        </p:spPr>
+        <p:txBody>
+          <a:bodyPr anchor="t">
+            <a:normAutofit lnSpcReduction="10000"/>
+          </a:bodyPr>
+          <a:lstStyle/>
+          <a:p>
             <a:pPr marL="0" indent="0">
               <a:buNone/>
             </a:pPr>
             <a:r>
-              <a:rPr lang="he-IL" b="1" dirty="0"/>
+              <a:rPr lang="he-IL" sz="2400" b="1" dirty="0"/>
               <a:t>שלב 3 – התמודדות עם תקלות ושמירה על ה־</a:t>
             </a:r>
             <a:r>
-              <a:rPr lang="en-US" b="1" dirty="0"/>
+              <a:rPr lang="en-US" sz="2400" b="1" dirty="0"/>
               <a:t>OTD</a:t>
             </a:r>
           </a:p>
           <a:p>
-            <a:pPr marL="0" indent="0" algn="just">
+            <a:pPr marL="0" indent="0">
               <a:buNone/>
             </a:pPr>
             <a:r>
-              <a:rPr lang="he-IL" sz="1600" b="1" dirty="0"/>
+              <a:rPr lang="he-IL" sz="1400" b="1" dirty="0"/>
               <a:t>הבעיה</a:t>
             </a:r>
             <a:r>
-              <a:rPr lang="he-IL" sz="1600" dirty="0"/>
+              <a:rPr lang="he-IL" sz="1400" dirty="0"/>
               <a:t> – מכונת הניקוי ישנה ונוטה להיכשל בממוצע פעם אחת כל שלושה ימים. כל תקלה גורמת להשבתה של כ־3 שעות.</a:t>
             </a:r>
           </a:p>
           <a:p>
-            <a:pPr marL="0" indent="0" algn="just">
+            <a:pPr marL="0" indent="0">
               <a:buNone/>
             </a:pPr>
             <a:r>
-              <a:rPr lang="he-IL" sz="1600" dirty="0"/>
+              <a:rPr lang="he-IL" sz="1400" dirty="0"/>
               <a:t>אם התקלה מתרחשת בלי היערכות מוקדמת, היא עלולה לעכב את הייצור ולהוריד את ה-</a:t>
             </a:r>
             <a:r>
-              <a:rPr lang="en-US" sz="1600" dirty="0"/>
-              <a:t>OTD</a:t>
-            </a:r>
-          </a:p>
-          <a:p>
-            <a:pPr marL="0" indent="0" algn="just">
+              <a:rPr lang="en-US" sz="1400" dirty="0"/>
+              <a:t>OTD.</a:t>
+            </a:r>
+            <a:br>
+              <a:rPr lang="en-US" sz="1400" dirty="0"/>
+            </a:br>
+            <a:r>
+              <a:rPr lang="he-IL" sz="1400" dirty="0"/>
+              <a:t>לאחר חישוב זמן עומס לתחנה ניתן לראות זמן העומס של מכונת ניקוי עדיין יותר קטנה מתחנת ההרכבה לכן המכונה אינה הצוואר בקבוק החדש אבל אם הזמן היה גבוה יותר היינו מבצעים את הפתרון הבא.</a:t>
+            </a:r>
+            <a:endParaRPr lang="en-US" sz="1400" dirty="0"/>
+          </a:p>
+          <a:p>
+            <a:pPr marL="0" indent="0">
               <a:buNone/>
             </a:pPr>
             <a:r>
-              <a:rPr lang="he-IL" sz="1600" b="1" dirty="0"/>
+              <a:rPr lang="he-IL" sz="1400" b="1" dirty="0"/>
               <a:t>הפתרון</a:t>
             </a:r>
             <a:r>
-              <a:rPr lang="he-IL" sz="1600" dirty="0"/>
+              <a:rPr lang="he-IL" sz="1400" dirty="0"/>
               <a:t> – שמירת </a:t>
             </a:r>
             <a:r>
-              <a:rPr lang="en-US" sz="1600" dirty="0"/>
+              <a:rPr lang="en-US" sz="1400" dirty="0"/>
               <a:t>)Buffer</a:t>
             </a:r>
             <a:r>
-              <a:rPr lang="he-IL" sz="1600" dirty="0"/>
+              <a:rPr lang="he-IL" sz="1400" dirty="0"/>
               <a:t>מלאי ביניים) של מוצרים מוכנים לפני תחנת ההרכבה (ה-</a:t>
             </a:r>
             <a:r>
-              <a:rPr lang="en-US" sz="1600" dirty="0"/>
+              <a:rPr lang="en-US" sz="1400" dirty="0"/>
               <a:t>(CCR</a:t>
             </a:r>
-            <a:endParaRPr lang="he-IL" sz="1600" dirty="0"/>
-          </a:p>
-          <a:p>
-            <a:pPr marL="0" indent="0" algn="just">
+            <a:endParaRPr lang="he-IL" sz="1400" dirty="0"/>
+          </a:p>
+          <a:p>
+            <a:pPr marL="0" indent="0">
               <a:buNone/>
             </a:pPr>
             <a:r>
-              <a:rPr lang="he-IL" sz="1600" dirty="0"/>
-              <a:t>הבאפר מחושב כך שיספיק להחזיק את ההרכבה פעילה במשך כל זמן התיקון של מכונת הניקוי (3 שעות).</a:t>
-            </a:r>
-          </a:p>
-          <a:p>
-            <a:pPr marL="0" indent="0" algn="just">
+              <a:rPr lang="he-IL" sz="1400" dirty="0"/>
+              <a:t>הבאפר מחושב כך שיספיק להחזיק את ההרכבה פעילה במשך כל זמן התיקון של מכונת הניקוי</a:t>
+            </a:r>
+          </a:p>
+          <a:p>
+            <a:pPr marL="0" indent="0">
               <a:buNone/>
             </a:pPr>
             <a:r>
-              <a:rPr lang="he-IL" sz="1600" b="1" dirty="0"/>
+              <a:rPr lang="he-IL" sz="1400" dirty="0"/>
+              <a:t> (3 שעות).</a:t>
+            </a:r>
+          </a:p>
+          <a:p>
+            <a:pPr marL="0" indent="0">
+              <a:buNone/>
+            </a:pPr>
+            <a:r>
+              <a:rPr lang="he-IL" sz="1400" b="1" dirty="0"/>
               <a:t>החישוב</a:t>
             </a:r>
             <a:r>
-              <a:rPr lang="he-IL" sz="1600" dirty="0"/>
+              <a:rPr lang="he-IL" sz="1400" dirty="0"/>
               <a:t> – נקבע גודל הבאפר לפי קצב הייצור הממוצע של ההרכבה, כך שיכלול את מספר היחידות הדרושות לכיסוי הפסקה של 180 דקות.</a:t>
             </a:r>
           </a:p>
           <a:p>
-            <a:pPr marL="0" indent="0" algn="just">
+            <a:pPr marL="0" indent="0">
               <a:buNone/>
             </a:pPr>
             <a:r>
-              <a:rPr lang="he-IL" sz="1600" b="1" dirty="0"/>
+              <a:rPr lang="he-IL" sz="1400" b="1" dirty="0"/>
               <a:t>התוצאה</a:t>
             </a:r>
             <a:r>
-              <a:rPr lang="he-IL" sz="1600" dirty="0"/>
+              <a:rPr lang="he-IL" sz="1400" dirty="0"/>
               <a:t> – גם אם הניקוי מושבת זמנית, ההרכבה ממשיכה לעבוד על מלאי הביניים, ותאריכי האספקה נשמרים.</a:t>
             </a:r>
           </a:p>
           <a:p>
-            <a:pPr marL="0" indent="0" algn="just">
+            <a:pPr marL="0" indent="0">
               <a:buNone/>
             </a:pPr>
             <a:r>
-              <a:rPr lang="he-IL" sz="1600" dirty="0"/>
+              <a:rPr lang="he-IL" sz="1400" dirty="0"/>
               <a:t>כך ה-</a:t>
             </a:r>
             <a:r>
-              <a:rPr lang="en-US" sz="1600" dirty="0"/>
+              <a:rPr lang="en-US" sz="1400" dirty="0"/>
               <a:t>OTD </a:t>
             </a:r>
             <a:r>
-              <a:rPr lang="he-IL" sz="1600" dirty="0"/>
+              <a:rPr lang="he-IL" sz="1400" dirty="0"/>
               <a:t> נשאר גבוה ואינו נפגע מתקלות חוזרות.</a:t>
             </a:r>
           </a:p>
@@ -4722,29 +5629,19 @@
               </a:ext>
             </a:extLst>
           </a:blip>
-          <a:srcRect/>
+          <a:srcRect l="4707" r="24821" b="-2"/>
           <a:stretch>
             <a:fillRect/>
           </a:stretch>
         </p:blipFill>
         <p:spPr bwMode="auto">
           <a:xfrm>
-            <a:off x="302004" y="260059"/>
-            <a:ext cx="2914651" cy="2138363"/>
+            <a:off x="7675658" y="2093976"/>
+            <a:ext cx="3941064" cy="4096512"/>
           </a:xfrm>
           <a:prstGeom prst="rect">
             <a:avLst/>
           </a:prstGeom>
-          <a:ln>
-            <a:noFill/>
-          </a:ln>
-          <a:effectLst>
-            <a:outerShdw blurRad="292100" dist="139700" dir="2700000" algn="tl" rotWithShape="0">
-              <a:srgbClr val="333333">
-                <a:alpha val="65000"/>
-              </a:srgbClr>
-            </a:outerShdw>
-          </a:effectLst>
           <a:extLst>
             <a:ext uri="{909E8E84-426E-40DD-AFC4-6F175D3DCCD1}">
               <a14:hiddenFill xmlns:a14="http://schemas.microsoft.com/office/drawing/2010/main">
@@ -4844,7 +5741,7 @@
         </p:spPr>
         <p:txBody>
           <a:bodyPr>
-            <a:normAutofit/>
+            <a:normAutofit lnSpcReduction="10000"/>
           </a:bodyPr>
           <a:lstStyle/>
           <a:p>
@@ -4895,12 +5792,23 @@
           <a:p>
             <a:pPr lvl="1"/>
             <a:r>
-              <a:rPr lang="he-IL" sz="1600" b="1" dirty="0"/>
-              <a:t>רמת טריגר - </a:t>
-            </a:r>
-            <a:r>
               <a:rPr lang="en-US" sz="1600" b="1" dirty="0"/>
-              <a:t>(Reorder Point)</a:t>
+              <a:t> Trigger level</a:t>
+            </a:r>
+            <a:r>
+              <a:rPr lang="en-US" sz="1600" dirty="0"/>
+              <a:t> </a:t>
+            </a:r>
+            <a:r>
+              <a:rPr lang="he-IL" sz="1600" dirty="0"/>
+              <a:t>צריכה ממוצעת של 14 ימים (ולפי הצורך תוספת לשונות).</a:t>
+            </a:r>
+          </a:p>
+          <a:p>
+            <a:pPr lvl="1"/>
+            <a:r>
+              <a:rPr lang="en-US" sz="1600" b="1" dirty="0"/>
+              <a:t>Target level</a:t>
             </a:r>
             <a:r>
               <a:rPr lang="he-IL" sz="1600" b="1" dirty="0"/>
@@ -4908,35 +5816,40 @@
             </a:r>
             <a:r>
               <a:rPr lang="he-IL" sz="1600" dirty="0"/>
-              <a:t>קצב צריכה יומי × זמן אספקה (14 יום) + באפר ביטחון.</a:t>
-            </a:r>
-          </a:p>
-          <a:p>
-            <a:pPr lvl="1"/>
+              <a:t>להשלים עד רמה שמחזירה את המלאי אל הירוק לאחר כל משלוח</a:t>
+            </a:r>
+          </a:p>
+          <a:p>
+            <a:pPr marL="0" indent="0">
+              <a:buNone/>
+            </a:pPr>
+            <a:r>
+              <a:rPr lang="he-IL" sz="1600" dirty="0"/>
+              <a:t>הלקוח מדווח </a:t>
+            </a:r>
             <a:r>
               <a:rPr lang="he-IL" sz="1600" b="1" dirty="0"/>
-              <a:t>כמות הזמנה -</a:t>
-            </a:r>
-            <a:r>
-              <a:rPr lang="en-US" sz="1600" b="1" dirty="0"/>
-              <a:t>(Order Quantity)</a:t>
+              <a:t>יומית</a:t>
+            </a:r>
+            <a:r>
+              <a:rPr lang="he-IL" sz="1600" dirty="0"/>
+              <a:t> על המשיכות כשהמלאי יורד אל קו האזהרה</a:t>
             </a:r>
             <a:r>
               <a:rPr lang="en-US" sz="1600" dirty="0"/>
-              <a:t> </a:t>
+              <a:t> Trigger </a:t>
             </a:r>
             <a:r>
               <a:rPr lang="he-IL" sz="1600" dirty="0"/>
-              <a:t> כמות לכיסוי הצריכה עד המשלוח הבא.</a:t>
-            </a:r>
-          </a:p>
-          <a:p>
-            <a:pPr marL="0" indent="0">
-              <a:buNone/>
-            </a:pPr>
+              <a:t>הספק משנע החזרה לרמת ה-</a:t>
+            </a:r>
+            <a:r>
+              <a:rPr lang="en-US" sz="1600" dirty="0"/>
+              <a:t>Target</a:t>
+            </a:r>
             <a:r>
               <a:rPr lang="he-IL" sz="1600" dirty="0"/>
-              <a:t>כשהמלאי יורד לטריגר – הספק שולח משלוח שמגיע בדיוק בזמן.</a:t>
+              <a:t>.</a:t>
             </a:r>
           </a:p>
           <a:p>
@@ -4952,7 +5865,23 @@
           <a:p>
             <a:r>
               <a:rPr lang="he-IL" sz="1600" dirty="0"/>
-              <a:t>צמצום מספר פקודות הרכש – ההזמנות מופעלות אוטומטית.</a:t>
+              <a:t>ב-</a:t>
+            </a:r>
+            <a:r>
+              <a:rPr lang="en-US" sz="1600" dirty="0"/>
+              <a:t> VMI </a:t>
+            </a:r>
+            <a:r>
+              <a:rPr lang="he-IL" sz="1600" dirty="0"/>
+              <a:t>אין כמעט פקודות רכש – הספק יוזם, ומקבלים </a:t>
+            </a:r>
+            <a:r>
+              <a:rPr lang="he-IL" sz="1600" b="1" dirty="0"/>
+              <a:t>חשבונית תקופתית אחת</a:t>
+            </a:r>
+            <a:r>
+              <a:rPr lang="he-IL" sz="1600" dirty="0"/>
+              <a:t>. זה ממזער עומס אדמיניסטרטיבי ועלות טיפול. </a:t>
             </a:r>
           </a:p>
           <a:p>
@@ -5033,198 +5962,6 @@
           </a:extLst>
         </p:spPr>
       </p:pic>
-      <p:sp>
-        <p:nvSpPr>
-          <p:cNvPr id="4" name="Rectangle 1">
-            <a:extLst>
-              <a:ext uri="{FF2B5EF4-FFF2-40B4-BE49-F238E27FC236}">
-                <a16:creationId xmlns:a16="http://schemas.microsoft.com/office/drawing/2014/main" id="{5CFD13EF-412E-FD69-4E53-A15FAFD66D20}"/>
-              </a:ext>
-            </a:extLst>
-          </p:cNvPr>
-          <p:cNvSpPr>
-            <a:spLocks noChangeArrowheads="1"/>
-          </p:cNvSpPr>
-          <p:nvPr/>
-        </p:nvSpPr>
-        <p:spPr bwMode="auto">
-          <a:xfrm>
-            <a:off x="0" y="0"/>
-            <a:ext cx="12192000" cy="0"/>
-          </a:xfrm>
-          <a:prstGeom prst="rect">
-            <a:avLst/>
-          </a:prstGeom>
-          <a:noFill/>
-          <a:ln>
-            <a:noFill/>
-          </a:ln>
-          <a:effectLst/>
-          <a:extLst>
-            <a:ext uri="{909E8E84-426E-40DD-AFC4-6F175D3DCCD1}">
-              <a14:hiddenFill xmlns:a14="http://schemas.microsoft.com/office/drawing/2010/main">
-                <a:solidFill>
-                  <a:schemeClr val="accent1"/>
-                </a:solidFill>
-              </a14:hiddenFill>
-            </a:ext>
-            <a:ext uri="{91240B29-F687-4F45-9708-019B960494DF}">
-              <a14:hiddenLine xmlns:a14="http://schemas.microsoft.com/office/drawing/2010/main" w="9525">
-                <a:solidFill>
-                  <a:schemeClr val="tx1"/>
-                </a:solidFill>
-                <a:miter lim="800000"/>
-                <a:headEnd/>
-                <a:tailEnd/>
-              </a14:hiddenLine>
-            </a:ext>
-            <a:ext uri="{AF507438-7753-43E0-B8FC-AC1667EBCBE1}">
-              <a14:hiddenEffects xmlns:a14="http://schemas.microsoft.com/office/drawing/2010/main">
-                <a:effectLst>
-                  <a:outerShdw dist="35921" dir="2700000" algn="ctr" rotWithShape="0">
-                    <a:schemeClr val="bg2"/>
-                  </a:outerShdw>
-                </a:effectLst>
-              </a14:hiddenEffects>
-            </a:ext>
-          </a:extLst>
-        </p:spPr>
-        <p:txBody>
-          <a:bodyPr vert="horz" wrap="none" lIns="91440" tIns="45720" rIns="91440" bIns="45720" numCol="1" anchor="ctr" anchorCtr="0" compatLnSpc="1">
-            <a:prstTxWarp prst="textNoShape">
-              <a:avLst/>
-            </a:prstTxWarp>
-            <a:spAutoFit/>
-          </a:bodyPr>
-          <a:lstStyle/>
-          <a:p>
-            <a:pPr marL="0" marR="0" lvl="0" indent="0" algn="l" defTabSz="914400" rtl="0" eaLnBrk="0" fontAlgn="base" latinLnBrk="0" hangingPunct="0">
-              <a:lnSpc>
-                <a:spcPct val="100000"/>
-              </a:lnSpc>
-              <a:spcBef>
-                <a:spcPct val="0"/>
-              </a:spcBef>
-              <a:spcAft>
-                <a:spcPct val="0"/>
-              </a:spcAft>
-              <a:buClrTx/>
-              <a:buSzTx/>
-              <a:buFontTx/>
-              <a:buChar char="•"/>
-              <a:tabLst/>
-            </a:pPr>
-            <a:r>
-              <a:rPr kumimoji="0" lang="he-IL" altLang="he-IL" sz="1800" b="0" i="0" u="none" strike="noStrike" cap="none" normalizeH="0" baseline="0">
-                <a:ln>
-                  <a:noFill/>
-                </a:ln>
-                <a:solidFill>
-                  <a:schemeClr val="tx1"/>
-                </a:solidFill>
-                <a:effectLst/>
-                <a:latin typeface="Arial" panose="020B0604020202020204" pitchFamily="34" charset="0"/>
-                <a:cs typeface="Arial" panose="020B0604020202020204" pitchFamily="34" charset="0"/>
-              </a:rPr>
-              <a:t>זמינות חומר גלם גבוהה → שמירה על OTD.</a:t>
-            </a:r>
-            <a:endParaRPr kumimoji="0" lang="he-IL" altLang="he-IL" sz="1800" b="0" i="0" u="none" strike="noStrike" cap="none" normalizeH="0" baseline="0">
-              <a:ln>
-                <a:noFill/>
-              </a:ln>
-              <a:solidFill>
-                <a:schemeClr val="tx1"/>
-              </a:solidFill>
-              <a:effectLst/>
-              <a:latin typeface="Arial" panose="020B0604020202020204" pitchFamily="34" charset="0"/>
-            </a:endParaRPr>
-          </a:p>
-          <a:p>
-            <a:pPr marL="0" marR="0" lvl="0" indent="0" algn="l" defTabSz="914400" rtl="0" eaLnBrk="0" fontAlgn="base" latinLnBrk="0" hangingPunct="0">
-              <a:lnSpc>
-                <a:spcPct val="100000"/>
-              </a:lnSpc>
-              <a:spcBef>
-                <a:spcPct val="0"/>
-              </a:spcBef>
-              <a:spcAft>
-                <a:spcPct val="0"/>
-              </a:spcAft>
-              <a:buClrTx/>
-              <a:buSzTx/>
-              <a:buFontTx/>
-              <a:buChar char="•"/>
-              <a:tabLst/>
-            </a:pPr>
-            <a:r>
-              <a:rPr kumimoji="0" lang="he-IL" altLang="he-IL" sz="1800" b="0" i="0" u="none" strike="noStrike" cap="none" normalizeH="0" baseline="0">
-                <a:ln>
-                  <a:noFill/>
-                </a:ln>
-                <a:solidFill>
-                  <a:schemeClr val="tx1"/>
-                </a:solidFill>
-                <a:effectLst/>
-                <a:latin typeface="Arial" panose="020B0604020202020204" pitchFamily="34" charset="0"/>
-                <a:cs typeface="Arial" panose="020B0604020202020204" pitchFamily="34" charset="0"/>
-              </a:rPr>
-              <a:t>צמצום בירוקרטיה והפחתת מספר פקודות הרכש.</a:t>
-            </a:r>
-            <a:endParaRPr kumimoji="0" lang="he-IL" altLang="he-IL" sz="1800" b="0" i="0" u="none" strike="noStrike" cap="none" normalizeH="0" baseline="0">
-              <a:ln>
-                <a:noFill/>
-              </a:ln>
-              <a:solidFill>
-                <a:schemeClr val="tx1"/>
-              </a:solidFill>
-              <a:effectLst/>
-              <a:latin typeface="Arial" panose="020B0604020202020204" pitchFamily="34" charset="0"/>
-            </a:endParaRPr>
-          </a:p>
-          <a:p>
-            <a:pPr marL="0" marR="0" lvl="0" indent="0" algn="l" defTabSz="914400" rtl="0" eaLnBrk="0" fontAlgn="base" latinLnBrk="0" hangingPunct="0">
-              <a:lnSpc>
-                <a:spcPct val="100000"/>
-              </a:lnSpc>
-              <a:spcBef>
-                <a:spcPct val="0"/>
-              </a:spcBef>
-              <a:spcAft>
-                <a:spcPct val="0"/>
-              </a:spcAft>
-              <a:buClrTx/>
-              <a:buSzTx/>
-              <a:buFontTx/>
-              <a:buChar char="•"/>
-              <a:tabLst/>
-            </a:pPr>
-            <a:r>
-              <a:rPr kumimoji="0" lang="he-IL" altLang="he-IL" sz="1800" b="0" i="0" u="none" strike="noStrike" cap="none" normalizeH="0" baseline="0">
-                <a:ln>
-                  <a:noFill/>
-                </a:ln>
-                <a:solidFill>
-                  <a:schemeClr val="tx1"/>
-                </a:solidFill>
-                <a:effectLst/>
-                <a:latin typeface="Arial" panose="020B0604020202020204" pitchFamily="34" charset="0"/>
-                <a:cs typeface="Arial" panose="020B0604020202020204" pitchFamily="34" charset="0"/>
-              </a:rPr>
-              <a:t>ניהול המלאי ע"י הספק חוסך משאבים פנימיים.</a:t>
-            </a:r>
-            <a:endParaRPr kumimoji="0" lang="he-IL" altLang="he-IL" sz="1800" b="0" i="0" u="none" strike="noStrike" cap="none" normalizeH="0" baseline="0">
-              <a:ln>
-                <a:noFill/>
-              </a:ln>
-              <a:solidFill>
-                <a:schemeClr val="tx1"/>
-              </a:solidFill>
-              <a:effectLst/>
-              <a:latin typeface="Arial" panose="020B0604020202020204" pitchFamily="34" charset="0"/>
-            </a:endParaRPr>
-          </a:p>
-        </p:txBody>
-      </p:sp>
     </p:spTree>
     <p:extLst>
       <p:ext uri="{BB962C8B-B14F-4D97-AF65-F5344CB8AC3E}">
@@ -5246,7 +5983,7 @@
         <p:cNvPr id="1" name="">
           <a:extLst>
             <a:ext uri="{FF2B5EF4-FFF2-40B4-BE49-F238E27FC236}">
-              <a16:creationId xmlns:a16="http://schemas.microsoft.com/office/drawing/2014/main" id="{EFD2D3FD-8AF1-3A1A-7C73-3B034395CD90}"/>
+              <a16:creationId xmlns:a16="http://schemas.microsoft.com/office/drawing/2014/main" id="{B5AF10CE-D6BD-493C-64F0-C5D68DEC46A4}"/>
             </a:ext>
           </a:extLst>
         </p:cNvPr>
@@ -5266,7 +6003,7 @@
           <p:cNvPr id="2" name="כותרת 1">
             <a:extLst>
               <a:ext uri="{FF2B5EF4-FFF2-40B4-BE49-F238E27FC236}">
-                <a16:creationId xmlns:a16="http://schemas.microsoft.com/office/drawing/2014/main" id="{2673DFA2-A15D-8325-117E-D62D4B1EC8D1}"/>
+                <a16:creationId xmlns:a16="http://schemas.microsoft.com/office/drawing/2014/main" id="{ECF29199-FC39-2668-14F5-C433A011298E}"/>
               </a:ext>
             </a:extLst>
           </p:cNvPr>
@@ -5294,7 +6031,7 @@
           <p:cNvPr id="3" name="מציין מיקום תוכן 2">
             <a:extLst>
               <a:ext uri="{FF2B5EF4-FFF2-40B4-BE49-F238E27FC236}">
-                <a16:creationId xmlns:a16="http://schemas.microsoft.com/office/drawing/2014/main" id="{2C7C4329-4D52-F519-4202-A770B71EF22D}"/>
+                <a16:creationId xmlns:a16="http://schemas.microsoft.com/office/drawing/2014/main" id="{9D57BC1B-3F7F-28C9-8F7F-10BD8B6F7DF8}"/>
               </a:ext>
             </a:extLst>
           </p:cNvPr>
@@ -5307,8 +6044,8 @@
         </p:nvSpPr>
         <p:spPr>
           <a:xfrm>
-            <a:off x="838200" y="1943071"/>
-            <a:ext cx="10515600" cy="4351338"/>
+            <a:off x="3586038" y="1943071"/>
+            <a:ext cx="7767762" cy="4351338"/>
           </a:xfrm>
         </p:spPr>
         <p:txBody>
@@ -5327,19 +6064,90 @@
             <a:endParaRPr lang="he-IL" dirty="0"/>
           </a:p>
           <a:p>
-            <a:pPr marL="0" indent="0">
+            <a:pPr marL="0" indent="0" algn="just">
               <a:buNone/>
             </a:pPr>
             <a:r>
-              <a:rPr lang="he-IL" sz="1600" b="1" dirty="0"/>
-              <a:t>חישוב המלאי הממוצע במחסן:</a:t>
-            </a:r>
-          </a:p>
-          <a:p>
-            <a:pPr marL="0" indent="0">
-              <a:buNone/>
-            </a:pPr>
-            <a:endParaRPr lang="he-IL" sz="1600" dirty="0"/>
+              <a:rPr lang="he-IL" sz="1600" dirty="0"/>
+              <a:t>המודל שבחרתי הוא – </a:t>
+            </a:r>
+            <a:r>
+              <a:rPr lang="en-US" sz="1600" dirty="0"/>
+              <a:t>VMI (Vendor Managed Inventory)</a:t>
+            </a:r>
+          </a:p>
+          <a:p>
+            <a:pPr lvl="0"/>
+            <a:r>
+              <a:rPr lang="he-IL" sz="1600" dirty="0"/>
+              <a:t>ניתן לראות כי המלאי הנוכחי מתעדכן בכל פעם שהוא יורד מתחת לכמות הטריגר.</a:t>
+            </a:r>
+            <a:br>
+              <a:rPr lang="he-IL" sz="1600" dirty="0"/>
+            </a:br>
+            <a:r>
+              <a:rPr lang="he-IL" sz="1600" dirty="0"/>
+              <a:t>כדי לחשב את כמות הטריגר, חישבנו תחילה את ממוצע הצריכה היומית והכפלנו אותו במספר הימים שנקבע (14 יום).</a:t>
+            </a:r>
+            <a:br>
+              <a:rPr lang="he-IL" sz="1600" dirty="0"/>
+            </a:br>
+            <a:r>
+              <a:rPr lang="he-IL" sz="1600" dirty="0"/>
+              <a:t>לאחר מכן, חישבנו את </a:t>
+            </a:r>
+            <a:r>
+              <a:rPr lang="en-US" sz="1600" b="1" dirty="0"/>
+              <a:t>Target Level</a:t>
+            </a:r>
+            <a:r>
+              <a:rPr lang="en-US" sz="1600" dirty="0"/>
+              <a:t> </a:t>
+            </a:r>
+            <a:r>
+              <a:rPr lang="he-IL" sz="1600" dirty="0"/>
+              <a:t> הרמה שאליה ממלאים את המלאי מחדש ברגע שהוא מגיע לכמות הטריגר.</a:t>
+            </a:r>
+            <a:br>
+              <a:rPr lang="he-IL" sz="1600" dirty="0"/>
+            </a:br>
+            <a:r>
+              <a:rPr lang="he-IL" sz="1600" dirty="0"/>
+              <a:t>רמת ה-</a:t>
+            </a:r>
+            <a:r>
+              <a:rPr lang="en-US" sz="1600" dirty="0"/>
+              <a:t>Target </a:t>
+            </a:r>
+            <a:r>
+              <a:rPr lang="he-IL" sz="1600" dirty="0"/>
+              <a:t> מושפעת מכמות </a:t>
+            </a:r>
+            <a:r>
+              <a:rPr lang="he-IL" sz="1600" dirty="0" err="1"/>
+              <a:t>הספייר</a:t>
+            </a:r>
+            <a:r>
+              <a:rPr lang="he-IL" sz="1600" dirty="0"/>
+              <a:t> שנוספת מעל הטריגר: ככל שכמות </a:t>
+            </a:r>
+            <a:r>
+              <a:rPr lang="he-IL" sz="1600" dirty="0" err="1"/>
+              <a:t>הספייר</a:t>
+            </a:r>
+            <a:r>
+              <a:rPr lang="he-IL" sz="1600" dirty="0"/>
+              <a:t> גבוהה יותר, תדירות ההזמנות תהיה נמוכה יותר; וככל שכמות </a:t>
+            </a:r>
+            <a:r>
+              <a:rPr lang="he-IL" sz="1600" dirty="0" err="1"/>
+              <a:t>הספייר</a:t>
+            </a:r>
+            <a:r>
+              <a:rPr lang="he-IL" sz="1600" dirty="0"/>
+              <a:t> נמוכה יותר, תדירות ההזמנות תהיה גבוהה יותר.</a:t>
+            </a:r>
+            <a:endParaRPr lang="en-US" sz="1600" dirty="0"/>
           </a:p>
         </p:txBody>
       </p:sp>
@@ -5348,7 +6156,7 @@
           <p:cNvPr id="1028" name="Picture 4" descr="90+ Bottleneck Workflow Stock Photos, Pictures &amp; Royalty-Free Images -  iStock">
             <a:extLst>
               <a:ext uri="{FF2B5EF4-FFF2-40B4-BE49-F238E27FC236}">
-                <a16:creationId xmlns:a16="http://schemas.microsoft.com/office/drawing/2014/main" id="{4D5141FF-F645-AE07-FEED-EE9BCE8A7E5C}"/>
+                <a16:creationId xmlns:a16="http://schemas.microsoft.com/office/drawing/2014/main" id="{B18C8037-DE92-FF69-F0FB-553836CDE037}"/>
               </a:ext>
             </a:extLst>
           </p:cNvPr>
@@ -5401,10 +6209,10 @@
       </p:pic>
       <p:pic>
         <p:nvPicPr>
-          <p:cNvPr id="5" name="Picture 4">
-            <a:extLst>
-              <a:ext uri="{FF2B5EF4-FFF2-40B4-BE49-F238E27FC236}">
-                <a16:creationId xmlns:a16="http://schemas.microsoft.com/office/drawing/2014/main" id="{680681BF-9CC5-CB58-012C-2ECD23E3DAA0}"/>
+          <p:cNvPr id="6" name="Picture 5">
+            <a:extLst>
+              <a:ext uri="{FF2B5EF4-FFF2-40B4-BE49-F238E27FC236}">
+                <a16:creationId xmlns:a16="http://schemas.microsoft.com/office/drawing/2014/main" id="{193D9B0C-E1B0-C0D7-42B4-DA17B5044EE0}"/>
               </a:ext>
             </a:extLst>
           </p:cNvPr>
@@ -5421,8 +6229,8 @@
         </p:blipFill>
         <p:spPr>
           <a:xfrm>
-            <a:off x="7253719" y="3047163"/>
-            <a:ext cx="4296375" cy="914528"/>
+            <a:off x="559676" y="2960500"/>
+            <a:ext cx="3026362" cy="1352523"/>
           </a:xfrm>
           <a:prstGeom prst="rect">
             <a:avLst/>
@@ -5431,10 +6239,10 @@
       </p:pic>
       <p:pic>
         <p:nvPicPr>
-          <p:cNvPr id="9" name="Picture 8" descr="A graph with a blue line&#10;&#10;AI-generated content may be incorrect.">
-            <a:extLst>
-              <a:ext uri="{FF2B5EF4-FFF2-40B4-BE49-F238E27FC236}">
-                <a16:creationId xmlns:a16="http://schemas.microsoft.com/office/drawing/2014/main" id="{FCF57B21-4CDA-B507-6FB3-71620FDDAAF2}"/>
+          <p:cNvPr id="8" name="Picture 7">
+            <a:extLst>
+              <a:ext uri="{FF2B5EF4-FFF2-40B4-BE49-F238E27FC236}">
+                <a16:creationId xmlns:a16="http://schemas.microsoft.com/office/drawing/2014/main" id="{C32FF394-0975-B95D-B024-3EF53F236E20}"/>
               </a:ext>
             </a:extLst>
           </p:cNvPr>
@@ -5444,21 +6252,15 @@
           <p:nvPr/>
         </p:nvPicPr>
         <p:blipFill>
-          <a:blip r:embed="rId4">
-            <a:extLst>
-              <a:ext uri="{28A0092B-C50C-407E-A947-70E740481C1C}">
-                <a14:useLocalDpi xmlns:a14="http://schemas.microsoft.com/office/drawing/2010/main" val="0"/>
-              </a:ext>
-            </a:extLst>
-          </a:blip>
+          <a:blip r:embed="rId4"/>
           <a:stretch>
             <a:fillRect/>
           </a:stretch>
         </p:blipFill>
         <p:spPr>
           <a:xfrm>
-            <a:off x="302004" y="3504427"/>
-            <a:ext cx="6329594" cy="3164797"/>
+            <a:off x="684402" y="4496192"/>
+            <a:ext cx="8741538" cy="1798217"/>
           </a:xfrm>
           <a:prstGeom prst="rect">
             <a:avLst/>
@@ -5468,7 +6270,7 @@
     </p:spTree>
     <p:extLst>
       <p:ext uri="{BB962C8B-B14F-4D97-AF65-F5344CB8AC3E}">
-        <p14:creationId xmlns:p14="http://schemas.microsoft.com/office/powerpoint/2010/main" val="193940545"/>
+        <p14:creationId xmlns:p14="http://schemas.microsoft.com/office/powerpoint/2010/main" val="4252487967"/>
       </p:ext>
     </p:extLst>
   </p:cSld>
@@ -5774,9 +6576,12 @@
 </file>
 
 <file path=customXml/item1.xml><?xml version="1.0" encoding="utf-8"?>
-<p:properties xmlns:p="http://schemas.microsoft.com/office/2006/metadata/properties" xmlns:xsi="http://www.w3.org/2001/XMLSchema-instance" xmlns:pc="http://schemas.microsoft.com/office/infopath/2007/PartnerControls">
-  <documentManagement/>
-</p:properties>
+<?mso-contentType ?>
+<FormTemplates xmlns="http://schemas.microsoft.com/sharepoint/v3/contenttype/forms">
+  <Display>DocumentLibraryForm</Display>
+  <Edit>DocumentLibraryForm</Edit>
+  <New>DocumentLibraryForm</New>
+</FormTemplates>
 </file>
 
 <file path=customXml/item2.xml><?xml version="1.0" encoding="utf-8"?>
@@ -5906,26 +6711,15 @@
 </file>
 
 <file path=customXml/item3.xml><?xml version="1.0" encoding="utf-8"?>
-<?mso-contentType ?>
-<FormTemplates xmlns="http://schemas.microsoft.com/sharepoint/v3/contenttype/forms">
-  <Display>DocumentLibraryForm</Display>
-  <Edit>DocumentLibraryForm</Edit>
-  <New>DocumentLibraryForm</New>
-</FormTemplates>
+<p:properties xmlns:p="http://schemas.microsoft.com/office/2006/metadata/properties" xmlns:xsi="http://www.w3.org/2001/XMLSchema-instance" xmlns:pc="http://schemas.microsoft.com/office/infopath/2007/PartnerControls">
+  <documentManagement/>
+</p:properties>
 </file>
 
 <file path=customXml/itemProps1.xml><?xml version="1.0" encoding="utf-8"?>
-<ds:datastoreItem xmlns:ds="http://schemas.openxmlformats.org/officeDocument/2006/customXml" ds:itemID="{7A5E3A80-562C-4AAC-9AE6-601BFFC69948}">
+<ds:datastoreItem xmlns:ds="http://schemas.openxmlformats.org/officeDocument/2006/customXml" ds:itemID="{522084FE-EA9F-4E85-B15C-4207B3EB089E}">
   <ds:schemaRefs>
-    <ds:schemaRef ds:uri="http://schemas.microsoft.com/office/2006/documentManagement/types"/>
-    <ds:schemaRef ds:uri="http://purl.org/dc/dcmitype/"/>
-    <ds:schemaRef ds:uri="http://purl.org/dc/terms/"/>
-    <ds:schemaRef ds:uri="http://www.w3.org/XML/1998/namespace"/>
-    <ds:schemaRef ds:uri="0864cb75-3eb1-4969-9bf8-df55d10e66a1"/>
-    <ds:schemaRef ds:uri="http://schemas.openxmlformats.org/package/2006/metadata/core-properties"/>
-    <ds:schemaRef ds:uri="http://purl.org/dc/elements/1.1/"/>
-    <ds:schemaRef ds:uri="http://schemas.microsoft.com/office/2006/metadata/properties"/>
-    <ds:schemaRef ds:uri="http://schemas.microsoft.com/office/infopath/2007/PartnerControls"/>
+    <ds:schemaRef ds:uri="http://schemas.microsoft.com/sharepoint/v3/contenttype/forms"/>
   </ds:schemaRefs>
 </ds:datastoreItem>
 </file>
@@ -5949,9 +6743,17 @@
 </file>
 
 <file path=customXml/itemProps3.xml><?xml version="1.0" encoding="utf-8"?>
-<ds:datastoreItem xmlns:ds="http://schemas.openxmlformats.org/officeDocument/2006/customXml" ds:itemID="{522084FE-EA9F-4E85-B15C-4207B3EB089E}">
+<ds:datastoreItem xmlns:ds="http://schemas.openxmlformats.org/officeDocument/2006/customXml" ds:itemID="{7A5E3A80-562C-4AAC-9AE6-601BFFC69948}">
   <ds:schemaRefs>
-    <ds:schemaRef ds:uri="http://schemas.microsoft.com/sharepoint/v3/contenttype/forms"/>
+    <ds:schemaRef ds:uri="http://schemas.microsoft.com/office/2006/documentManagement/types"/>
+    <ds:schemaRef ds:uri="http://purl.org/dc/dcmitype/"/>
+    <ds:schemaRef ds:uri="http://purl.org/dc/terms/"/>
+    <ds:schemaRef ds:uri="http://www.w3.org/XML/1998/namespace"/>
+    <ds:schemaRef ds:uri="0864cb75-3eb1-4969-9bf8-df55d10e66a1"/>
+    <ds:schemaRef ds:uri="http://schemas.openxmlformats.org/package/2006/metadata/core-properties"/>
+    <ds:schemaRef ds:uri="http://purl.org/dc/elements/1.1/"/>
+    <ds:schemaRef ds:uri="http://schemas.microsoft.com/office/2006/metadata/properties"/>
+    <ds:schemaRef ds:uri="http://schemas.microsoft.com/office/infopath/2007/PartnerControls"/>
   </ds:schemaRefs>
 </ds:datastoreItem>
 </file>